--- a/day10+day11/final-report.pptx
+++ b/day10+day11/final-report.pptx
@@ -9,28 +9,31 @@
     <p:sldId id="265" r:id="rId3"/>
     <p:sldId id="257" r:id="rId4"/>
     <p:sldId id="261" r:id="rId5"/>
-    <p:sldId id="262" r:id="rId6"/>
-    <p:sldId id="263" r:id="rId7"/>
-    <p:sldId id="264" r:id="rId8"/>
-    <p:sldId id="258" r:id="rId9"/>
-    <p:sldId id="259" r:id="rId10"/>
-    <p:sldId id="267" r:id="rId11"/>
-    <p:sldId id="266" r:id="rId12"/>
-    <p:sldId id="268" r:id="rId13"/>
-    <p:sldId id="269" r:id="rId14"/>
-    <p:sldId id="270" r:id="rId15"/>
-    <p:sldId id="271" r:id="rId16"/>
-    <p:sldId id="273" r:id="rId17"/>
-    <p:sldId id="282" r:id="rId18"/>
-    <p:sldId id="272" r:id="rId19"/>
-    <p:sldId id="274" r:id="rId20"/>
-    <p:sldId id="275" r:id="rId21"/>
-    <p:sldId id="276" r:id="rId22"/>
-    <p:sldId id="277" r:id="rId23"/>
-    <p:sldId id="278" r:id="rId24"/>
-    <p:sldId id="279" r:id="rId25"/>
-    <p:sldId id="280" r:id="rId26"/>
-    <p:sldId id="281" r:id="rId27"/>
+    <p:sldId id="283" r:id="rId6"/>
+    <p:sldId id="262" r:id="rId7"/>
+    <p:sldId id="263" r:id="rId8"/>
+    <p:sldId id="264" r:id="rId9"/>
+    <p:sldId id="258" r:id="rId10"/>
+    <p:sldId id="259" r:id="rId11"/>
+    <p:sldId id="267" r:id="rId12"/>
+    <p:sldId id="266" r:id="rId13"/>
+    <p:sldId id="268" r:id="rId14"/>
+    <p:sldId id="269" r:id="rId15"/>
+    <p:sldId id="270" r:id="rId16"/>
+    <p:sldId id="271" r:id="rId17"/>
+    <p:sldId id="273" r:id="rId18"/>
+    <p:sldId id="284" r:id="rId19"/>
+    <p:sldId id="285" r:id="rId20"/>
+    <p:sldId id="282" r:id="rId21"/>
+    <p:sldId id="272" r:id="rId22"/>
+    <p:sldId id="274" r:id="rId23"/>
+    <p:sldId id="275" r:id="rId24"/>
+    <p:sldId id="276" r:id="rId25"/>
+    <p:sldId id="277" r:id="rId26"/>
+    <p:sldId id="278" r:id="rId27"/>
+    <p:sldId id="279" r:id="rId28"/>
+    <p:sldId id="280" r:id="rId29"/>
+    <p:sldId id="281" r:id="rId30"/>
   </p:sldIdLst>
   <p:sldSz cx="12192000" cy="6858000"/>
   <p:notesSz cx="6858000" cy="9144000"/>
@@ -4040,7 +4043,7 @@
           <p:cNvPr id="2" name="Title 1">
             <a:extLst>
               <a:ext uri="{FF2B5EF4-FFF2-40B4-BE49-F238E27FC236}">
-                <a16:creationId xmlns:a16="http://schemas.microsoft.com/office/drawing/2014/main" id="{BACA048E-8210-4106-8377-6518A09613A9}"/>
+                <a16:creationId xmlns:a16="http://schemas.microsoft.com/office/drawing/2014/main" id="{44D779CD-EE8F-41D1-86DF-D763757D1713}"/>
               </a:ext>
             </a:extLst>
           </p:cNvPr>
@@ -4058,193 +4061,47 @@
           <a:p>
             <a:r>
               <a:rPr lang="en-US" dirty="0"/>
-              <a:t> Support Vector Machine</a:t>
+              <a:t>K-nearest neighbors</a:t>
             </a:r>
           </a:p>
         </p:txBody>
       </p:sp>
       <p:pic>
         <p:nvPicPr>
-          <p:cNvPr id="1026" name="Picture 2">
+          <p:cNvPr id="4" name="Content Placeholder 3">
             <a:extLst>
               <a:ext uri="{FF2B5EF4-FFF2-40B4-BE49-F238E27FC236}">
-                <a16:creationId xmlns:a16="http://schemas.microsoft.com/office/drawing/2014/main" id="{AB0E2C46-AF5D-46D8-8C86-0F2A721783BB}"/>
+                <a16:creationId xmlns:a16="http://schemas.microsoft.com/office/drawing/2014/main" id="{DDC3F957-0A42-44FE-B334-48A8F6784E1D}"/>
               </a:ext>
             </a:extLst>
           </p:cNvPr>
           <p:cNvPicPr>
-            <a:picLocks noGrp="1" noChangeAspect="1" noChangeArrowheads="1"/>
+            <a:picLocks noGrp="1" noChangeAspect="1"/>
           </p:cNvPicPr>
           <p:nvPr>
             <p:ph idx="1"/>
           </p:nvPr>
         </p:nvPicPr>
         <p:blipFill>
-          <a:blip r:embed="rId2">
-            <a:extLst>
-              <a:ext uri="{28A0092B-C50C-407E-A947-70E740481C1C}">
-                <a14:useLocalDpi xmlns:a14="http://schemas.microsoft.com/office/drawing/2010/main" val="0"/>
-              </a:ext>
-            </a:extLst>
-          </a:blip>
-          <a:srcRect/>
+          <a:blip r:embed="rId2"/>
           <a:stretch>
             <a:fillRect/>
           </a:stretch>
         </p:blipFill>
-        <p:spPr bwMode="auto">
-          <a:xfrm>
-            <a:off x="4225964" y="1809077"/>
-            <a:ext cx="3440205" cy="2293470"/>
+        <p:spPr>
+          <a:xfrm>
+            <a:off x="3918883" y="1870284"/>
+            <a:ext cx="4020111" cy="3705742"/>
           </a:xfrm>
           <a:prstGeom prst="rect">
             <a:avLst/>
           </a:prstGeom>
-          <a:noFill/>
-          <a:extLst>
-            <a:ext uri="{909E8E84-426E-40DD-AFC4-6F175D3DCCD1}">
-              <a14:hiddenFill xmlns:a14="http://schemas.microsoft.com/office/drawing/2010/main">
-                <a:solidFill>
-                  <a:srgbClr val="FFFFFF"/>
-                </a:solidFill>
-              </a14:hiddenFill>
-            </a:ext>
-          </a:extLst>
         </p:spPr>
       </p:pic>
-      <p:pic>
-        <p:nvPicPr>
-          <p:cNvPr id="1028" name="Picture 4">
-            <a:extLst>
-              <a:ext uri="{FF2B5EF4-FFF2-40B4-BE49-F238E27FC236}">
-                <a16:creationId xmlns:a16="http://schemas.microsoft.com/office/drawing/2014/main" id="{A8B57EB1-7ABA-4DE5-9E6E-3DDF1D860157}"/>
-              </a:ext>
-            </a:extLst>
-          </p:cNvPr>
-          <p:cNvPicPr>
-            <a:picLocks noChangeAspect="1" noChangeArrowheads="1"/>
-          </p:cNvPicPr>
-          <p:nvPr/>
-        </p:nvPicPr>
-        <p:blipFill>
-          <a:blip r:embed="rId3">
-            <a:extLst>
-              <a:ext uri="{28A0092B-C50C-407E-A947-70E740481C1C}">
-                <a14:useLocalDpi xmlns:a14="http://schemas.microsoft.com/office/drawing/2010/main" val="0"/>
-              </a:ext>
-            </a:extLst>
-          </a:blip>
-          <a:srcRect/>
-          <a:stretch>
-            <a:fillRect/>
-          </a:stretch>
-        </p:blipFill>
-        <p:spPr bwMode="auto">
-          <a:xfrm>
-            <a:off x="1318932" y="3826770"/>
-            <a:ext cx="3601571" cy="2401047"/>
-          </a:xfrm>
-          <a:prstGeom prst="rect">
-            <a:avLst/>
-          </a:prstGeom>
-          <a:noFill/>
-          <a:extLst>
-            <a:ext uri="{909E8E84-426E-40DD-AFC4-6F175D3DCCD1}">
-              <a14:hiddenFill xmlns:a14="http://schemas.microsoft.com/office/drawing/2010/main">
-                <a:solidFill>
-                  <a:srgbClr val="FFFFFF"/>
-                </a:solidFill>
-              </a14:hiddenFill>
-            </a:ext>
-          </a:extLst>
-        </p:spPr>
-      </p:pic>
-      <p:pic>
-        <p:nvPicPr>
-          <p:cNvPr id="1030" name="Picture 6">
-            <a:extLst>
-              <a:ext uri="{FF2B5EF4-FFF2-40B4-BE49-F238E27FC236}">
-                <a16:creationId xmlns:a16="http://schemas.microsoft.com/office/drawing/2014/main" id="{0D6E88FD-38F2-4548-AC3E-962721ED3109}"/>
-              </a:ext>
-            </a:extLst>
-          </p:cNvPr>
-          <p:cNvPicPr>
-            <a:picLocks noChangeAspect="1" noChangeArrowheads="1"/>
-          </p:cNvPicPr>
-          <p:nvPr/>
-        </p:nvPicPr>
-        <p:blipFill>
-          <a:blip r:embed="rId4">
-            <a:extLst>
-              <a:ext uri="{28A0092B-C50C-407E-A947-70E740481C1C}">
-                <a14:useLocalDpi xmlns:a14="http://schemas.microsoft.com/office/drawing/2010/main" val="0"/>
-              </a:ext>
-            </a:extLst>
-          </a:blip>
-          <a:srcRect/>
-          <a:stretch>
-            <a:fillRect/>
-          </a:stretch>
-        </p:blipFill>
-        <p:spPr bwMode="auto">
-          <a:xfrm>
-            <a:off x="7111252" y="3826769"/>
-            <a:ext cx="3601571" cy="2401047"/>
-          </a:xfrm>
-          <a:prstGeom prst="rect">
-            <a:avLst/>
-          </a:prstGeom>
-          <a:noFill/>
-          <a:extLst>
-            <a:ext uri="{909E8E84-426E-40DD-AFC4-6F175D3DCCD1}">
-              <a14:hiddenFill xmlns:a14="http://schemas.microsoft.com/office/drawing/2010/main">
-                <a:solidFill>
-                  <a:srgbClr val="FFFFFF"/>
-                </a:solidFill>
-              </a14:hiddenFill>
-            </a:ext>
-          </a:extLst>
-        </p:spPr>
-      </p:pic>
-      <p:sp>
-        <p:nvSpPr>
-          <p:cNvPr id="7" name="TextBox 6">
-            <a:extLst>
-              <a:ext uri="{FF2B5EF4-FFF2-40B4-BE49-F238E27FC236}">
-                <a16:creationId xmlns:a16="http://schemas.microsoft.com/office/drawing/2014/main" id="{D49D32F0-AD87-4AA0-B797-9604133EAAD9}"/>
-              </a:ext>
-            </a:extLst>
-          </p:cNvPr>
-          <p:cNvSpPr txBox="1"/>
-          <p:nvPr/>
-        </p:nvSpPr>
-        <p:spPr>
-          <a:xfrm>
-            <a:off x="3119718" y="2600793"/>
-            <a:ext cx="1016599" cy="477054"/>
-          </a:xfrm>
-          <a:prstGeom prst="rect">
-            <a:avLst/>
-          </a:prstGeom>
-          <a:noFill/>
-        </p:spPr>
-        <p:txBody>
-          <a:bodyPr wrap="square" rtlCol="0">
-            <a:spAutoFit/>
-          </a:bodyPr>
-          <a:lstStyle/>
-          <a:p>
-            <a:r>
-              <a:rPr lang="en-US" sz="2500" dirty="0"/>
-              <a:t>PLA</a:t>
-            </a:r>
-          </a:p>
-        </p:txBody>
-      </p:sp>
     </p:spTree>
     <p:extLst>
       <p:ext uri="{BB962C8B-B14F-4D97-AF65-F5344CB8AC3E}">
-        <p14:creationId xmlns:p14="http://schemas.microsoft.com/office/powerpoint/2010/main" val="3848402114"/>
+        <p14:creationId xmlns:p14="http://schemas.microsoft.com/office/powerpoint/2010/main" val="2106228637"/>
       </p:ext>
     </p:extLst>
   </p:cSld>
@@ -4301,130 +4158,186 @@
       </p:sp>
       <p:pic>
         <p:nvPicPr>
-          <p:cNvPr id="4" name="Content Placeholder 3">
+          <p:cNvPr id="1026" name="Picture 2">
             <a:extLst>
               <a:ext uri="{FF2B5EF4-FFF2-40B4-BE49-F238E27FC236}">
-                <a16:creationId xmlns:a16="http://schemas.microsoft.com/office/drawing/2014/main" id="{B85FC44C-C2A3-4FDD-9898-A20E323C13DA}"/>
+                <a16:creationId xmlns:a16="http://schemas.microsoft.com/office/drawing/2014/main" id="{AB0E2C46-AF5D-46D8-8C86-0F2A721783BB}"/>
               </a:ext>
             </a:extLst>
           </p:cNvPr>
           <p:cNvPicPr>
-            <a:picLocks noGrp="1" noChangeAspect="1"/>
+            <a:picLocks noGrp="1" noChangeAspect="1" noChangeArrowheads="1"/>
           </p:cNvPicPr>
           <p:nvPr>
             <p:ph idx="1"/>
           </p:nvPr>
         </p:nvPicPr>
         <p:blipFill>
-          <a:blip r:embed="rId2"/>
+          <a:blip r:embed="rId2">
+            <a:extLst>
+              <a:ext uri="{28A0092B-C50C-407E-A947-70E740481C1C}">
+                <a14:useLocalDpi xmlns:a14="http://schemas.microsoft.com/office/drawing/2010/main" val="0"/>
+              </a:ext>
+            </a:extLst>
+          </a:blip>
+          <a:srcRect/>
           <a:stretch>
             <a:fillRect/>
           </a:stretch>
         </p:blipFill>
-        <p:spPr>
-          <a:xfrm>
-            <a:off x="3474775" y="2374740"/>
-            <a:ext cx="3549425" cy="1450757"/>
+        <p:spPr bwMode="auto">
+          <a:xfrm>
+            <a:off x="4225964" y="1809077"/>
+            <a:ext cx="3440205" cy="2293470"/>
           </a:xfrm>
           <a:prstGeom prst="rect">
             <a:avLst/>
           </a:prstGeom>
+          <a:noFill/>
+          <a:extLst>
+            <a:ext uri="{909E8E84-426E-40DD-AFC4-6F175D3DCCD1}">
+              <a14:hiddenFill xmlns:a14="http://schemas.microsoft.com/office/drawing/2010/main">
+                <a:solidFill>
+                  <a:srgbClr val="FFFFFF"/>
+                </a:solidFill>
+              </a14:hiddenFill>
+            </a:ext>
+          </a:extLst>
         </p:spPr>
       </p:pic>
       <p:pic>
         <p:nvPicPr>
-          <p:cNvPr id="5" name="Picture 4">
+          <p:cNvPr id="1028" name="Picture 4">
             <a:extLst>
               <a:ext uri="{FF2B5EF4-FFF2-40B4-BE49-F238E27FC236}">
-                <a16:creationId xmlns:a16="http://schemas.microsoft.com/office/drawing/2014/main" id="{DADD5F97-5080-43D1-A221-5768FECA517F}"/>
+                <a16:creationId xmlns:a16="http://schemas.microsoft.com/office/drawing/2014/main" id="{A8B57EB1-7ABA-4DE5-9E6E-3DDF1D860157}"/>
               </a:ext>
             </a:extLst>
           </p:cNvPr>
           <p:cNvPicPr>
-            <a:picLocks noChangeAspect="1"/>
+            <a:picLocks noChangeAspect="1" noChangeArrowheads="1"/>
           </p:cNvPicPr>
           <p:nvPr/>
         </p:nvPicPr>
         <p:blipFill>
-          <a:blip r:embed="rId3"/>
+          <a:blip r:embed="rId3">
+            <a:extLst>
+              <a:ext uri="{28A0092B-C50C-407E-A947-70E740481C1C}">
+                <a14:useLocalDpi xmlns:a14="http://schemas.microsoft.com/office/drawing/2010/main" val="0"/>
+              </a:ext>
+            </a:extLst>
+          </a:blip>
+          <a:srcRect/>
           <a:stretch>
             <a:fillRect/>
           </a:stretch>
         </p:blipFill>
-        <p:spPr>
-          <a:xfrm>
-            <a:off x="4153268" y="4671667"/>
-            <a:ext cx="2192437" cy="1193515"/>
+        <p:spPr bwMode="auto">
+          <a:xfrm>
+            <a:off x="1318932" y="3826770"/>
+            <a:ext cx="3601571" cy="2401047"/>
           </a:xfrm>
           <a:prstGeom prst="rect">
             <a:avLst/>
           </a:prstGeom>
+          <a:noFill/>
+          <a:extLst>
+            <a:ext uri="{909E8E84-426E-40DD-AFC4-6F175D3DCCD1}">
+              <a14:hiddenFill xmlns:a14="http://schemas.microsoft.com/office/drawing/2010/main">
+                <a:solidFill>
+                  <a:srgbClr val="FFFFFF"/>
+                </a:solidFill>
+              </a14:hiddenFill>
+            </a:ext>
+          </a:extLst>
         </p:spPr>
       </p:pic>
       <p:pic>
         <p:nvPicPr>
-          <p:cNvPr id="8" name="Picture 7">
+          <p:cNvPr id="1030" name="Picture 6">
             <a:extLst>
               <a:ext uri="{FF2B5EF4-FFF2-40B4-BE49-F238E27FC236}">
-                <a16:creationId xmlns:a16="http://schemas.microsoft.com/office/drawing/2014/main" id="{CFBEC040-7E5E-4033-B70C-272ADFE89929}"/>
+                <a16:creationId xmlns:a16="http://schemas.microsoft.com/office/drawing/2014/main" id="{0D6E88FD-38F2-4548-AC3E-962721ED3109}"/>
               </a:ext>
             </a:extLst>
           </p:cNvPr>
           <p:cNvPicPr>
-            <a:picLocks noChangeAspect="1"/>
+            <a:picLocks noChangeAspect="1" noChangeArrowheads="1"/>
           </p:cNvPicPr>
           <p:nvPr/>
         </p:nvPicPr>
         <p:blipFill>
-          <a:blip r:embed="rId4"/>
+          <a:blip r:embed="rId4">
+            <a:extLst>
+              <a:ext uri="{28A0092B-C50C-407E-A947-70E740481C1C}">
+                <a14:useLocalDpi xmlns:a14="http://schemas.microsoft.com/office/drawing/2010/main" val="0"/>
+              </a:ext>
+            </a:extLst>
+          </a:blip>
+          <a:srcRect/>
           <a:stretch>
             <a:fillRect/>
           </a:stretch>
         </p:blipFill>
-        <p:spPr>
-          <a:xfrm>
-            <a:off x="1313483" y="2031185"/>
-            <a:ext cx="2370719" cy="471662"/>
+        <p:spPr bwMode="auto">
+          <a:xfrm>
+            <a:off x="7111252" y="3826769"/>
+            <a:ext cx="3601571" cy="2401047"/>
           </a:xfrm>
           <a:prstGeom prst="rect">
             <a:avLst/>
           </a:prstGeom>
+          <a:noFill/>
+          <a:extLst>
+            <a:ext uri="{909E8E84-426E-40DD-AFC4-6F175D3DCCD1}">
+              <a14:hiddenFill xmlns:a14="http://schemas.microsoft.com/office/drawing/2010/main">
+                <a:solidFill>
+                  <a:srgbClr val="FFFFFF"/>
+                </a:solidFill>
+              </a14:hiddenFill>
+            </a:ext>
+          </a:extLst>
         </p:spPr>
       </p:pic>
-      <p:pic>
-        <p:nvPicPr>
-          <p:cNvPr id="9" name="Picture 8">
+      <p:sp>
+        <p:nvSpPr>
+          <p:cNvPr id="7" name="TextBox 6">
             <a:extLst>
               <a:ext uri="{FF2B5EF4-FFF2-40B4-BE49-F238E27FC236}">
-                <a16:creationId xmlns:a16="http://schemas.microsoft.com/office/drawing/2014/main" id="{8779D981-AAEE-408D-ACD9-0AE4BB403C53}"/>
+                <a16:creationId xmlns:a16="http://schemas.microsoft.com/office/drawing/2014/main" id="{D49D32F0-AD87-4AA0-B797-9604133EAAD9}"/>
               </a:ext>
             </a:extLst>
           </p:cNvPr>
-          <p:cNvPicPr>
-            <a:picLocks noChangeAspect="1"/>
-          </p:cNvPicPr>
+          <p:cNvSpPr txBox="1"/>
           <p:nvPr/>
-        </p:nvPicPr>
-        <p:blipFill>
-          <a:blip r:embed="rId5"/>
-          <a:stretch>
-            <a:fillRect/>
-          </a:stretch>
-        </p:blipFill>
+        </p:nvSpPr>
         <p:spPr>
           <a:xfrm>
-            <a:off x="1510186" y="4038930"/>
-            <a:ext cx="1582637" cy="404861"/>
+            <a:off x="3119718" y="2600793"/>
+            <a:ext cx="1016599" cy="477054"/>
           </a:xfrm>
           <a:prstGeom prst="rect">
             <a:avLst/>
           </a:prstGeom>
-        </p:spPr>
-      </p:pic>
+          <a:noFill/>
+        </p:spPr>
+        <p:txBody>
+          <a:bodyPr wrap="square" rtlCol="0">
+            <a:spAutoFit/>
+          </a:bodyPr>
+          <a:lstStyle/>
+          <a:p>
+            <a:r>
+              <a:rPr lang="en-US" sz="2500" dirty="0"/>
+              <a:t>PLA</a:t>
+            </a:r>
+          </a:p>
+        </p:txBody>
+      </p:sp>
     </p:spTree>
     <p:extLst>
       <p:ext uri="{BB962C8B-B14F-4D97-AF65-F5344CB8AC3E}">
-        <p14:creationId xmlns:p14="http://schemas.microsoft.com/office/powerpoint/2010/main" val="483932822"/>
+        <p14:creationId xmlns:p14="http://schemas.microsoft.com/office/powerpoint/2010/main" val="3848402114"/>
       </p:ext>
     </p:extLst>
   </p:cSld>
@@ -4456,7 +4369,7 @@
           <p:cNvPr id="2" name="Title 1">
             <a:extLst>
               <a:ext uri="{FF2B5EF4-FFF2-40B4-BE49-F238E27FC236}">
-                <a16:creationId xmlns:a16="http://schemas.microsoft.com/office/drawing/2014/main" id="{693B2216-E6B0-4FBB-BC5D-D7409838E603}"/>
+                <a16:creationId xmlns:a16="http://schemas.microsoft.com/office/drawing/2014/main" id="{BACA048E-8210-4106-8377-6518A09613A9}"/>
               </a:ext>
             </a:extLst>
           </p:cNvPr>
@@ -4474,128 +4387,26 @@
           <a:p>
             <a:r>
               <a:rPr lang="en-US" dirty="0"/>
-              <a:t>Support Vector Machine</a:t>
-            </a:r>
-          </a:p>
-        </p:txBody>
-      </p:sp>
-      <p:sp>
-        <p:nvSpPr>
-          <p:cNvPr id="3" name="Content Placeholder 2">
-            <a:extLst>
-              <a:ext uri="{FF2B5EF4-FFF2-40B4-BE49-F238E27FC236}">
-                <a16:creationId xmlns:a16="http://schemas.microsoft.com/office/drawing/2014/main" id="{1936CC25-3C2D-43D5-95DA-DA8425B1355B}"/>
-              </a:ext>
-            </a:extLst>
-          </p:cNvPr>
-          <p:cNvSpPr>
-            <a:spLocks noGrp="1"/>
-          </p:cNvSpPr>
-          <p:nvPr>
-            <p:ph idx="1"/>
-          </p:nvPr>
-        </p:nvSpPr>
-        <p:spPr/>
-        <p:txBody>
-          <a:bodyPr/>
-          <a:lstStyle/>
-          <a:p>
-            <a:endParaRPr lang="en-US" dirty="0"/>
-          </a:p>
-        </p:txBody>
-      </p:sp>
-      <p:sp>
-        <p:nvSpPr>
-          <p:cNvPr id="4" name="Arrow: Right 3">
-            <a:extLst>
-              <a:ext uri="{FF2B5EF4-FFF2-40B4-BE49-F238E27FC236}">
-                <a16:creationId xmlns:a16="http://schemas.microsoft.com/office/drawing/2014/main" id="{63E50993-86A7-49E5-AA37-60E1562305E8}"/>
-              </a:ext>
-            </a:extLst>
-          </p:cNvPr>
-          <p:cNvSpPr/>
-          <p:nvPr/>
-        </p:nvSpPr>
-        <p:spPr>
-          <a:xfrm>
-            <a:off x="5838487" y="3059052"/>
-            <a:ext cx="842683" cy="74674"/>
-          </a:xfrm>
-          <a:prstGeom prst="rightArrow">
-            <a:avLst/>
-          </a:prstGeom>
-        </p:spPr>
-        <p:style>
-          <a:lnRef idx="2">
-            <a:schemeClr val="dk1"/>
-          </a:lnRef>
-          <a:fillRef idx="1">
-            <a:schemeClr val="lt1"/>
-          </a:fillRef>
-          <a:effectRef idx="0">
-            <a:schemeClr val="dk1"/>
-          </a:effectRef>
-          <a:fontRef idx="minor">
-            <a:schemeClr val="dk1"/>
-          </a:fontRef>
-        </p:style>
-        <p:txBody>
-          <a:bodyPr rtlCol="0" anchor="ctr"/>
-          <a:lstStyle/>
-          <a:p>
-            <a:pPr algn="ctr"/>
-            <a:endParaRPr lang="en-US"/>
-          </a:p>
-        </p:txBody>
-      </p:sp>
-      <p:sp>
-        <p:nvSpPr>
-          <p:cNvPr id="5" name="TextBox 4">
-            <a:extLst>
-              <a:ext uri="{FF2B5EF4-FFF2-40B4-BE49-F238E27FC236}">
-                <a16:creationId xmlns:a16="http://schemas.microsoft.com/office/drawing/2014/main" id="{4EE78228-3AD7-4C63-B14C-59F6223A5639}"/>
-              </a:ext>
-            </a:extLst>
-          </p:cNvPr>
-          <p:cNvSpPr txBox="1"/>
-          <p:nvPr/>
-        </p:nvSpPr>
-        <p:spPr>
-          <a:xfrm>
-            <a:off x="7407872" y="2874385"/>
-            <a:ext cx="3021105" cy="369332"/>
-          </a:xfrm>
-          <a:prstGeom prst="rect">
-            <a:avLst/>
-          </a:prstGeom>
-          <a:noFill/>
-        </p:spPr>
-        <p:txBody>
-          <a:bodyPr wrap="square" rtlCol="0">
-            <a:spAutoFit/>
-          </a:bodyPr>
-          <a:lstStyle/>
-          <a:p>
-            <a:r>
-              <a:rPr lang="en-US" dirty="0"/>
-              <a:t>W = ? , b = ?</a:t>
+              <a:t> Support Vector Machine</a:t>
             </a:r>
           </a:p>
         </p:txBody>
       </p:sp>
       <p:pic>
         <p:nvPicPr>
-          <p:cNvPr id="6" name="Picture 5">
+          <p:cNvPr id="4" name="Content Placeholder 3">
             <a:extLst>
               <a:ext uri="{FF2B5EF4-FFF2-40B4-BE49-F238E27FC236}">
-                <a16:creationId xmlns:a16="http://schemas.microsoft.com/office/drawing/2014/main" id="{97CC0761-EAB6-47B0-BA15-60B6AF014B4B}"/>
+                <a16:creationId xmlns:a16="http://schemas.microsoft.com/office/drawing/2014/main" id="{B85FC44C-C2A3-4FDD-9898-A20E323C13DA}"/>
               </a:ext>
             </a:extLst>
           </p:cNvPr>
           <p:cNvPicPr>
-            <a:picLocks noChangeAspect="1"/>
+            <a:picLocks noGrp="1" noChangeAspect="1"/>
           </p:cNvPicPr>
-          <p:nvPr/>
+          <p:nvPr>
+            <p:ph idx="1"/>
+          </p:nvPr>
         </p:nvPicPr>
         <p:blipFill>
           <a:blip r:embed="rId2"/>
@@ -4605,8 +4416,8 @@
         </p:blipFill>
         <p:spPr>
           <a:xfrm>
-            <a:off x="1912942" y="2503455"/>
-            <a:ext cx="3768891" cy="1111193"/>
+            <a:off x="4321287" y="2336640"/>
+            <a:ext cx="3549425" cy="1450757"/>
           </a:xfrm>
           <a:prstGeom prst="rect">
             <a:avLst/>
@@ -4615,10 +4426,10 @@
       </p:pic>
       <p:pic>
         <p:nvPicPr>
-          <p:cNvPr id="7" name="Picture 6">
+          <p:cNvPr id="5" name="Picture 4">
             <a:extLst>
               <a:ext uri="{FF2B5EF4-FFF2-40B4-BE49-F238E27FC236}">
-                <a16:creationId xmlns:a16="http://schemas.microsoft.com/office/drawing/2014/main" id="{ACB8B6BA-45F4-4F6A-BB43-D377E65BE5D3}"/>
+                <a16:creationId xmlns:a16="http://schemas.microsoft.com/office/drawing/2014/main" id="{DADD5F97-5080-43D1-A221-5768FECA517F}"/>
               </a:ext>
             </a:extLst>
           </p:cNvPr>
@@ -4635,8 +4446,68 @@
         </p:blipFill>
         <p:spPr>
           <a:xfrm>
-            <a:off x="1775507" y="4177184"/>
-            <a:ext cx="8125959" cy="943107"/>
+            <a:off x="4810493" y="4624042"/>
+            <a:ext cx="2192437" cy="1193515"/>
+          </a:xfrm>
+          <a:prstGeom prst="rect">
+            <a:avLst/>
+          </a:prstGeom>
+        </p:spPr>
+      </p:pic>
+      <p:pic>
+        <p:nvPicPr>
+          <p:cNvPr id="8" name="Picture 7">
+            <a:extLst>
+              <a:ext uri="{FF2B5EF4-FFF2-40B4-BE49-F238E27FC236}">
+                <a16:creationId xmlns:a16="http://schemas.microsoft.com/office/drawing/2014/main" id="{CFBEC040-7E5E-4033-B70C-272ADFE89929}"/>
+              </a:ext>
+            </a:extLst>
+          </p:cNvPr>
+          <p:cNvPicPr>
+            <a:picLocks noChangeAspect="1"/>
+          </p:cNvPicPr>
+          <p:nvPr/>
+        </p:nvPicPr>
+        <p:blipFill>
+          <a:blip r:embed="rId4"/>
+          <a:stretch>
+            <a:fillRect/>
+          </a:stretch>
+        </p:blipFill>
+        <p:spPr>
+          <a:xfrm>
+            <a:off x="1313483" y="2031185"/>
+            <a:ext cx="2370719" cy="471662"/>
+          </a:xfrm>
+          <a:prstGeom prst="rect">
+            <a:avLst/>
+          </a:prstGeom>
+        </p:spPr>
+      </p:pic>
+      <p:pic>
+        <p:nvPicPr>
+          <p:cNvPr id="9" name="Picture 8">
+            <a:extLst>
+              <a:ext uri="{FF2B5EF4-FFF2-40B4-BE49-F238E27FC236}">
+                <a16:creationId xmlns:a16="http://schemas.microsoft.com/office/drawing/2014/main" id="{8779D981-AAEE-408D-ACD9-0AE4BB403C53}"/>
+              </a:ext>
+            </a:extLst>
+          </p:cNvPr>
+          <p:cNvPicPr>
+            <a:picLocks noChangeAspect="1"/>
+          </p:cNvPicPr>
+          <p:nvPr/>
+        </p:nvPicPr>
+        <p:blipFill>
+          <a:blip r:embed="rId5"/>
+          <a:stretch>
+            <a:fillRect/>
+          </a:stretch>
+        </p:blipFill>
+        <p:spPr>
+          <a:xfrm>
+            <a:off x="1510186" y="4038930"/>
+            <a:ext cx="1582637" cy="404861"/>
           </a:xfrm>
           <a:prstGeom prst="rect">
             <a:avLst/>
@@ -4646,7 +4517,7 @@
     </p:spTree>
     <p:extLst>
       <p:ext uri="{BB962C8B-B14F-4D97-AF65-F5344CB8AC3E}">
-        <p14:creationId xmlns:p14="http://schemas.microsoft.com/office/powerpoint/2010/main" val="4031539993"/>
+        <p14:creationId xmlns:p14="http://schemas.microsoft.com/office/powerpoint/2010/main" val="483932822"/>
       </p:ext>
     </p:extLst>
   </p:cSld>
@@ -4678,7 +4549,7 @@
           <p:cNvPr id="2" name="Title 1">
             <a:extLst>
               <a:ext uri="{FF2B5EF4-FFF2-40B4-BE49-F238E27FC236}">
-                <a16:creationId xmlns:a16="http://schemas.microsoft.com/office/drawing/2014/main" id="{CC7BC985-9FC1-4C9C-8CB9-969613B0E4C7}"/>
+                <a16:creationId xmlns:a16="http://schemas.microsoft.com/office/drawing/2014/main" id="{693B2216-E6B0-4FBB-BC5D-D7409838E603}"/>
               </a:ext>
             </a:extLst>
           </p:cNvPr>
@@ -4706,7 +4577,7 @@
           <p:cNvPr id="3" name="Content Placeholder 2">
             <a:extLst>
               <a:ext uri="{FF2B5EF4-FFF2-40B4-BE49-F238E27FC236}">
-                <a16:creationId xmlns:a16="http://schemas.microsoft.com/office/drawing/2014/main" id="{473571CA-C291-447A-ACF1-BAFD9DD1EE8F}"/>
+                <a16:creationId xmlns:a16="http://schemas.microsoft.com/office/drawing/2014/main" id="{1936CC25-3C2D-43D5-95DA-DA8425B1355B}"/>
               </a:ext>
             </a:extLst>
           </p:cNvPr>
@@ -4719,96 +4590,19 @@
         </p:nvSpPr>
         <p:spPr/>
         <p:txBody>
-          <a:bodyPr>
-            <a:normAutofit/>
-          </a:bodyPr>
+          <a:bodyPr/>
           <a:lstStyle/>
           <a:p>
-            <a:endParaRPr lang="en-US" sz="2500" dirty="0">
-              <a:solidFill>
-                <a:schemeClr val="tx1"/>
-              </a:solidFill>
-            </a:endParaRPr>
-          </a:p>
-          <a:p>
-            <a:r>
-              <a:rPr lang="en-US" sz="2500" dirty="0" err="1">
-                <a:solidFill>
-                  <a:schemeClr val="tx1"/>
-                </a:solidFill>
-              </a:rPr>
-              <a:t>Tiêu</a:t>
-            </a:r>
-            <a:r>
-              <a:rPr lang="en-US" sz="2500" dirty="0">
-                <a:solidFill>
-                  <a:schemeClr val="tx1"/>
-                </a:solidFill>
-              </a:rPr>
-              <a:t> </a:t>
-            </a:r>
-            <a:r>
-              <a:rPr lang="en-US" sz="2500" dirty="0" err="1">
-                <a:solidFill>
-                  <a:schemeClr val="tx1"/>
-                </a:solidFill>
-              </a:rPr>
-              <a:t>chuẩn</a:t>
-            </a:r>
-            <a:r>
-              <a:rPr lang="en-US" sz="2500" dirty="0">
-                <a:solidFill>
-                  <a:schemeClr val="tx1"/>
-                </a:solidFill>
-              </a:rPr>
-              <a:t> Slater  </a:t>
-            </a:r>
-          </a:p>
-          <a:p>
-            <a:endParaRPr lang="en-US" sz="2500" dirty="0">
-              <a:solidFill>
-                <a:schemeClr val="tx1"/>
-              </a:solidFill>
-            </a:endParaRPr>
-          </a:p>
-        </p:txBody>
-      </p:sp>
-      <p:pic>
-        <p:nvPicPr>
-          <p:cNvPr id="4" name="Picture 3">
+            <a:endParaRPr lang="en-US" dirty="0"/>
+          </a:p>
+        </p:txBody>
+      </p:sp>
+      <p:sp>
+        <p:nvSpPr>
+          <p:cNvPr id="4" name="Arrow: Right 3">
             <a:extLst>
               <a:ext uri="{FF2B5EF4-FFF2-40B4-BE49-F238E27FC236}">
-                <a16:creationId xmlns:a16="http://schemas.microsoft.com/office/drawing/2014/main" id="{B86AD959-9355-4229-A9D8-02550A6DFEEE}"/>
-              </a:ext>
-            </a:extLst>
-          </p:cNvPr>
-          <p:cNvPicPr>
-            <a:picLocks noChangeAspect="1"/>
-          </p:cNvPicPr>
-          <p:nvPr/>
-        </p:nvPicPr>
-        <p:blipFill>
-          <a:blip r:embed="rId2"/>
-          <a:stretch>
-            <a:fillRect/>
-          </a:stretch>
-        </p:blipFill>
-        <p:spPr>
-          <a:xfrm>
-            <a:off x="3766025" y="2263061"/>
-            <a:ext cx="5240276" cy="646062"/>
-          </a:xfrm>
-          <a:prstGeom prst="rect">
-            <a:avLst/>
-          </a:prstGeom>
-        </p:spPr>
-      </p:pic>
-      <p:sp>
-        <p:nvSpPr>
-          <p:cNvPr id="5" name="Rectangle 4">
-            <a:extLst>
-              <a:ext uri="{FF2B5EF4-FFF2-40B4-BE49-F238E27FC236}">
-                <a16:creationId xmlns:a16="http://schemas.microsoft.com/office/drawing/2014/main" id="{5CF6DC06-F3D5-48F7-94F6-25657D8C26BA}"/>
+                <a16:creationId xmlns:a16="http://schemas.microsoft.com/office/drawing/2014/main" id="{63E50993-86A7-49E5-AA37-60E1562305E8}"/>
               </a:ext>
             </a:extLst>
           </p:cNvPr>
@@ -4817,208 +4611,8 @@
         </p:nvSpPr>
         <p:spPr>
           <a:xfrm>
-            <a:off x="1097280" y="2950126"/>
-            <a:ext cx="9391650" cy="477054"/>
-          </a:xfrm>
-          <a:prstGeom prst="rect">
-            <a:avLst/>
-          </a:prstGeom>
-        </p:spPr>
-        <p:txBody>
-          <a:bodyPr wrap="square">
-            <a:spAutoFit/>
-          </a:bodyPr>
-          <a:lstStyle/>
-          <a:p>
-            <a:r>
-              <a:rPr lang="en-US" sz="2500" dirty="0" err="1">
-                <a:solidFill>
-                  <a:srgbClr val="000000"/>
-                </a:solidFill>
-                <a:latin typeface="Calibri (Body)"/>
-                <a:cs typeface="Calibri" panose="020F0502020204030204" pitchFamily="34" charset="0"/>
-              </a:rPr>
-              <a:t>Lagrangian</a:t>
-            </a:r>
-            <a:r>
-              <a:rPr lang="en-US" sz="2500" dirty="0">
-                <a:solidFill>
-                  <a:srgbClr val="000000"/>
-                </a:solidFill>
-                <a:latin typeface="Calibri (Body)"/>
-                <a:cs typeface="Calibri" panose="020F0502020204030204" pitchFamily="34" charset="0"/>
-              </a:rPr>
-              <a:t> </a:t>
-            </a:r>
-            <a:r>
-              <a:rPr lang="en-US" sz="2500" dirty="0" err="1">
-                <a:solidFill>
-                  <a:srgbClr val="000000"/>
-                </a:solidFill>
-                <a:latin typeface="Calibri (Body)"/>
-                <a:cs typeface="Calibri" panose="020F0502020204030204" pitchFamily="34" charset="0"/>
-              </a:rPr>
-              <a:t>của</a:t>
-            </a:r>
-            <a:r>
-              <a:rPr lang="en-US" sz="2500" dirty="0">
-                <a:solidFill>
-                  <a:srgbClr val="000000"/>
-                </a:solidFill>
-                <a:latin typeface="Calibri (Body)"/>
-                <a:cs typeface="Calibri" panose="020F0502020204030204" pitchFamily="34" charset="0"/>
-              </a:rPr>
-              <a:t> </a:t>
-            </a:r>
-            <a:r>
-              <a:rPr lang="en-US" sz="2500" dirty="0" err="1">
-                <a:solidFill>
-                  <a:srgbClr val="000000"/>
-                </a:solidFill>
-                <a:latin typeface="Calibri (Body)"/>
-                <a:cs typeface="Calibri" panose="020F0502020204030204" pitchFamily="34" charset="0"/>
-              </a:rPr>
-              <a:t>bài</a:t>
-            </a:r>
-            <a:r>
-              <a:rPr lang="en-US" sz="2500" dirty="0">
-                <a:solidFill>
-                  <a:srgbClr val="000000"/>
-                </a:solidFill>
-                <a:latin typeface="Calibri (Body)"/>
-                <a:cs typeface="Calibri" panose="020F0502020204030204" pitchFamily="34" charset="0"/>
-              </a:rPr>
-              <a:t> </a:t>
-            </a:r>
-            <a:r>
-              <a:rPr lang="en-US" sz="2500" dirty="0" err="1">
-                <a:solidFill>
-                  <a:srgbClr val="000000"/>
-                </a:solidFill>
-                <a:latin typeface="Calibri (Body)"/>
-                <a:cs typeface="Calibri" panose="020F0502020204030204" pitchFamily="34" charset="0"/>
-              </a:rPr>
-              <a:t>toán</a:t>
-            </a:r>
-            <a:r>
-              <a:rPr lang="en-US" sz="2500" dirty="0">
-                <a:solidFill>
-                  <a:srgbClr val="000000"/>
-                </a:solidFill>
-                <a:latin typeface="Calibri (Body)"/>
-                <a:cs typeface="Calibri" panose="020F0502020204030204" pitchFamily="34" charset="0"/>
-              </a:rPr>
-              <a:t> SVM</a:t>
-            </a:r>
-          </a:p>
-        </p:txBody>
-      </p:sp>
-      <p:pic>
-        <p:nvPicPr>
-          <p:cNvPr id="6" name="Picture 5">
-            <a:extLst>
-              <a:ext uri="{FF2B5EF4-FFF2-40B4-BE49-F238E27FC236}">
-                <a16:creationId xmlns:a16="http://schemas.microsoft.com/office/drawing/2014/main" id="{A987C2AB-3A75-4084-B780-36777040F78E}"/>
-              </a:ext>
-            </a:extLst>
-          </p:cNvPr>
-          <p:cNvPicPr>
-            <a:picLocks noChangeAspect="1"/>
-          </p:cNvPicPr>
-          <p:nvPr/>
-        </p:nvPicPr>
-        <p:blipFill>
-          <a:blip r:embed="rId3"/>
-          <a:stretch>
-            <a:fillRect/>
-          </a:stretch>
-        </p:blipFill>
-        <p:spPr>
-          <a:xfrm>
-            <a:off x="3946999" y="3393061"/>
-            <a:ext cx="4715533" cy="752580"/>
-          </a:xfrm>
-          <a:prstGeom prst="rect">
-            <a:avLst/>
-          </a:prstGeom>
-        </p:spPr>
-      </p:pic>
-      <p:pic>
-        <p:nvPicPr>
-          <p:cNvPr id="7" name="Picture 6">
-            <a:extLst>
-              <a:ext uri="{FF2B5EF4-FFF2-40B4-BE49-F238E27FC236}">
-                <a16:creationId xmlns:a16="http://schemas.microsoft.com/office/drawing/2014/main" id="{5D9D9529-580B-4D42-A62A-6E75652C76EF}"/>
-              </a:ext>
-            </a:extLst>
-          </p:cNvPr>
-          <p:cNvPicPr>
-            <a:picLocks noChangeAspect="1"/>
-          </p:cNvPicPr>
-          <p:nvPr/>
-        </p:nvPicPr>
-        <p:blipFill>
-          <a:blip r:embed="rId4"/>
-          <a:stretch>
-            <a:fillRect/>
-          </a:stretch>
-        </p:blipFill>
-        <p:spPr>
-          <a:xfrm>
-            <a:off x="156348" y="4672201"/>
-            <a:ext cx="4302514" cy="970921"/>
-          </a:xfrm>
-          <a:prstGeom prst="rect">
-            <a:avLst/>
-          </a:prstGeom>
-        </p:spPr>
-      </p:pic>
-      <p:pic>
-        <p:nvPicPr>
-          <p:cNvPr id="8" name="Picture 7">
-            <a:extLst>
-              <a:ext uri="{FF2B5EF4-FFF2-40B4-BE49-F238E27FC236}">
-                <a16:creationId xmlns:a16="http://schemas.microsoft.com/office/drawing/2014/main" id="{4EACFBF8-2863-4112-92B6-DB424D26B0CE}"/>
-              </a:ext>
-            </a:extLst>
-          </p:cNvPr>
-          <p:cNvPicPr>
-            <a:picLocks noChangeAspect="1"/>
-          </p:cNvPicPr>
-          <p:nvPr/>
-        </p:nvPicPr>
-        <p:blipFill>
-          <a:blip r:embed="rId5"/>
-          <a:stretch>
-            <a:fillRect/>
-          </a:stretch>
-        </p:blipFill>
-        <p:spPr>
-          <a:xfrm>
-            <a:off x="5198793" y="4875677"/>
-            <a:ext cx="2915057" cy="609685"/>
-          </a:xfrm>
-          <a:prstGeom prst="rect">
-            <a:avLst/>
-          </a:prstGeom>
-        </p:spPr>
-      </p:pic>
-      <p:sp>
-        <p:nvSpPr>
-          <p:cNvPr id="9" name="Arrow: Right 8">
-            <a:extLst>
-              <a:ext uri="{FF2B5EF4-FFF2-40B4-BE49-F238E27FC236}">
-                <a16:creationId xmlns:a16="http://schemas.microsoft.com/office/drawing/2014/main" id="{14F816AE-1BAF-4271-9E33-B9AC600DB18F}"/>
-              </a:ext>
-            </a:extLst>
-          </p:cNvPr>
-          <p:cNvSpPr/>
-          <p:nvPr/>
-        </p:nvSpPr>
-        <p:spPr>
-          <a:xfrm>
-            <a:off x="4356110" y="5157661"/>
-            <a:ext cx="842683" cy="45719"/>
+            <a:off x="5838487" y="3059052"/>
+            <a:ext cx="842683" cy="74674"/>
           </a:xfrm>
           <a:prstGeom prst="rightArrow">
             <a:avLst/>
@@ -5049,54 +4643,45 @@
       </p:sp>
       <p:sp>
         <p:nvSpPr>
-          <p:cNvPr id="10" name="Arrow: Right 9">
+          <p:cNvPr id="5" name="TextBox 4">
             <a:extLst>
               <a:ext uri="{FF2B5EF4-FFF2-40B4-BE49-F238E27FC236}">
-                <a16:creationId xmlns:a16="http://schemas.microsoft.com/office/drawing/2014/main" id="{CAF85392-C403-4B7F-9522-8B4325308694}"/>
+                <a16:creationId xmlns:a16="http://schemas.microsoft.com/office/drawing/2014/main" id="{4EE78228-3AD7-4C63-B14C-59F6223A5639}"/>
               </a:ext>
             </a:extLst>
           </p:cNvPr>
-          <p:cNvSpPr/>
+          <p:cNvSpPr txBox="1"/>
           <p:nvPr/>
         </p:nvSpPr>
         <p:spPr>
           <a:xfrm>
-            <a:off x="8011099" y="5132070"/>
-            <a:ext cx="770952" cy="62610"/>
-          </a:xfrm>
-          <a:prstGeom prst="rightArrow">
+            <a:off x="7407872" y="2874385"/>
+            <a:ext cx="3021105" cy="369332"/>
+          </a:xfrm>
+          <a:prstGeom prst="rect">
             <a:avLst/>
           </a:prstGeom>
-        </p:spPr>
-        <p:style>
-          <a:lnRef idx="2">
-            <a:schemeClr val="dk1"/>
-          </a:lnRef>
-          <a:fillRef idx="1">
-            <a:schemeClr val="lt1"/>
-          </a:fillRef>
-          <a:effectRef idx="0">
-            <a:schemeClr val="dk1"/>
-          </a:effectRef>
-          <a:fontRef idx="minor">
-            <a:schemeClr val="dk1"/>
-          </a:fontRef>
-        </p:style>
-        <p:txBody>
-          <a:bodyPr rtlCol="0" anchor="ctr"/>
+          <a:noFill/>
+        </p:spPr>
+        <p:txBody>
+          <a:bodyPr wrap="square" rtlCol="0">
+            <a:spAutoFit/>
+          </a:bodyPr>
           <a:lstStyle/>
           <a:p>
-            <a:pPr algn="ctr"/>
-            <a:endParaRPr lang="en-US"/>
+            <a:r>
+              <a:rPr lang="en-US" dirty="0"/>
+              <a:t>W = ? , b = ?</a:t>
+            </a:r>
           </a:p>
         </p:txBody>
       </p:sp>
       <p:pic>
         <p:nvPicPr>
-          <p:cNvPr id="11" name="Picture 10">
+          <p:cNvPr id="6" name="Picture 5">
             <a:extLst>
               <a:ext uri="{FF2B5EF4-FFF2-40B4-BE49-F238E27FC236}">
-                <a16:creationId xmlns:a16="http://schemas.microsoft.com/office/drawing/2014/main" id="{78F3B41C-1D6B-4957-BC4C-A483FFB15FAC}"/>
+                <a16:creationId xmlns:a16="http://schemas.microsoft.com/office/drawing/2014/main" id="{97CC0761-EAB6-47B0-BA15-60B6AF014B4B}"/>
               </a:ext>
             </a:extLst>
           </p:cNvPr>
@@ -5106,109 +4691,55 @@
           <p:nvPr/>
         </p:nvPicPr>
         <p:blipFill>
-          <a:blip r:embed="rId6"/>
+          <a:blip r:embed="rId2"/>
           <a:stretch>
             <a:fillRect/>
           </a:stretch>
         </p:blipFill>
         <p:spPr>
           <a:xfrm>
-            <a:off x="9006300" y="4934777"/>
-            <a:ext cx="2295845" cy="428685"/>
+            <a:off x="1912942" y="2503455"/>
+            <a:ext cx="3768891" cy="1111193"/>
           </a:xfrm>
           <a:prstGeom prst="rect">
             <a:avLst/>
           </a:prstGeom>
         </p:spPr>
       </p:pic>
-      <p:sp>
-        <p:nvSpPr>
-          <p:cNvPr id="12" name="Rectangle 11">
+      <p:pic>
+        <p:nvPicPr>
+          <p:cNvPr id="7" name="Picture 6">
             <a:extLst>
               <a:ext uri="{FF2B5EF4-FFF2-40B4-BE49-F238E27FC236}">
-                <a16:creationId xmlns:a16="http://schemas.microsoft.com/office/drawing/2014/main" id="{7E5D756D-4557-4BE8-8B78-1319B8B4A8C3}"/>
+                <a16:creationId xmlns:a16="http://schemas.microsoft.com/office/drawing/2014/main" id="{ACB8B6BA-45F4-4F6A-BB43-D377E65BE5D3}"/>
               </a:ext>
             </a:extLst>
           </p:cNvPr>
-          <p:cNvSpPr/>
+          <p:cNvPicPr>
+            <a:picLocks noChangeAspect="1"/>
+          </p:cNvPicPr>
           <p:nvPr/>
-        </p:nvSpPr>
+        </p:nvPicPr>
+        <p:blipFill>
+          <a:blip r:embed="rId3"/>
+          <a:stretch>
+            <a:fillRect/>
+          </a:stretch>
+        </p:blipFill>
         <p:spPr>
           <a:xfrm>
-            <a:off x="1036320" y="4183676"/>
-            <a:ext cx="3240759" cy="477054"/>
+            <a:off x="1775507" y="4177184"/>
+            <a:ext cx="8125959" cy="943107"/>
           </a:xfrm>
           <a:prstGeom prst="rect">
             <a:avLst/>
           </a:prstGeom>
         </p:spPr>
-        <p:txBody>
-          <a:bodyPr wrap="none">
-            <a:spAutoFit/>
-          </a:bodyPr>
-          <a:lstStyle/>
-          <a:p>
-            <a:r>
-              <a:rPr lang="en-US" sz="2500" dirty="0" err="1">
-                <a:solidFill>
-                  <a:srgbClr val="000000"/>
-                </a:solidFill>
-                <a:latin typeface="Calibri (Body)"/>
-              </a:rPr>
-              <a:t>Hàm</a:t>
-            </a:r>
-            <a:r>
-              <a:rPr lang="en-US" sz="2500" dirty="0">
-                <a:solidFill>
-                  <a:srgbClr val="000000"/>
-                </a:solidFill>
-                <a:latin typeface="Calibri (Body)"/>
-              </a:rPr>
-              <a:t> </a:t>
-            </a:r>
-            <a:r>
-              <a:rPr lang="en-US" sz="2500" dirty="0" err="1">
-                <a:solidFill>
-                  <a:srgbClr val="000000"/>
-                </a:solidFill>
-                <a:latin typeface="Calibri (Body)"/>
-              </a:rPr>
-              <a:t>đối</a:t>
-            </a:r>
-            <a:r>
-              <a:rPr lang="en-US" sz="2500" dirty="0">
-                <a:solidFill>
-                  <a:srgbClr val="000000"/>
-                </a:solidFill>
-                <a:latin typeface="Calibri (Body)"/>
-              </a:rPr>
-              <a:t> </a:t>
-            </a:r>
-            <a:r>
-              <a:rPr lang="en-US" sz="2500" dirty="0" err="1">
-                <a:solidFill>
-                  <a:srgbClr val="000000"/>
-                </a:solidFill>
-                <a:latin typeface="Calibri (Body)"/>
-              </a:rPr>
-              <a:t>ngẫu</a:t>
-            </a:r>
-            <a:r>
-              <a:rPr lang="en-US" sz="2500" dirty="0">
-                <a:solidFill>
-                  <a:srgbClr val="000000"/>
-                </a:solidFill>
-                <a:latin typeface="Calibri (Body)"/>
-              </a:rPr>
-              <a:t> Lagrange</a:t>
-            </a:r>
-          </a:p>
-        </p:txBody>
-      </p:sp>
+      </p:pic>
     </p:spTree>
     <p:extLst>
       <p:ext uri="{BB962C8B-B14F-4D97-AF65-F5344CB8AC3E}">
-        <p14:creationId xmlns:p14="http://schemas.microsoft.com/office/powerpoint/2010/main" val="1384997489"/>
+        <p14:creationId xmlns:p14="http://schemas.microsoft.com/office/powerpoint/2010/main" val="4031539993"/>
       </p:ext>
     </p:extLst>
   </p:cSld>
@@ -5240,7 +4771,7 @@
           <p:cNvPr id="2" name="Title 1">
             <a:extLst>
               <a:ext uri="{FF2B5EF4-FFF2-40B4-BE49-F238E27FC236}">
-                <a16:creationId xmlns:a16="http://schemas.microsoft.com/office/drawing/2014/main" id="{22496646-90A4-411B-B106-ACF71475208B}"/>
+                <a16:creationId xmlns:a16="http://schemas.microsoft.com/office/drawing/2014/main" id="{CC7BC985-9FC1-4C9C-8CB9-969613B0E4C7}"/>
               </a:ext>
             </a:extLst>
           </p:cNvPr>
@@ -5268,7 +4799,7 @@
           <p:cNvPr id="3" name="Content Placeholder 2">
             <a:extLst>
               <a:ext uri="{FF2B5EF4-FFF2-40B4-BE49-F238E27FC236}">
-                <a16:creationId xmlns:a16="http://schemas.microsoft.com/office/drawing/2014/main" id="{857EC545-9BEA-4D72-8175-6318E22EF030}"/>
+                <a16:creationId xmlns:a16="http://schemas.microsoft.com/office/drawing/2014/main" id="{473571CA-C291-447A-ACF1-BAFD9DD1EE8F}"/>
               </a:ext>
             </a:extLst>
           </p:cNvPr>
@@ -5294,140 +4825,20 @@
           </a:p>
           <a:p>
             <a:r>
-              <a:rPr lang="en-US" sz="2500" dirty="0">
-                <a:solidFill>
-                  <a:srgbClr val="FF0000"/>
-                </a:solidFill>
-              </a:rPr>
-              <a:t>*</a:t>
-            </a:r>
-            <a:r>
-              <a:rPr lang="en-US" sz="2500" dirty="0" err="1">
-                <a:solidFill>
-                  <a:schemeClr val="tx1"/>
-                </a:solidFill>
-              </a:rPr>
-              <a:t>Nếu</a:t>
-            </a:r>
-            <a:r>
-              <a:rPr lang="en-US" sz="2500" dirty="0">
-                <a:solidFill>
-                  <a:schemeClr val="tx1"/>
-                </a:solidFill>
-              </a:rPr>
-              <a:t> </a:t>
-            </a:r>
-            <a:r>
-              <a:rPr lang="en-US" sz="2500" dirty="0" err="1">
-                <a:solidFill>
-                  <a:schemeClr val="tx1"/>
-                </a:solidFill>
-              </a:rPr>
-              <a:t>bài</a:t>
-            </a:r>
-            <a:r>
-              <a:rPr lang="en-US" sz="2500" dirty="0">
-                <a:solidFill>
-                  <a:schemeClr val="tx1"/>
-                </a:solidFill>
-              </a:rPr>
-              <a:t> </a:t>
-            </a:r>
-            <a:r>
-              <a:rPr lang="en-US" sz="2500" dirty="0" err="1">
-                <a:solidFill>
-                  <a:schemeClr val="tx1"/>
-                </a:solidFill>
-              </a:rPr>
-              <a:t>toán</a:t>
-            </a:r>
-            <a:r>
-              <a:rPr lang="en-US" sz="2500" dirty="0">
-                <a:solidFill>
-                  <a:schemeClr val="tx1"/>
-                </a:solidFill>
-              </a:rPr>
-              <a:t> </a:t>
-            </a:r>
-            <a:r>
-              <a:rPr lang="en-US" sz="2500" dirty="0" err="1">
-                <a:solidFill>
-                  <a:schemeClr val="tx1"/>
-                </a:solidFill>
-              </a:rPr>
-              <a:t>tối</a:t>
-            </a:r>
-            <a:r>
-              <a:rPr lang="en-US" sz="2500" dirty="0">
-                <a:solidFill>
-                  <a:schemeClr val="tx1"/>
-                </a:solidFill>
-              </a:rPr>
-              <a:t> </a:t>
-            </a:r>
-            <a:r>
-              <a:rPr lang="en-US" sz="2500" dirty="0" err="1">
-                <a:solidFill>
-                  <a:schemeClr val="tx1"/>
-                </a:solidFill>
-              </a:rPr>
-              <a:t>ưu</a:t>
-            </a:r>
-            <a:r>
-              <a:rPr lang="en-US" sz="2500" dirty="0">
-                <a:solidFill>
-                  <a:schemeClr val="tx1"/>
-                </a:solidFill>
-              </a:rPr>
-              <a:t> </a:t>
-            </a:r>
-            <a:r>
-              <a:rPr lang="en-US" sz="2500" dirty="0" err="1">
-                <a:solidFill>
-                  <a:schemeClr val="tx1"/>
-                </a:solidFill>
-              </a:rPr>
-              <a:t>lồi</a:t>
-            </a:r>
-            <a:r>
-              <a:rPr lang="en-US" sz="2500" dirty="0">
-                <a:solidFill>
-                  <a:schemeClr val="tx1"/>
-                </a:solidFill>
-              </a:rPr>
-              <a:t> </a:t>
-            </a:r>
-            <a:r>
-              <a:rPr lang="en-US" sz="2500" dirty="0" err="1">
-                <a:solidFill>
-                  <a:schemeClr val="tx1"/>
-                </a:solidFill>
-              </a:rPr>
-              <a:t>thỏa</a:t>
-            </a:r>
-            <a:r>
-              <a:rPr lang="en-US" sz="2500" dirty="0">
-                <a:solidFill>
-                  <a:schemeClr val="tx1"/>
-                </a:solidFill>
-              </a:rPr>
-              <a:t> </a:t>
-            </a:r>
-            <a:r>
-              <a:rPr lang="en-US" sz="2500" dirty="0" err="1">
-                <a:solidFill>
-                  <a:schemeClr val="tx1"/>
-                </a:solidFill>
-              </a:rPr>
-              <a:t>mãn</a:t>
-            </a:r>
-            <a:r>
-              <a:rPr lang="en-US" sz="2500" dirty="0">
-                <a:solidFill>
-                  <a:schemeClr val="tx1"/>
-                </a:solidFill>
-              </a:rPr>
-              <a:t> tiểu </a:t>
+              <a:rPr lang="en-US" sz="2500" dirty="0" err="1">
+                <a:solidFill>
+                  <a:schemeClr val="tx1"/>
+                </a:solidFill>
+              </a:rPr>
+              <a:t>Tiêu</a:t>
+            </a:r>
+            <a:r>
+              <a:rPr lang="en-US" sz="2500" dirty="0">
+                <a:solidFill>
+                  <a:schemeClr val="tx1"/>
+                </a:solidFill>
+              </a:rPr>
+              <a:t> </a:t>
             </a:r>
             <a:r>
               <a:rPr lang="en-US" sz="2500" dirty="0" err="1">
@@ -5443,249 +4854,7 @@
                   <a:schemeClr val="tx1"/>
                 </a:solidFill>
               </a:rPr>
-              <a:t> Slater </a:t>
-            </a:r>
-            <a:r>
-              <a:rPr lang="en-US" sz="2500" dirty="0" err="1">
-                <a:solidFill>
-                  <a:schemeClr val="tx1"/>
-                </a:solidFill>
-              </a:rPr>
-              <a:t>thì</a:t>
-            </a:r>
-            <a:r>
-              <a:rPr lang="en-US" sz="2500" dirty="0">
-                <a:solidFill>
-                  <a:schemeClr val="tx1"/>
-                </a:solidFill>
-              </a:rPr>
-              <a:t> </a:t>
-            </a:r>
-            <a:r>
-              <a:rPr lang="en-US" sz="2500" dirty="0" err="1">
-                <a:solidFill>
-                  <a:schemeClr val="tx1"/>
-                </a:solidFill>
-              </a:rPr>
-              <a:t>đối</a:t>
-            </a:r>
-            <a:r>
-              <a:rPr lang="en-US" sz="2500" dirty="0">
-                <a:solidFill>
-                  <a:schemeClr val="tx1"/>
-                </a:solidFill>
-              </a:rPr>
-              <a:t> </a:t>
-            </a:r>
-            <a:r>
-              <a:rPr lang="en-US" sz="2500" dirty="0" err="1">
-                <a:solidFill>
-                  <a:schemeClr val="tx1"/>
-                </a:solidFill>
-              </a:rPr>
-              <a:t>ngẫu</a:t>
-            </a:r>
-            <a:r>
-              <a:rPr lang="en-US" sz="2500" dirty="0">
-                <a:solidFill>
-                  <a:schemeClr val="tx1"/>
-                </a:solidFill>
-              </a:rPr>
-              <a:t> </a:t>
-            </a:r>
-            <a:r>
-              <a:rPr lang="en-US" sz="2500" dirty="0" err="1">
-                <a:solidFill>
-                  <a:schemeClr val="tx1"/>
-                </a:solidFill>
-              </a:rPr>
-              <a:t>mạnh</a:t>
-            </a:r>
-            <a:r>
-              <a:rPr lang="en-US" sz="2500" dirty="0">
-                <a:solidFill>
-                  <a:schemeClr val="tx1"/>
-                </a:solidFill>
-              </a:rPr>
-              <a:t> </a:t>
-            </a:r>
-            <a:r>
-              <a:rPr lang="en-US" sz="2500" dirty="0" err="1">
-                <a:solidFill>
-                  <a:schemeClr val="tx1"/>
-                </a:solidFill>
-              </a:rPr>
-              <a:t>xảy</a:t>
-            </a:r>
-            <a:r>
-              <a:rPr lang="en-US" sz="2500" dirty="0">
-                <a:solidFill>
-                  <a:schemeClr val="tx1"/>
-                </a:solidFill>
-              </a:rPr>
-              <a:t> ra và </a:t>
-            </a:r>
-            <a:r>
-              <a:rPr lang="en-US" sz="2500" dirty="0" err="1">
-                <a:solidFill>
-                  <a:schemeClr val="tx1"/>
-                </a:solidFill>
-              </a:rPr>
-              <a:t>thỏa</a:t>
-            </a:r>
-            <a:r>
-              <a:rPr lang="en-US" sz="2500" dirty="0">
-                <a:solidFill>
-                  <a:schemeClr val="tx1"/>
-                </a:solidFill>
-              </a:rPr>
-              <a:t> </a:t>
-            </a:r>
-            <a:r>
-              <a:rPr lang="en-US" sz="2500" dirty="0" err="1">
-                <a:solidFill>
-                  <a:schemeClr val="tx1"/>
-                </a:solidFill>
-              </a:rPr>
-              <a:t>mãn</a:t>
-            </a:r>
-            <a:r>
-              <a:rPr lang="en-US" sz="2500" dirty="0">
-                <a:solidFill>
-                  <a:schemeClr val="tx1"/>
-                </a:solidFill>
-              </a:rPr>
-              <a:t> </a:t>
-            </a:r>
-            <a:r>
-              <a:rPr lang="en-US" sz="2500" dirty="0" err="1">
-                <a:solidFill>
-                  <a:schemeClr val="tx1"/>
-                </a:solidFill>
-              </a:rPr>
-              <a:t>thì</a:t>
-            </a:r>
-            <a:r>
-              <a:rPr lang="en-US" sz="2500" dirty="0">
-                <a:solidFill>
-                  <a:schemeClr val="tx1"/>
-                </a:solidFill>
-              </a:rPr>
-              <a:t> </a:t>
-            </a:r>
-          </a:p>
-          <a:p>
-            <a:r>
-              <a:rPr lang="en-US" sz="2500" dirty="0" err="1">
-                <a:solidFill>
-                  <a:schemeClr val="tx1"/>
-                </a:solidFill>
-              </a:rPr>
-              <a:t>Nghiệm</a:t>
-            </a:r>
-            <a:r>
-              <a:rPr lang="en-US" sz="2500" dirty="0">
-                <a:solidFill>
-                  <a:schemeClr val="tx1"/>
-                </a:solidFill>
-              </a:rPr>
-              <a:t> </a:t>
-            </a:r>
-            <a:r>
-              <a:rPr lang="en-US" sz="2500" dirty="0" err="1">
-                <a:solidFill>
-                  <a:schemeClr val="tx1"/>
-                </a:solidFill>
-              </a:rPr>
-              <a:t>chính</a:t>
-            </a:r>
-            <a:r>
-              <a:rPr lang="en-US" sz="2500" dirty="0">
-                <a:solidFill>
-                  <a:schemeClr val="tx1"/>
-                </a:solidFill>
-              </a:rPr>
-              <a:t> </a:t>
-            </a:r>
-            <a:r>
-              <a:rPr lang="en-US" sz="2500" dirty="0" err="1">
-                <a:solidFill>
-                  <a:schemeClr val="tx1"/>
-                </a:solidFill>
-              </a:rPr>
-              <a:t>là</a:t>
-            </a:r>
-            <a:r>
-              <a:rPr lang="en-US" sz="2500" dirty="0">
-                <a:solidFill>
-                  <a:schemeClr val="tx1"/>
-                </a:solidFill>
-              </a:rPr>
-              <a:t> </a:t>
-            </a:r>
-            <a:r>
-              <a:rPr lang="en-US" sz="2500" dirty="0" err="1">
-                <a:solidFill>
-                  <a:schemeClr val="tx1"/>
-                </a:solidFill>
-              </a:rPr>
-              <a:t>nghiệm</a:t>
-            </a:r>
-            <a:r>
-              <a:rPr lang="en-US" sz="2500" dirty="0">
-                <a:solidFill>
-                  <a:schemeClr val="tx1"/>
-                </a:solidFill>
-              </a:rPr>
-              <a:t> </a:t>
-            </a:r>
-            <a:r>
-              <a:rPr lang="en-US" sz="2500" dirty="0" err="1">
-                <a:solidFill>
-                  <a:schemeClr val="tx1"/>
-                </a:solidFill>
-              </a:rPr>
-              <a:t>của</a:t>
-            </a:r>
-            <a:r>
-              <a:rPr lang="en-US" sz="2500" dirty="0">
-                <a:solidFill>
-                  <a:schemeClr val="tx1"/>
-                </a:solidFill>
-              </a:rPr>
-              <a:t> hệ </a:t>
-            </a:r>
-            <a:r>
-              <a:rPr lang="en-US" sz="2500" dirty="0" err="1">
-                <a:solidFill>
-                  <a:schemeClr val="tx1"/>
-                </a:solidFill>
-              </a:rPr>
-              <a:t>điều</a:t>
-            </a:r>
-            <a:r>
-              <a:rPr lang="en-US" sz="2500" dirty="0">
-                <a:solidFill>
-                  <a:schemeClr val="tx1"/>
-                </a:solidFill>
-              </a:rPr>
-              <a:t> </a:t>
-            </a:r>
-            <a:r>
-              <a:rPr lang="en-US" sz="2500" dirty="0" err="1">
-                <a:solidFill>
-                  <a:schemeClr val="tx1"/>
-                </a:solidFill>
-              </a:rPr>
-              <a:t>kiện</a:t>
-            </a:r>
-            <a:r>
-              <a:rPr lang="en-US" sz="2500" dirty="0">
-                <a:solidFill>
-                  <a:schemeClr val="tx1"/>
-                </a:solidFill>
-              </a:rPr>
-              <a:t> KKT </a:t>
+              <a:t> Slater  </a:t>
             </a:r>
           </a:p>
           <a:p>
@@ -5702,7 +4871,7 @@
           <p:cNvPr id="4" name="Picture 3">
             <a:extLst>
               <a:ext uri="{FF2B5EF4-FFF2-40B4-BE49-F238E27FC236}">
-                <a16:creationId xmlns:a16="http://schemas.microsoft.com/office/drawing/2014/main" id="{5D754761-D54A-4CE6-8D10-7FC2130A6133}"/>
+                <a16:creationId xmlns:a16="http://schemas.microsoft.com/office/drawing/2014/main" id="{B86AD959-9355-4229-A9D8-02550A6DFEEE}"/>
               </a:ext>
             </a:extLst>
           </p:cNvPr>
@@ -5719,20 +4888,130 @@
         </p:blipFill>
         <p:spPr>
           <a:xfrm>
-            <a:off x="3259050" y="3703504"/>
-            <a:ext cx="6242163" cy="1036938"/>
+            <a:off x="3766025" y="2263061"/>
+            <a:ext cx="5240276" cy="646062"/>
           </a:xfrm>
           <a:prstGeom prst="rect">
             <a:avLst/>
           </a:prstGeom>
         </p:spPr>
       </p:pic>
+      <p:sp>
+        <p:nvSpPr>
+          <p:cNvPr id="5" name="Rectangle 4">
+            <a:extLst>
+              <a:ext uri="{FF2B5EF4-FFF2-40B4-BE49-F238E27FC236}">
+                <a16:creationId xmlns:a16="http://schemas.microsoft.com/office/drawing/2014/main" id="{5CF6DC06-F3D5-48F7-94F6-25657D8C26BA}"/>
+              </a:ext>
+            </a:extLst>
+          </p:cNvPr>
+          <p:cNvSpPr/>
+          <p:nvPr/>
+        </p:nvSpPr>
+        <p:spPr>
+          <a:xfrm>
+            <a:off x="1097280" y="2950126"/>
+            <a:ext cx="9391650" cy="477054"/>
+          </a:xfrm>
+          <a:prstGeom prst="rect">
+            <a:avLst/>
+          </a:prstGeom>
+        </p:spPr>
+        <p:txBody>
+          <a:bodyPr wrap="square">
+            <a:spAutoFit/>
+          </a:bodyPr>
+          <a:lstStyle/>
+          <a:p>
+            <a:r>
+              <a:rPr lang="en-US" sz="2500" dirty="0" err="1">
+                <a:solidFill>
+                  <a:srgbClr val="000000"/>
+                </a:solidFill>
+                <a:latin typeface="Calibri (Body)"/>
+                <a:cs typeface="Calibri" panose="020F0502020204030204" pitchFamily="34" charset="0"/>
+              </a:rPr>
+              <a:t>Lagrangian</a:t>
+            </a:r>
+            <a:r>
+              <a:rPr lang="en-US" sz="2500" dirty="0">
+                <a:solidFill>
+                  <a:srgbClr val="000000"/>
+                </a:solidFill>
+                <a:latin typeface="Calibri (Body)"/>
+                <a:cs typeface="Calibri" panose="020F0502020204030204" pitchFamily="34" charset="0"/>
+              </a:rPr>
+              <a:t> </a:t>
+            </a:r>
+            <a:r>
+              <a:rPr lang="en-US" sz="2500" dirty="0" err="1">
+                <a:solidFill>
+                  <a:srgbClr val="000000"/>
+                </a:solidFill>
+                <a:latin typeface="Calibri (Body)"/>
+                <a:cs typeface="Calibri" panose="020F0502020204030204" pitchFamily="34" charset="0"/>
+              </a:rPr>
+              <a:t>của</a:t>
+            </a:r>
+            <a:r>
+              <a:rPr lang="en-US" sz="2500" dirty="0">
+                <a:solidFill>
+                  <a:srgbClr val="000000"/>
+                </a:solidFill>
+                <a:latin typeface="Calibri (Body)"/>
+                <a:cs typeface="Calibri" panose="020F0502020204030204" pitchFamily="34" charset="0"/>
+              </a:rPr>
+              <a:t> </a:t>
+            </a:r>
+            <a:r>
+              <a:rPr lang="en-US" sz="2500" dirty="0" err="1">
+                <a:solidFill>
+                  <a:srgbClr val="000000"/>
+                </a:solidFill>
+                <a:latin typeface="Calibri (Body)"/>
+                <a:cs typeface="Calibri" panose="020F0502020204030204" pitchFamily="34" charset="0"/>
+              </a:rPr>
+              <a:t>bài</a:t>
+            </a:r>
+            <a:r>
+              <a:rPr lang="en-US" sz="2500" dirty="0">
+                <a:solidFill>
+                  <a:srgbClr val="000000"/>
+                </a:solidFill>
+                <a:latin typeface="Calibri (Body)"/>
+                <a:cs typeface="Calibri" panose="020F0502020204030204" pitchFamily="34" charset="0"/>
+              </a:rPr>
+              <a:t> </a:t>
+            </a:r>
+            <a:r>
+              <a:rPr lang="en-US" sz="2500" dirty="0" err="1">
+                <a:solidFill>
+                  <a:srgbClr val="000000"/>
+                </a:solidFill>
+                <a:latin typeface="Calibri (Body)"/>
+                <a:cs typeface="Calibri" panose="020F0502020204030204" pitchFamily="34" charset="0"/>
+              </a:rPr>
+              <a:t>toán</a:t>
+            </a:r>
+            <a:r>
+              <a:rPr lang="en-US" sz="2500" dirty="0">
+                <a:solidFill>
+                  <a:srgbClr val="000000"/>
+                </a:solidFill>
+                <a:latin typeface="Calibri (Body)"/>
+                <a:cs typeface="Calibri" panose="020F0502020204030204" pitchFamily="34" charset="0"/>
+              </a:rPr>
+              <a:t> SVM</a:t>
+            </a:r>
+          </a:p>
+        </p:txBody>
+      </p:sp>
       <p:pic>
         <p:nvPicPr>
-          <p:cNvPr id="5" name="Picture 4">
+          <p:cNvPr id="6" name="Picture 5">
             <a:extLst>
               <a:ext uri="{FF2B5EF4-FFF2-40B4-BE49-F238E27FC236}">
-                <a16:creationId xmlns:a16="http://schemas.microsoft.com/office/drawing/2014/main" id="{2DE2A4C2-E4EE-4D0A-ACEE-A658E3705AA7}"/>
+                <a16:creationId xmlns:a16="http://schemas.microsoft.com/office/drawing/2014/main" id="{A987C2AB-3A75-4084-B780-36777040F78E}"/>
               </a:ext>
             </a:extLst>
           </p:cNvPr>
@@ -5749,18 +5028,280 @@
         </p:blipFill>
         <p:spPr>
           <a:xfrm>
-            <a:off x="4900789" y="4848816"/>
-            <a:ext cx="2390421" cy="812279"/>
+            <a:off x="3946999" y="3393061"/>
+            <a:ext cx="4715533" cy="752580"/>
           </a:xfrm>
           <a:prstGeom prst="rect">
             <a:avLst/>
           </a:prstGeom>
         </p:spPr>
       </p:pic>
+      <p:pic>
+        <p:nvPicPr>
+          <p:cNvPr id="7" name="Picture 6">
+            <a:extLst>
+              <a:ext uri="{FF2B5EF4-FFF2-40B4-BE49-F238E27FC236}">
+                <a16:creationId xmlns:a16="http://schemas.microsoft.com/office/drawing/2014/main" id="{5D9D9529-580B-4D42-A62A-6E75652C76EF}"/>
+              </a:ext>
+            </a:extLst>
+          </p:cNvPr>
+          <p:cNvPicPr>
+            <a:picLocks noChangeAspect="1"/>
+          </p:cNvPicPr>
+          <p:nvPr/>
+        </p:nvPicPr>
+        <p:blipFill>
+          <a:blip r:embed="rId4"/>
+          <a:stretch>
+            <a:fillRect/>
+          </a:stretch>
+        </p:blipFill>
+        <p:spPr>
+          <a:xfrm>
+            <a:off x="156348" y="4672201"/>
+            <a:ext cx="4302514" cy="970921"/>
+          </a:xfrm>
+          <a:prstGeom prst="rect">
+            <a:avLst/>
+          </a:prstGeom>
+        </p:spPr>
+      </p:pic>
+      <p:pic>
+        <p:nvPicPr>
+          <p:cNvPr id="8" name="Picture 7">
+            <a:extLst>
+              <a:ext uri="{FF2B5EF4-FFF2-40B4-BE49-F238E27FC236}">
+                <a16:creationId xmlns:a16="http://schemas.microsoft.com/office/drawing/2014/main" id="{4EACFBF8-2863-4112-92B6-DB424D26B0CE}"/>
+              </a:ext>
+            </a:extLst>
+          </p:cNvPr>
+          <p:cNvPicPr>
+            <a:picLocks noChangeAspect="1"/>
+          </p:cNvPicPr>
+          <p:nvPr/>
+        </p:nvPicPr>
+        <p:blipFill>
+          <a:blip r:embed="rId5"/>
+          <a:stretch>
+            <a:fillRect/>
+          </a:stretch>
+        </p:blipFill>
+        <p:spPr>
+          <a:xfrm>
+            <a:off x="5198793" y="4875677"/>
+            <a:ext cx="2915057" cy="609685"/>
+          </a:xfrm>
+          <a:prstGeom prst="rect">
+            <a:avLst/>
+          </a:prstGeom>
+        </p:spPr>
+      </p:pic>
+      <p:sp>
+        <p:nvSpPr>
+          <p:cNvPr id="9" name="Arrow: Right 8">
+            <a:extLst>
+              <a:ext uri="{FF2B5EF4-FFF2-40B4-BE49-F238E27FC236}">
+                <a16:creationId xmlns:a16="http://schemas.microsoft.com/office/drawing/2014/main" id="{14F816AE-1BAF-4271-9E33-B9AC600DB18F}"/>
+              </a:ext>
+            </a:extLst>
+          </p:cNvPr>
+          <p:cNvSpPr/>
+          <p:nvPr/>
+        </p:nvSpPr>
+        <p:spPr>
+          <a:xfrm>
+            <a:off x="4356110" y="5157661"/>
+            <a:ext cx="842683" cy="45719"/>
+          </a:xfrm>
+          <a:prstGeom prst="rightArrow">
+            <a:avLst/>
+          </a:prstGeom>
+        </p:spPr>
+        <p:style>
+          <a:lnRef idx="2">
+            <a:schemeClr val="dk1"/>
+          </a:lnRef>
+          <a:fillRef idx="1">
+            <a:schemeClr val="lt1"/>
+          </a:fillRef>
+          <a:effectRef idx="0">
+            <a:schemeClr val="dk1"/>
+          </a:effectRef>
+          <a:fontRef idx="minor">
+            <a:schemeClr val="dk1"/>
+          </a:fontRef>
+        </p:style>
+        <p:txBody>
+          <a:bodyPr rtlCol="0" anchor="ctr"/>
+          <a:lstStyle/>
+          <a:p>
+            <a:pPr algn="ctr"/>
+            <a:endParaRPr lang="en-US"/>
+          </a:p>
+        </p:txBody>
+      </p:sp>
+      <p:sp>
+        <p:nvSpPr>
+          <p:cNvPr id="10" name="Arrow: Right 9">
+            <a:extLst>
+              <a:ext uri="{FF2B5EF4-FFF2-40B4-BE49-F238E27FC236}">
+                <a16:creationId xmlns:a16="http://schemas.microsoft.com/office/drawing/2014/main" id="{CAF85392-C403-4B7F-9522-8B4325308694}"/>
+              </a:ext>
+            </a:extLst>
+          </p:cNvPr>
+          <p:cNvSpPr/>
+          <p:nvPr/>
+        </p:nvSpPr>
+        <p:spPr>
+          <a:xfrm>
+            <a:off x="8011099" y="5132070"/>
+            <a:ext cx="770952" cy="62610"/>
+          </a:xfrm>
+          <a:prstGeom prst="rightArrow">
+            <a:avLst/>
+          </a:prstGeom>
+        </p:spPr>
+        <p:style>
+          <a:lnRef idx="2">
+            <a:schemeClr val="dk1"/>
+          </a:lnRef>
+          <a:fillRef idx="1">
+            <a:schemeClr val="lt1"/>
+          </a:fillRef>
+          <a:effectRef idx="0">
+            <a:schemeClr val="dk1"/>
+          </a:effectRef>
+          <a:fontRef idx="minor">
+            <a:schemeClr val="dk1"/>
+          </a:fontRef>
+        </p:style>
+        <p:txBody>
+          <a:bodyPr rtlCol="0" anchor="ctr"/>
+          <a:lstStyle/>
+          <a:p>
+            <a:pPr algn="ctr"/>
+            <a:endParaRPr lang="en-US"/>
+          </a:p>
+        </p:txBody>
+      </p:sp>
+      <p:pic>
+        <p:nvPicPr>
+          <p:cNvPr id="11" name="Picture 10">
+            <a:extLst>
+              <a:ext uri="{FF2B5EF4-FFF2-40B4-BE49-F238E27FC236}">
+                <a16:creationId xmlns:a16="http://schemas.microsoft.com/office/drawing/2014/main" id="{78F3B41C-1D6B-4957-BC4C-A483FFB15FAC}"/>
+              </a:ext>
+            </a:extLst>
+          </p:cNvPr>
+          <p:cNvPicPr>
+            <a:picLocks noChangeAspect="1"/>
+          </p:cNvPicPr>
+          <p:nvPr/>
+        </p:nvPicPr>
+        <p:blipFill>
+          <a:blip r:embed="rId6"/>
+          <a:stretch>
+            <a:fillRect/>
+          </a:stretch>
+        </p:blipFill>
+        <p:spPr>
+          <a:xfrm>
+            <a:off x="9006300" y="4934777"/>
+            <a:ext cx="2295845" cy="428685"/>
+          </a:xfrm>
+          <a:prstGeom prst="rect">
+            <a:avLst/>
+          </a:prstGeom>
+        </p:spPr>
+      </p:pic>
+      <p:sp>
+        <p:nvSpPr>
+          <p:cNvPr id="12" name="Rectangle 11">
+            <a:extLst>
+              <a:ext uri="{FF2B5EF4-FFF2-40B4-BE49-F238E27FC236}">
+                <a16:creationId xmlns:a16="http://schemas.microsoft.com/office/drawing/2014/main" id="{7E5D756D-4557-4BE8-8B78-1319B8B4A8C3}"/>
+              </a:ext>
+            </a:extLst>
+          </p:cNvPr>
+          <p:cNvSpPr/>
+          <p:nvPr/>
+        </p:nvSpPr>
+        <p:spPr>
+          <a:xfrm>
+            <a:off x="1036320" y="4183676"/>
+            <a:ext cx="3240759" cy="477054"/>
+          </a:xfrm>
+          <a:prstGeom prst="rect">
+            <a:avLst/>
+          </a:prstGeom>
+        </p:spPr>
+        <p:txBody>
+          <a:bodyPr wrap="none">
+            <a:spAutoFit/>
+          </a:bodyPr>
+          <a:lstStyle/>
+          <a:p>
+            <a:r>
+              <a:rPr lang="en-US" sz="2500" dirty="0" err="1">
+                <a:solidFill>
+                  <a:srgbClr val="000000"/>
+                </a:solidFill>
+                <a:latin typeface="Calibri (Body)"/>
+              </a:rPr>
+              <a:t>Hàm</a:t>
+            </a:r>
+            <a:r>
+              <a:rPr lang="en-US" sz="2500" dirty="0">
+                <a:solidFill>
+                  <a:srgbClr val="000000"/>
+                </a:solidFill>
+                <a:latin typeface="Calibri (Body)"/>
+              </a:rPr>
+              <a:t> </a:t>
+            </a:r>
+            <a:r>
+              <a:rPr lang="en-US" sz="2500" dirty="0" err="1">
+                <a:solidFill>
+                  <a:srgbClr val="000000"/>
+                </a:solidFill>
+                <a:latin typeface="Calibri (Body)"/>
+              </a:rPr>
+              <a:t>đối</a:t>
+            </a:r>
+            <a:r>
+              <a:rPr lang="en-US" sz="2500" dirty="0">
+                <a:solidFill>
+                  <a:srgbClr val="000000"/>
+                </a:solidFill>
+                <a:latin typeface="Calibri (Body)"/>
+              </a:rPr>
+              <a:t> </a:t>
+            </a:r>
+            <a:r>
+              <a:rPr lang="en-US" sz="2500" dirty="0" err="1">
+                <a:solidFill>
+                  <a:srgbClr val="000000"/>
+                </a:solidFill>
+                <a:latin typeface="Calibri (Body)"/>
+              </a:rPr>
+              <a:t>ngẫu</a:t>
+            </a:r>
+            <a:r>
+              <a:rPr lang="en-US" sz="2500" dirty="0">
+                <a:solidFill>
+                  <a:srgbClr val="000000"/>
+                </a:solidFill>
+                <a:latin typeface="Calibri (Body)"/>
+              </a:rPr>
+              <a:t> Lagrange</a:t>
+            </a:r>
+          </a:p>
+        </p:txBody>
+      </p:sp>
     </p:spTree>
     <p:extLst>
       <p:ext uri="{BB962C8B-B14F-4D97-AF65-F5344CB8AC3E}">
-        <p14:creationId xmlns:p14="http://schemas.microsoft.com/office/powerpoint/2010/main" val="398045315"/>
+        <p14:creationId xmlns:p14="http://schemas.microsoft.com/office/powerpoint/2010/main" val="1384997489"/>
       </p:ext>
     </p:extLst>
   </p:cSld>
@@ -5792,7 +5333,7 @@
           <p:cNvPr id="2" name="Title 1">
             <a:extLst>
               <a:ext uri="{FF2B5EF4-FFF2-40B4-BE49-F238E27FC236}">
-                <a16:creationId xmlns:a16="http://schemas.microsoft.com/office/drawing/2014/main" id="{45644ACA-A19D-4F29-B8D0-75C1F7A0317E}"/>
+                <a16:creationId xmlns:a16="http://schemas.microsoft.com/office/drawing/2014/main" id="{22496646-90A4-411B-B106-ACF71475208B}"/>
               </a:ext>
             </a:extLst>
           </p:cNvPr>
@@ -5810,158 +5351,509 @@
           <a:p>
             <a:r>
               <a:rPr lang="en-US" dirty="0"/>
-              <a:t>Soft Margin Support Vector Machine</a:t>
-            </a:r>
+              <a:t>Support Vector Machine</a:t>
+            </a:r>
+          </a:p>
+        </p:txBody>
+      </p:sp>
+      <p:sp>
+        <p:nvSpPr>
+          <p:cNvPr id="3" name="Content Placeholder 2">
+            <a:extLst>
+              <a:ext uri="{FF2B5EF4-FFF2-40B4-BE49-F238E27FC236}">
+                <a16:creationId xmlns:a16="http://schemas.microsoft.com/office/drawing/2014/main" id="{857EC545-9BEA-4D72-8175-6318E22EF030}"/>
+              </a:ext>
+            </a:extLst>
+          </p:cNvPr>
+          <p:cNvSpPr>
+            <a:spLocks noGrp="1"/>
+          </p:cNvSpPr>
+          <p:nvPr>
+            <p:ph idx="1"/>
+          </p:nvPr>
+        </p:nvSpPr>
+        <p:spPr/>
+        <p:txBody>
+          <a:bodyPr>
+            <a:normAutofit/>
+          </a:bodyPr>
+          <a:lstStyle/>
+          <a:p>
+            <a:endParaRPr lang="en-US" sz="2500" dirty="0">
+              <a:solidFill>
+                <a:schemeClr val="tx1"/>
+              </a:solidFill>
+            </a:endParaRPr>
+          </a:p>
+          <a:p>
+            <a:r>
+              <a:rPr lang="en-US" sz="2500" dirty="0">
+                <a:solidFill>
+                  <a:srgbClr val="FF0000"/>
+                </a:solidFill>
+              </a:rPr>
+              <a:t>*</a:t>
+            </a:r>
+            <a:r>
+              <a:rPr lang="en-US" sz="2500" dirty="0" err="1">
+                <a:solidFill>
+                  <a:schemeClr val="tx1"/>
+                </a:solidFill>
+              </a:rPr>
+              <a:t>Nếu</a:t>
+            </a:r>
+            <a:r>
+              <a:rPr lang="en-US" sz="2500" dirty="0">
+                <a:solidFill>
+                  <a:schemeClr val="tx1"/>
+                </a:solidFill>
+              </a:rPr>
+              <a:t> </a:t>
+            </a:r>
+            <a:r>
+              <a:rPr lang="en-US" sz="2500" dirty="0" err="1">
+                <a:solidFill>
+                  <a:schemeClr val="tx1"/>
+                </a:solidFill>
+              </a:rPr>
+              <a:t>bài</a:t>
+            </a:r>
+            <a:r>
+              <a:rPr lang="en-US" sz="2500" dirty="0">
+                <a:solidFill>
+                  <a:schemeClr val="tx1"/>
+                </a:solidFill>
+              </a:rPr>
+              <a:t> </a:t>
+            </a:r>
+            <a:r>
+              <a:rPr lang="en-US" sz="2500" dirty="0" err="1">
+                <a:solidFill>
+                  <a:schemeClr val="tx1"/>
+                </a:solidFill>
+              </a:rPr>
+              <a:t>toán</a:t>
+            </a:r>
+            <a:r>
+              <a:rPr lang="en-US" sz="2500" dirty="0">
+                <a:solidFill>
+                  <a:schemeClr val="tx1"/>
+                </a:solidFill>
+              </a:rPr>
+              <a:t> </a:t>
+            </a:r>
+            <a:r>
+              <a:rPr lang="en-US" sz="2500" dirty="0" err="1">
+                <a:solidFill>
+                  <a:schemeClr val="tx1"/>
+                </a:solidFill>
+              </a:rPr>
+              <a:t>tối</a:t>
+            </a:r>
+            <a:r>
+              <a:rPr lang="en-US" sz="2500" dirty="0">
+                <a:solidFill>
+                  <a:schemeClr val="tx1"/>
+                </a:solidFill>
+              </a:rPr>
+              <a:t> </a:t>
+            </a:r>
+            <a:r>
+              <a:rPr lang="en-US" sz="2500" dirty="0" err="1">
+                <a:solidFill>
+                  <a:schemeClr val="tx1"/>
+                </a:solidFill>
+              </a:rPr>
+              <a:t>ưu</a:t>
+            </a:r>
+            <a:r>
+              <a:rPr lang="en-US" sz="2500" dirty="0">
+                <a:solidFill>
+                  <a:schemeClr val="tx1"/>
+                </a:solidFill>
+              </a:rPr>
+              <a:t> </a:t>
+            </a:r>
+            <a:r>
+              <a:rPr lang="en-US" sz="2500" dirty="0" err="1">
+                <a:solidFill>
+                  <a:schemeClr val="tx1"/>
+                </a:solidFill>
+              </a:rPr>
+              <a:t>lồi</a:t>
+            </a:r>
+            <a:r>
+              <a:rPr lang="en-US" sz="2500" dirty="0">
+                <a:solidFill>
+                  <a:schemeClr val="tx1"/>
+                </a:solidFill>
+              </a:rPr>
+              <a:t> </a:t>
+            </a:r>
+            <a:r>
+              <a:rPr lang="en-US" sz="2500" dirty="0" err="1">
+                <a:solidFill>
+                  <a:schemeClr val="tx1"/>
+                </a:solidFill>
+              </a:rPr>
+              <a:t>thỏa</a:t>
+            </a:r>
+            <a:r>
+              <a:rPr lang="en-US" sz="2500" dirty="0">
+                <a:solidFill>
+                  <a:schemeClr val="tx1"/>
+                </a:solidFill>
+              </a:rPr>
+              <a:t> </a:t>
+            </a:r>
+            <a:r>
+              <a:rPr lang="en-US" sz="2500" dirty="0" err="1">
+                <a:solidFill>
+                  <a:schemeClr val="tx1"/>
+                </a:solidFill>
+              </a:rPr>
+              <a:t>mãn</a:t>
+            </a:r>
+            <a:r>
+              <a:rPr lang="en-US" sz="2500" dirty="0">
+                <a:solidFill>
+                  <a:schemeClr val="tx1"/>
+                </a:solidFill>
+              </a:rPr>
+              <a:t> tiểu </a:t>
+            </a:r>
+            <a:r>
+              <a:rPr lang="en-US" sz="2500" dirty="0" err="1">
+                <a:solidFill>
+                  <a:schemeClr val="tx1"/>
+                </a:solidFill>
+              </a:rPr>
+              <a:t>chuẩn</a:t>
+            </a:r>
+            <a:r>
+              <a:rPr lang="en-US" sz="2500" dirty="0">
+                <a:solidFill>
+                  <a:schemeClr val="tx1"/>
+                </a:solidFill>
+              </a:rPr>
+              <a:t> Slater </a:t>
+            </a:r>
+            <a:r>
+              <a:rPr lang="en-US" sz="2500" dirty="0" err="1">
+                <a:solidFill>
+                  <a:schemeClr val="tx1"/>
+                </a:solidFill>
+              </a:rPr>
+              <a:t>thì</a:t>
+            </a:r>
+            <a:r>
+              <a:rPr lang="en-US" sz="2500" dirty="0">
+                <a:solidFill>
+                  <a:schemeClr val="tx1"/>
+                </a:solidFill>
+              </a:rPr>
+              <a:t> </a:t>
+            </a:r>
+            <a:r>
+              <a:rPr lang="en-US" sz="2500" dirty="0" err="1">
+                <a:solidFill>
+                  <a:schemeClr val="tx1"/>
+                </a:solidFill>
+              </a:rPr>
+              <a:t>đối</a:t>
+            </a:r>
+            <a:r>
+              <a:rPr lang="en-US" sz="2500" dirty="0">
+                <a:solidFill>
+                  <a:schemeClr val="tx1"/>
+                </a:solidFill>
+              </a:rPr>
+              <a:t> </a:t>
+            </a:r>
+            <a:r>
+              <a:rPr lang="en-US" sz="2500" dirty="0" err="1">
+                <a:solidFill>
+                  <a:schemeClr val="tx1"/>
+                </a:solidFill>
+              </a:rPr>
+              <a:t>ngẫu</a:t>
+            </a:r>
+            <a:r>
+              <a:rPr lang="en-US" sz="2500" dirty="0">
+                <a:solidFill>
+                  <a:schemeClr val="tx1"/>
+                </a:solidFill>
+              </a:rPr>
+              <a:t> </a:t>
+            </a:r>
+            <a:r>
+              <a:rPr lang="en-US" sz="2500" dirty="0" err="1">
+                <a:solidFill>
+                  <a:schemeClr val="tx1"/>
+                </a:solidFill>
+              </a:rPr>
+              <a:t>mạnh</a:t>
+            </a:r>
+            <a:r>
+              <a:rPr lang="en-US" sz="2500" dirty="0">
+                <a:solidFill>
+                  <a:schemeClr val="tx1"/>
+                </a:solidFill>
+              </a:rPr>
+              <a:t> </a:t>
+            </a:r>
+            <a:r>
+              <a:rPr lang="en-US" sz="2500" dirty="0" err="1">
+                <a:solidFill>
+                  <a:schemeClr val="tx1"/>
+                </a:solidFill>
+              </a:rPr>
+              <a:t>xảy</a:t>
+            </a:r>
+            <a:r>
+              <a:rPr lang="en-US" sz="2500" dirty="0">
+                <a:solidFill>
+                  <a:schemeClr val="tx1"/>
+                </a:solidFill>
+              </a:rPr>
+              <a:t> ra và </a:t>
+            </a:r>
+            <a:r>
+              <a:rPr lang="en-US" sz="2500" dirty="0" err="1">
+                <a:solidFill>
+                  <a:schemeClr val="tx1"/>
+                </a:solidFill>
+              </a:rPr>
+              <a:t>thỏa</a:t>
+            </a:r>
+            <a:r>
+              <a:rPr lang="en-US" sz="2500" dirty="0">
+                <a:solidFill>
+                  <a:schemeClr val="tx1"/>
+                </a:solidFill>
+              </a:rPr>
+              <a:t> </a:t>
+            </a:r>
+            <a:r>
+              <a:rPr lang="en-US" sz="2500" dirty="0" err="1">
+                <a:solidFill>
+                  <a:schemeClr val="tx1"/>
+                </a:solidFill>
+              </a:rPr>
+              <a:t>mãn</a:t>
+            </a:r>
+            <a:r>
+              <a:rPr lang="en-US" sz="2500" dirty="0">
+                <a:solidFill>
+                  <a:schemeClr val="tx1"/>
+                </a:solidFill>
+              </a:rPr>
+              <a:t> </a:t>
+            </a:r>
+            <a:r>
+              <a:rPr lang="en-US" sz="2500" dirty="0" err="1">
+                <a:solidFill>
+                  <a:schemeClr val="tx1"/>
+                </a:solidFill>
+              </a:rPr>
+              <a:t>thì</a:t>
+            </a:r>
+            <a:r>
+              <a:rPr lang="en-US" sz="2500" dirty="0">
+                <a:solidFill>
+                  <a:schemeClr val="tx1"/>
+                </a:solidFill>
+              </a:rPr>
+              <a:t> </a:t>
+            </a:r>
+          </a:p>
+          <a:p>
+            <a:r>
+              <a:rPr lang="en-US" sz="2500" dirty="0" err="1">
+                <a:solidFill>
+                  <a:schemeClr val="tx1"/>
+                </a:solidFill>
+              </a:rPr>
+              <a:t>Nghiệm</a:t>
+            </a:r>
+            <a:r>
+              <a:rPr lang="en-US" sz="2500" dirty="0">
+                <a:solidFill>
+                  <a:schemeClr val="tx1"/>
+                </a:solidFill>
+              </a:rPr>
+              <a:t> </a:t>
+            </a:r>
+            <a:r>
+              <a:rPr lang="en-US" sz="2500" dirty="0" err="1">
+                <a:solidFill>
+                  <a:schemeClr val="tx1"/>
+                </a:solidFill>
+              </a:rPr>
+              <a:t>chính</a:t>
+            </a:r>
+            <a:r>
+              <a:rPr lang="en-US" sz="2500" dirty="0">
+                <a:solidFill>
+                  <a:schemeClr val="tx1"/>
+                </a:solidFill>
+              </a:rPr>
+              <a:t> </a:t>
+            </a:r>
+            <a:r>
+              <a:rPr lang="en-US" sz="2500" dirty="0" err="1">
+                <a:solidFill>
+                  <a:schemeClr val="tx1"/>
+                </a:solidFill>
+              </a:rPr>
+              <a:t>là</a:t>
+            </a:r>
+            <a:r>
+              <a:rPr lang="en-US" sz="2500" dirty="0">
+                <a:solidFill>
+                  <a:schemeClr val="tx1"/>
+                </a:solidFill>
+              </a:rPr>
+              <a:t> </a:t>
+            </a:r>
+            <a:r>
+              <a:rPr lang="en-US" sz="2500" dirty="0" err="1">
+                <a:solidFill>
+                  <a:schemeClr val="tx1"/>
+                </a:solidFill>
+              </a:rPr>
+              <a:t>nghiệm</a:t>
+            </a:r>
+            <a:r>
+              <a:rPr lang="en-US" sz="2500" dirty="0">
+                <a:solidFill>
+                  <a:schemeClr val="tx1"/>
+                </a:solidFill>
+              </a:rPr>
+              <a:t> </a:t>
+            </a:r>
+            <a:r>
+              <a:rPr lang="en-US" sz="2500" dirty="0" err="1">
+                <a:solidFill>
+                  <a:schemeClr val="tx1"/>
+                </a:solidFill>
+              </a:rPr>
+              <a:t>của</a:t>
+            </a:r>
+            <a:r>
+              <a:rPr lang="en-US" sz="2500" dirty="0">
+                <a:solidFill>
+                  <a:schemeClr val="tx1"/>
+                </a:solidFill>
+              </a:rPr>
+              <a:t> hệ </a:t>
+            </a:r>
+            <a:r>
+              <a:rPr lang="en-US" sz="2500" dirty="0" err="1">
+                <a:solidFill>
+                  <a:schemeClr val="tx1"/>
+                </a:solidFill>
+              </a:rPr>
+              <a:t>điều</a:t>
+            </a:r>
+            <a:r>
+              <a:rPr lang="en-US" sz="2500" dirty="0">
+                <a:solidFill>
+                  <a:schemeClr val="tx1"/>
+                </a:solidFill>
+              </a:rPr>
+              <a:t> </a:t>
+            </a:r>
+            <a:r>
+              <a:rPr lang="en-US" sz="2500" dirty="0" err="1">
+                <a:solidFill>
+                  <a:schemeClr val="tx1"/>
+                </a:solidFill>
+              </a:rPr>
+              <a:t>kiện</a:t>
+            </a:r>
+            <a:r>
+              <a:rPr lang="en-US" sz="2500" dirty="0">
+                <a:solidFill>
+                  <a:schemeClr val="tx1"/>
+                </a:solidFill>
+              </a:rPr>
+              <a:t> KKT </a:t>
+            </a:r>
+          </a:p>
+          <a:p>
+            <a:endParaRPr lang="en-US" sz="2500" dirty="0">
+              <a:solidFill>
+                <a:schemeClr val="tx1"/>
+              </a:solidFill>
+            </a:endParaRPr>
           </a:p>
         </p:txBody>
       </p:sp>
       <p:pic>
         <p:nvPicPr>
-          <p:cNvPr id="2050" name="Picture 2">
+          <p:cNvPr id="4" name="Picture 3">
             <a:extLst>
               <a:ext uri="{FF2B5EF4-FFF2-40B4-BE49-F238E27FC236}">
-                <a16:creationId xmlns:a16="http://schemas.microsoft.com/office/drawing/2014/main" id="{B5842D92-AC6B-4F7C-86EA-A0D829ADC61A}"/>
+                <a16:creationId xmlns:a16="http://schemas.microsoft.com/office/drawing/2014/main" id="{5D754761-D54A-4CE6-8D10-7FC2130A6133}"/>
               </a:ext>
             </a:extLst>
           </p:cNvPr>
           <p:cNvPicPr>
-            <a:picLocks noChangeAspect="1" noChangeArrowheads="1"/>
+            <a:picLocks noChangeAspect="1"/>
           </p:cNvPicPr>
           <p:nvPr/>
         </p:nvPicPr>
         <p:blipFill>
-          <a:blip r:embed="rId2">
-            <a:extLst>
-              <a:ext uri="{28A0092B-C50C-407E-A947-70E740481C1C}">
-                <a14:useLocalDpi xmlns:a14="http://schemas.microsoft.com/office/drawing/2010/main" val="0"/>
-              </a:ext>
-            </a:extLst>
-          </a:blip>
-          <a:srcRect/>
+          <a:blip r:embed="rId2"/>
           <a:stretch>
             <a:fillRect/>
           </a:stretch>
         </p:blipFill>
-        <p:spPr bwMode="auto">
-          <a:xfrm>
-            <a:off x="1543049" y="1828906"/>
-            <a:ext cx="3188970" cy="2125980"/>
+        <p:spPr>
+          <a:xfrm>
+            <a:off x="3259050" y="3703504"/>
+            <a:ext cx="6242163" cy="1036938"/>
           </a:xfrm>
           <a:prstGeom prst="rect">
             <a:avLst/>
           </a:prstGeom>
-          <a:noFill/>
-          <a:extLst>
-            <a:ext uri="{909E8E84-426E-40DD-AFC4-6F175D3DCCD1}">
-              <a14:hiddenFill xmlns:a14="http://schemas.microsoft.com/office/drawing/2010/main">
-                <a:solidFill>
-                  <a:srgbClr val="FFFFFF"/>
-                </a:solidFill>
-              </a14:hiddenFill>
-            </a:ext>
-          </a:extLst>
         </p:spPr>
       </p:pic>
       <p:pic>
         <p:nvPicPr>
-          <p:cNvPr id="2052" name="Picture 4">
+          <p:cNvPr id="5" name="Picture 4">
             <a:extLst>
               <a:ext uri="{FF2B5EF4-FFF2-40B4-BE49-F238E27FC236}">
-                <a16:creationId xmlns:a16="http://schemas.microsoft.com/office/drawing/2014/main" id="{8F840083-6519-41A2-AEA1-34EF94612FF1}"/>
+                <a16:creationId xmlns:a16="http://schemas.microsoft.com/office/drawing/2014/main" id="{2DE2A4C2-E4EE-4D0A-ACEE-A658E3705AA7}"/>
               </a:ext>
             </a:extLst>
           </p:cNvPr>
           <p:cNvPicPr>
-            <a:picLocks noChangeAspect="1" noChangeArrowheads="1"/>
+            <a:picLocks noChangeAspect="1"/>
           </p:cNvPicPr>
           <p:nvPr/>
         </p:nvPicPr>
         <p:blipFill>
-          <a:blip r:embed="rId3">
-            <a:extLst>
-              <a:ext uri="{28A0092B-C50C-407E-A947-70E740481C1C}">
-                <a14:useLocalDpi xmlns:a14="http://schemas.microsoft.com/office/drawing/2010/main" val="0"/>
-              </a:ext>
-            </a:extLst>
-          </a:blip>
-          <a:srcRect/>
+          <a:blip r:embed="rId3"/>
           <a:stretch>
             <a:fillRect/>
           </a:stretch>
         </p:blipFill>
-        <p:spPr bwMode="auto">
-          <a:xfrm>
-            <a:off x="7212333" y="1804776"/>
-            <a:ext cx="3261361" cy="2174241"/>
+        <p:spPr>
+          <a:xfrm>
+            <a:off x="4900789" y="4848816"/>
+            <a:ext cx="2390421" cy="812279"/>
           </a:xfrm>
           <a:prstGeom prst="rect">
             <a:avLst/>
           </a:prstGeom>
-          <a:noFill/>
-          <a:extLst>
-            <a:ext uri="{909E8E84-426E-40DD-AFC4-6F175D3DCCD1}">
-              <a14:hiddenFill xmlns:a14="http://schemas.microsoft.com/office/drawing/2010/main">
-                <a:solidFill>
-                  <a:srgbClr val="FFFFFF"/>
-                </a:solidFill>
-              </a14:hiddenFill>
-            </a:ext>
-          </a:extLst>
-        </p:spPr>
-      </p:pic>
-      <p:pic>
-        <p:nvPicPr>
-          <p:cNvPr id="2054" name="Picture 6">
-            <a:extLst>
-              <a:ext uri="{FF2B5EF4-FFF2-40B4-BE49-F238E27FC236}">
-                <a16:creationId xmlns:a16="http://schemas.microsoft.com/office/drawing/2014/main" id="{4268F80F-823C-42A1-B131-D24AAC6F7E62}"/>
-              </a:ext>
-            </a:extLst>
-          </p:cNvPr>
-          <p:cNvPicPr>
-            <a:picLocks noGrp="1" noChangeAspect="1" noChangeArrowheads="1"/>
-          </p:cNvPicPr>
-          <p:nvPr>
-            <p:ph idx="1"/>
-          </p:nvPr>
-        </p:nvPicPr>
-        <p:blipFill>
-          <a:blip r:embed="rId4">
-            <a:extLst>
-              <a:ext uri="{28A0092B-C50C-407E-A947-70E740481C1C}">
-                <a14:useLocalDpi xmlns:a14="http://schemas.microsoft.com/office/drawing/2010/main" val="0"/>
-              </a:ext>
-            </a:extLst>
-          </a:blip>
-          <a:srcRect/>
-          <a:stretch>
-            <a:fillRect/>
-          </a:stretch>
-        </p:blipFill>
-        <p:spPr bwMode="auto">
-          <a:xfrm>
-            <a:off x="4290220" y="3757084"/>
-            <a:ext cx="3339306" cy="2226204"/>
-          </a:xfrm>
-          <a:prstGeom prst="rect">
-            <a:avLst/>
-          </a:prstGeom>
-          <a:noFill/>
-          <a:extLst>
-            <a:ext uri="{909E8E84-426E-40DD-AFC4-6F175D3DCCD1}">
-              <a14:hiddenFill xmlns:a14="http://schemas.microsoft.com/office/drawing/2010/main">
-                <a:solidFill>
-                  <a:srgbClr val="FFFFFF"/>
-                </a:solidFill>
-              </a14:hiddenFill>
-            </a:ext>
-          </a:extLst>
         </p:spPr>
       </p:pic>
     </p:spTree>
     <p:extLst>
       <p:ext uri="{BB962C8B-B14F-4D97-AF65-F5344CB8AC3E}">
-        <p14:creationId xmlns:p14="http://schemas.microsoft.com/office/powerpoint/2010/main" val="151764802"/>
+        <p14:creationId xmlns:p14="http://schemas.microsoft.com/office/powerpoint/2010/main" val="398045315"/>
       </p:ext>
     </p:extLst>
   </p:cSld>
@@ -5993,7 +5885,7 @@
           <p:cNvPr id="2" name="Title 1">
             <a:extLst>
               <a:ext uri="{FF2B5EF4-FFF2-40B4-BE49-F238E27FC236}">
-                <a16:creationId xmlns:a16="http://schemas.microsoft.com/office/drawing/2014/main" id="{01BAFAE0-6364-4911-AF3F-9778B2436476}"/>
+                <a16:creationId xmlns:a16="http://schemas.microsoft.com/office/drawing/2014/main" id="{45644ACA-A19D-4F29-B8D0-75C1F7A0317E}"/>
               </a:ext>
             </a:extLst>
           </p:cNvPr>
@@ -6018,272 +5910,151 @@
       </p:sp>
       <p:pic>
         <p:nvPicPr>
-          <p:cNvPr id="4" name="Content Placeholder 3">
+          <p:cNvPr id="2050" name="Picture 2">
             <a:extLst>
               <a:ext uri="{FF2B5EF4-FFF2-40B4-BE49-F238E27FC236}">
-                <a16:creationId xmlns:a16="http://schemas.microsoft.com/office/drawing/2014/main" id="{911622AC-3AC8-48D3-B759-03C2A916C19B}"/>
+                <a16:creationId xmlns:a16="http://schemas.microsoft.com/office/drawing/2014/main" id="{B5842D92-AC6B-4F7C-86EA-A0D829ADC61A}"/>
               </a:ext>
             </a:extLst>
           </p:cNvPr>
           <p:cNvPicPr>
-            <a:picLocks noGrp="1" noChangeAspect="1"/>
+            <a:picLocks noChangeAspect="1" noChangeArrowheads="1"/>
           </p:cNvPicPr>
-          <p:nvPr>
-            <p:ph idx="1"/>
-          </p:nvPr>
+          <p:nvPr/>
         </p:nvPicPr>
         <p:blipFill>
-          <a:blip r:embed="rId2"/>
+          <a:blip r:embed="rId2">
+            <a:extLst>
+              <a:ext uri="{28A0092B-C50C-407E-A947-70E740481C1C}">
+                <a14:useLocalDpi xmlns:a14="http://schemas.microsoft.com/office/drawing/2010/main" val="0"/>
+              </a:ext>
+            </a:extLst>
+          </a:blip>
+          <a:srcRect/>
           <a:stretch>
             <a:fillRect/>
           </a:stretch>
         </p:blipFill>
-        <p:spPr>
-          <a:xfrm>
-            <a:off x="3701572" y="3523883"/>
-            <a:ext cx="4149446" cy="1122918"/>
+        <p:spPr bwMode="auto">
+          <a:xfrm>
+            <a:off x="1543049" y="1828906"/>
+            <a:ext cx="3188970" cy="2125980"/>
           </a:xfrm>
           <a:prstGeom prst="rect">
             <a:avLst/>
           </a:prstGeom>
+          <a:noFill/>
+          <a:extLst>
+            <a:ext uri="{909E8E84-426E-40DD-AFC4-6F175D3DCCD1}">
+              <a14:hiddenFill xmlns:a14="http://schemas.microsoft.com/office/drawing/2010/main">
+                <a:solidFill>
+                  <a:srgbClr val="FFFFFF"/>
+                </a:solidFill>
+              </a14:hiddenFill>
+            </a:ext>
+          </a:extLst>
         </p:spPr>
       </p:pic>
       <p:pic>
         <p:nvPicPr>
-          <p:cNvPr id="5" name="Picture 4">
+          <p:cNvPr id="2052" name="Picture 4">
             <a:extLst>
               <a:ext uri="{FF2B5EF4-FFF2-40B4-BE49-F238E27FC236}">
-                <a16:creationId xmlns:a16="http://schemas.microsoft.com/office/drawing/2014/main" id="{97420998-920A-4A5D-9770-74E5DF9C0A93}"/>
+                <a16:creationId xmlns:a16="http://schemas.microsoft.com/office/drawing/2014/main" id="{8F840083-6519-41A2-AEA1-34EF94612FF1}"/>
               </a:ext>
             </a:extLst>
           </p:cNvPr>
           <p:cNvPicPr>
-            <a:picLocks noChangeAspect="1"/>
+            <a:picLocks noChangeAspect="1" noChangeArrowheads="1"/>
           </p:cNvPicPr>
           <p:nvPr/>
         </p:nvPicPr>
         <p:blipFill>
-          <a:blip r:embed="rId3"/>
+          <a:blip r:embed="rId3">
+            <a:extLst>
+              <a:ext uri="{28A0092B-C50C-407E-A947-70E740481C1C}">
+                <a14:useLocalDpi xmlns:a14="http://schemas.microsoft.com/office/drawing/2010/main" val="0"/>
+              </a:ext>
+            </a:extLst>
+          </a:blip>
+          <a:srcRect/>
           <a:stretch>
             <a:fillRect/>
           </a:stretch>
         </p:blipFill>
-        <p:spPr>
-          <a:xfrm>
-            <a:off x="4143007" y="1934683"/>
-            <a:ext cx="2882620" cy="1092936"/>
-          </a:xfrm>
-          <a:prstGeom prst="rect">
-            <a:avLst/>
-          </a:prstGeom>
-        </p:spPr>
-      </p:pic>
-      <p:sp>
-        <p:nvSpPr>
-          <p:cNvPr id="6" name="TextBox 5">
-            <a:extLst>
-              <a:ext uri="{FF2B5EF4-FFF2-40B4-BE49-F238E27FC236}">
-                <a16:creationId xmlns:a16="http://schemas.microsoft.com/office/drawing/2014/main" id="{FC268E2E-B463-4E3C-BB66-337569BEE1A7}"/>
-              </a:ext>
-            </a:extLst>
-          </p:cNvPr>
-          <p:cNvSpPr txBox="1"/>
-          <p:nvPr/>
-        </p:nvSpPr>
-        <p:spPr>
-          <a:xfrm>
-            <a:off x="1077782" y="2159173"/>
-            <a:ext cx="2010487" cy="477054"/>
+        <p:spPr bwMode="auto">
+          <a:xfrm>
+            <a:off x="7212333" y="1804776"/>
+            <a:ext cx="3261361" cy="2174241"/>
           </a:xfrm>
           <a:prstGeom prst="rect">
             <a:avLst/>
           </a:prstGeom>
           <a:noFill/>
-        </p:spPr>
-        <p:txBody>
-          <a:bodyPr wrap="none" rtlCol="0">
-            <a:spAutoFit/>
-          </a:bodyPr>
-          <a:lstStyle/>
-          <a:p>
-            <a:r>
-              <a:rPr lang="en-US" sz="2500" dirty="0" err="1"/>
-              <a:t>Hàm</a:t>
-            </a:r>
-            <a:r>
-              <a:rPr lang="en-US" sz="2500" dirty="0"/>
-              <a:t> </a:t>
-            </a:r>
-            <a:r>
-              <a:rPr lang="en-US" sz="2500" dirty="0" err="1"/>
-              <a:t>mục</a:t>
-            </a:r>
-            <a:r>
-              <a:rPr lang="en-US" sz="2500" dirty="0"/>
-              <a:t> </a:t>
-            </a:r>
-            <a:r>
-              <a:rPr lang="en-US" sz="2500" dirty="0" err="1"/>
-              <a:t>tiêu</a:t>
-            </a:r>
-            <a:endParaRPr lang="en-US" sz="2500" dirty="0"/>
-          </a:p>
-        </p:txBody>
-      </p:sp>
-      <p:sp>
-        <p:nvSpPr>
-          <p:cNvPr id="7" name="TextBox 6">
+          <a:extLst>
+            <a:ext uri="{909E8E84-426E-40DD-AFC4-6F175D3DCCD1}">
+              <a14:hiddenFill xmlns:a14="http://schemas.microsoft.com/office/drawing/2010/main">
+                <a:solidFill>
+                  <a:srgbClr val="FFFFFF"/>
+                </a:solidFill>
+              </a14:hiddenFill>
+            </a:ext>
+          </a:extLst>
+        </p:spPr>
+      </p:pic>
+      <p:pic>
+        <p:nvPicPr>
+          <p:cNvPr id="2054" name="Picture 6">
             <a:extLst>
               <a:ext uri="{FF2B5EF4-FFF2-40B4-BE49-F238E27FC236}">
-                <a16:creationId xmlns:a16="http://schemas.microsoft.com/office/drawing/2014/main" id="{343FEF37-DDF0-4C90-8CD8-9E44CFC3CA5C}"/>
+                <a16:creationId xmlns:a16="http://schemas.microsoft.com/office/drawing/2014/main" id="{4268F80F-823C-42A1-B131-D24AAC6F7E62}"/>
               </a:ext>
             </a:extLst>
           </p:cNvPr>
-          <p:cNvSpPr txBox="1"/>
-          <p:nvPr/>
-        </p:nvSpPr>
-        <p:spPr>
-          <a:xfrm>
-            <a:off x="1097280" y="3619500"/>
-            <a:ext cx="1969322" cy="477054"/>
+          <p:cNvPicPr>
+            <a:picLocks noGrp="1" noChangeAspect="1" noChangeArrowheads="1"/>
+          </p:cNvPicPr>
+          <p:nvPr>
+            <p:ph idx="1"/>
+          </p:nvPr>
+        </p:nvPicPr>
+        <p:blipFill>
+          <a:blip r:embed="rId4">
+            <a:extLst>
+              <a:ext uri="{28A0092B-C50C-407E-A947-70E740481C1C}">
+                <a14:useLocalDpi xmlns:a14="http://schemas.microsoft.com/office/drawing/2010/main" val="0"/>
+              </a:ext>
+            </a:extLst>
+          </a:blip>
+          <a:srcRect/>
+          <a:stretch>
+            <a:fillRect/>
+          </a:stretch>
+        </p:blipFill>
+        <p:spPr bwMode="auto">
+          <a:xfrm>
+            <a:off x="4290220" y="3757084"/>
+            <a:ext cx="3339306" cy="2226204"/>
           </a:xfrm>
           <a:prstGeom prst="rect">
             <a:avLst/>
           </a:prstGeom>
           <a:noFill/>
-        </p:spPr>
-        <p:txBody>
-          <a:bodyPr wrap="none" rtlCol="0">
-            <a:spAutoFit/>
-          </a:bodyPr>
-          <a:lstStyle/>
-          <a:p>
-            <a:r>
-              <a:rPr lang="en-US" sz="2500" dirty="0" err="1"/>
-              <a:t>Hàm</a:t>
-            </a:r>
-            <a:r>
-              <a:rPr lang="en-US" sz="2500" dirty="0"/>
-              <a:t> </a:t>
-            </a:r>
-            <a:r>
-              <a:rPr lang="en-US" sz="2500" dirty="0" err="1"/>
-              <a:t>mất</a:t>
-            </a:r>
-            <a:r>
-              <a:rPr lang="en-US" sz="2500" dirty="0"/>
-              <a:t> </a:t>
-            </a:r>
-            <a:r>
-              <a:rPr lang="en-US" sz="2500" dirty="0" err="1"/>
-              <a:t>mát</a:t>
-            </a:r>
-            <a:endParaRPr lang="en-US" sz="2500" dirty="0"/>
-          </a:p>
-        </p:txBody>
-      </p:sp>
-      <p:sp>
-        <p:nvSpPr>
-          <p:cNvPr id="8" name="TextBox 7">
-            <a:extLst>
-              <a:ext uri="{FF2B5EF4-FFF2-40B4-BE49-F238E27FC236}">
-                <a16:creationId xmlns:a16="http://schemas.microsoft.com/office/drawing/2014/main" id="{8E154696-F5B5-42FF-9DDB-05FC09D9C4DD}"/>
-              </a:ext>
-            </a:extLst>
-          </p:cNvPr>
-          <p:cNvSpPr txBox="1"/>
-          <p:nvPr/>
-        </p:nvSpPr>
-        <p:spPr>
-          <a:xfrm>
-            <a:off x="1077782" y="4904538"/>
-            <a:ext cx="2812886" cy="477054"/>
-          </a:xfrm>
-          <a:prstGeom prst="rect">
-            <a:avLst/>
-          </a:prstGeom>
-          <a:noFill/>
-        </p:spPr>
-        <p:txBody>
-          <a:bodyPr wrap="none" rtlCol="0">
-            <a:spAutoFit/>
-          </a:bodyPr>
-          <a:lstStyle/>
-          <a:p>
-            <a:r>
-              <a:rPr lang="en-US" sz="2500" dirty="0" err="1"/>
-              <a:t>Tối</a:t>
-            </a:r>
-            <a:r>
-              <a:rPr lang="en-US" sz="2500" dirty="0"/>
-              <a:t> </a:t>
-            </a:r>
-            <a:r>
-              <a:rPr lang="en-US" sz="2500" dirty="0" err="1"/>
-              <a:t>ưu</a:t>
-            </a:r>
-            <a:r>
-              <a:rPr lang="en-US" sz="2500" dirty="0"/>
-              <a:t> </a:t>
-            </a:r>
-            <a:r>
-              <a:rPr lang="en-US" sz="2500" dirty="0" err="1"/>
-              <a:t>hàm</a:t>
-            </a:r>
-            <a:r>
-              <a:rPr lang="en-US" sz="2500" dirty="0"/>
-              <a:t> </a:t>
-            </a:r>
-            <a:r>
-              <a:rPr lang="en-US" sz="2500" dirty="0" err="1"/>
-              <a:t>mất</a:t>
-            </a:r>
-            <a:r>
-              <a:rPr lang="en-US" sz="2500" dirty="0"/>
-              <a:t> </a:t>
-            </a:r>
-            <a:r>
-              <a:rPr lang="en-US" sz="2500" dirty="0" err="1"/>
-              <a:t>mát</a:t>
-            </a:r>
-            <a:endParaRPr lang="en-US" sz="2500" dirty="0"/>
-          </a:p>
-        </p:txBody>
-      </p:sp>
-      <p:pic>
-        <p:nvPicPr>
-          <p:cNvPr id="9" name="Picture 8">
-            <a:extLst>
-              <a:ext uri="{FF2B5EF4-FFF2-40B4-BE49-F238E27FC236}">
-                <a16:creationId xmlns:a16="http://schemas.microsoft.com/office/drawing/2014/main" id="{11C833BD-6CD9-4461-B513-56C15383D772}"/>
-              </a:ext>
-            </a:extLst>
-          </p:cNvPr>
-          <p:cNvPicPr>
-            <a:picLocks noChangeAspect="1"/>
-          </p:cNvPicPr>
-          <p:nvPr/>
-        </p:nvPicPr>
-        <p:blipFill>
-          <a:blip r:embed="rId4"/>
-          <a:stretch>
-            <a:fillRect/>
-          </a:stretch>
-        </p:blipFill>
-        <p:spPr>
-          <a:xfrm>
-            <a:off x="4016837" y="5143065"/>
-            <a:ext cx="3134959" cy="738267"/>
-          </a:xfrm>
-          <a:prstGeom prst="rect">
-            <a:avLst/>
-          </a:prstGeom>
+          <a:extLst>
+            <a:ext uri="{909E8E84-426E-40DD-AFC4-6F175D3DCCD1}">
+              <a14:hiddenFill xmlns:a14="http://schemas.microsoft.com/office/drawing/2010/main">
+                <a:solidFill>
+                  <a:srgbClr val="FFFFFF"/>
+                </a:solidFill>
+              </a14:hiddenFill>
+            </a:ext>
+          </a:extLst>
         </p:spPr>
       </p:pic>
     </p:spTree>
     <p:extLst>
       <p:ext uri="{BB962C8B-B14F-4D97-AF65-F5344CB8AC3E}">
-        <p14:creationId xmlns:p14="http://schemas.microsoft.com/office/powerpoint/2010/main" val="1137312194"/>
+        <p14:creationId xmlns:p14="http://schemas.microsoft.com/office/powerpoint/2010/main" val="151764802"/>
       </p:ext>
     </p:extLst>
   </p:cSld>
@@ -6315,7 +6086,7 @@
           <p:cNvPr id="2" name="Title 1">
             <a:extLst>
               <a:ext uri="{FF2B5EF4-FFF2-40B4-BE49-F238E27FC236}">
-                <a16:creationId xmlns:a16="http://schemas.microsoft.com/office/drawing/2014/main" id="{B90877DA-8191-43AD-8DC2-014B8194B1E6}"/>
+                <a16:creationId xmlns:a16="http://schemas.microsoft.com/office/drawing/2014/main" id="{01BAFAE0-6364-4911-AF3F-9778B2436476}"/>
               </a:ext>
             </a:extLst>
           </p:cNvPr>
@@ -6333,7 +6104,7 @@
           <a:p>
             <a:r>
               <a:rPr lang="en-US" dirty="0"/>
-              <a:t>Support Vector Machine-Neural Network</a:t>
+              <a:t>Soft Margin Support Vector Machine</a:t>
             </a:r>
           </a:p>
         </p:txBody>
@@ -6343,7 +6114,7 @@
           <p:cNvPr id="4" name="Content Placeholder 3">
             <a:extLst>
               <a:ext uri="{FF2B5EF4-FFF2-40B4-BE49-F238E27FC236}">
-                <a16:creationId xmlns:a16="http://schemas.microsoft.com/office/drawing/2014/main" id="{D947203F-DCE6-4383-8189-7C0A0A094D8C}"/>
+                <a16:creationId xmlns:a16="http://schemas.microsoft.com/office/drawing/2014/main" id="{911622AC-3AC8-48D3-B759-03C2A916C19B}"/>
               </a:ext>
             </a:extLst>
           </p:cNvPr>
@@ -6362,8 +6133,240 @@
         </p:blipFill>
         <p:spPr>
           <a:xfrm>
-            <a:off x="511966" y="2844198"/>
-            <a:ext cx="11168067" cy="1956449"/>
+            <a:off x="3701572" y="3523883"/>
+            <a:ext cx="4149446" cy="1122918"/>
+          </a:xfrm>
+          <a:prstGeom prst="rect">
+            <a:avLst/>
+          </a:prstGeom>
+        </p:spPr>
+      </p:pic>
+      <p:pic>
+        <p:nvPicPr>
+          <p:cNvPr id="5" name="Picture 4">
+            <a:extLst>
+              <a:ext uri="{FF2B5EF4-FFF2-40B4-BE49-F238E27FC236}">
+                <a16:creationId xmlns:a16="http://schemas.microsoft.com/office/drawing/2014/main" id="{97420998-920A-4A5D-9770-74E5DF9C0A93}"/>
+              </a:ext>
+            </a:extLst>
+          </p:cNvPr>
+          <p:cNvPicPr>
+            <a:picLocks noChangeAspect="1"/>
+          </p:cNvPicPr>
+          <p:nvPr/>
+        </p:nvPicPr>
+        <p:blipFill>
+          <a:blip r:embed="rId3"/>
+          <a:stretch>
+            <a:fillRect/>
+          </a:stretch>
+        </p:blipFill>
+        <p:spPr>
+          <a:xfrm>
+            <a:off x="4143007" y="1934683"/>
+            <a:ext cx="2882620" cy="1092936"/>
+          </a:xfrm>
+          <a:prstGeom prst="rect">
+            <a:avLst/>
+          </a:prstGeom>
+        </p:spPr>
+      </p:pic>
+      <p:sp>
+        <p:nvSpPr>
+          <p:cNvPr id="6" name="TextBox 5">
+            <a:extLst>
+              <a:ext uri="{FF2B5EF4-FFF2-40B4-BE49-F238E27FC236}">
+                <a16:creationId xmlns:a16="http://schemas.microsoft.com/office/drawing/2014/main" id="{FC268E2E-B463-4E3C-BB66-337569BEE1A7}"/>
+              </a:ext>
+            </a:extLst>
+          </p:cNvPr>
+          <p:cNvSpPr txBox="1"/>
+          <p:nvPr/>
+        </p:nvSpPr>
+        <p:spPr>
+          <a:xfrm>
+            <a:off x="1077782" y="2159173"/>
+            <a:ext cx="2010487" cy="477054"/>
+          </a:xfrm>
+          <a:prstGeom prst="rect">
+            <a:avLst/>
+          </a:prstGeom>
+          <a:noFill/>
+        </p:spPr>
+        <p:txBody>
+          <a:bodyPr wrap="none" rtlCol="0">
+            <a:spAutoFit/>
+          </a:bodyPr>
+          <a:lstStyle/>
+          <a:p>
+            <a:r>
+              <a:rPr lang="en-US" sz="2500" dirty="0" err="1"/>
+              <a:t>Hàm</a:t>
+            </a:r>
+            <a:r>
+              <a:rPr lang="en-US" sz="2500" dirty="0"/>
+              <a:t> </a:t>
+            </a:r>
+            <a:r>
+              <a:rPr lang="en-US" sz="2500" dirty="0" err="1"/>
+              <a:t>mục</a:t>
+            </a:r>
+            <a:r>
+              <a:rPr lang="en-US" sz="2500" dirty="0"/>
+              <a:t> </a:t>
+            </a:r>
+            <a:r>
+              <a:rPr lang="en-US" sz="2500" dirty="0" err="1"/>
+              <a:t>tiêu</a:t>
+            </a:r>
+            <a:endParaRPr lang="en-US" sz="2500" dirty="0"/>
+          </a:p>
+        </p:txBody>
+      </p:sp>
+      <p:sp>
+        <p:nvSpPr>
+          <p:cNvPr id="7" name="TextBox 6">
+            <a:extLst>
+              <a:ext uri="{FF2B5EF4-FFF2-40B4-BE49-F238E27FC236}">
+                <a16:creationId xmlns:a16="http://schemas.microsoft.com/office/drawing/2014/main" id="{343FEF37-DDF0-4C90-8CD8-9E44CFC3CA5C}"/>
+              </a:ext>
+            </a:extLst>
+          </p:cNvPr>
+          <p:cNvSpPr txBox="1"/>
+          <p:nvPr/>
+        </p:nvSpPr>
+        <p:spPr>
+          <a:xfrm>
+            <a:off x="1097280" y="3619500"/>
+            <a:ext cx="1969322" cy="477054"/>
+          </a:xfrm>
+          <a:prstGeom prst="rect">
+            <a:avLst/>
+          </a:prstGeom>
+          <a:noFill/>
+        </p:spPr>
+        <p:txBody>
+          <a:bodyPr wrap="none" rtlCol="0">
+            <a:spAutoFit/>
+          </a:bodyPr>
+          <a:lstStyle/>
+          <a:p>
+            <a:r>
+              <a:rPr lang="en-US" sz="2500" dirty="0" err="1"/>
+              <a:t>Hàm</a:t>
+            </a:r>
+            <a:r>
+              <a:rPr lang="en-US" sz="2500" dirty="0"/>
+              <a:t> </a:t>
+            </a:r>
+            <a:r>
+              <a:rPr lang="en-US" sz="2500" dirty="0" err="1"/>
+              <a:t>mất</a:t>
+            </a:r>
+            <a:r>
+              <a:rPr lang="en-US" sz="2500" dirty="0"/>
+              <a:t> </a:t>
+            </a:r>
+            <a:r>
+              <a:rPr lang="en-US" sz="2500" dirty="0" err="1"/>
+              <a:t>mát</a:t>
+            </a:r>
+            <a:endParaRPr lang="en-US" sz="2500" dirty="0"/>
+          </a:p>
+        </p:txBody>
+      </p:sp>
+      <p:sp>
+        <p:nvSpPr>
+          <p:cNvPr id="8" name="TextBox 7">
+            <a:extLst>
+              <a:ext uri="{FF2B5EF4-FFF2-40B4-BE49-F238E27FC236}">
+                <a16:creationId xmlns:a16="http://schemas.microsoft.com/office/drawing/2014/main" id="{8E154696-F5B5-42FF-9DDB-05FC09D9C4DD}"/>
+              </a:ext>
+            </a:extLst>
+          </p:cNvPr>
+          <p:cNvSpPr txBox="1"/>
+          <p:nvPr/>
+        </p:nvSpPr>
+        <p:spPr>
+          <a:xfrm>
+            <a:off x="1077782" y="4904538"/>
+            <a:ext cx="2812886" cy="477054"/>
+          </a:xfrm>
+          <a:prstGeom prst="rect">
+            <a:avLst/>
+          </a:prstGeom>
+          <a:noFill/>
+        </p:spPr>
+        <p:txBody>
+          <a:bodyPr wrap="none" rtlCol="0">
+            <a:spAutoFit/>
+          </a:bodyPr>
+          <a:lstStyle/>
+          <a:p>
+            <a:r>
+              <a:rPr lang="en-US" sz="2500" dirty="0" err="1"/>
+              <a:t>Tối</a:t>
+            </a:r>
+            <a:r>
+              <a:rPr lang="en-US" sz="2500" dirty="0"/>
+              <a:t> </a:t>
+            </a:r>
+            <a:r>
+              <a:rPr lang="en-US" sz="2500" dirty="0" err="1"/>
+              <a:t>ưu</a:t>
+            </a:r>
+            <a:r>
+              <a:rPr lang="en-US" sz="2500" dirty="0"/>
+              <a:t> </a:t>
+            </a:r>
+            <a:r>
+              <a:rPr lang="en-US" sz="2500" dirty="0" err="1"/>
+              <a:t>hàm</a:t>
+            </a:r>
+            <a:r>
+              <a:rPr lang="en-US" sz="2500" dirty="0"/>
+              <a:t> </a:t>
+            </a:r>
+            <a:r>
+              <a:rPr lang="en-US" sz="2500" dirty="0" err="1"/>
+              <a:t>mất</a:t>
+            </a:r>
+            <a:r>
+              <a:rPr lang="en-US" sz="2500" dirty="0"/>
+              <a:t> </a:t>
+            </a:r>
+            <a:r>
+              <a:rPr lang="en-US" sz="2500" dirty="0" err="1"/>
+              <a:t>mát</a:t>
+            </a:r>
+            <a:endParaRPr lang="en-US" sz="2500" dirty="0"/>
+          </a:p>
+        </p:txBody>
+      </p:sp>
+      <p:pic>
+        <p:nvPicPr>
+          <p:cNvPr id="9" name="Picture 8">
+            <a:extLst>
+              <a:ext uri="{FF2B5EF4-FFF2-40B4-BE49-F238E27FC236}">
+                <a16:creationId xmlns:a16="http://schemas.microsoft.com/office/drawing/2014/main" id="{11C833BD-6CD9-4461-B513-56C15383D772}"/>
+              </a:ext>
+            </a:extLst>
+          </p:cNvPr>
+          <p:cNvPicPr>
+            <a:picLocks noChangeAspect="1"/>
+          </p:cNvPicPr>
+          <p:nvPr/>
+        </p:nvPicPr>
+        <p:blipFill>
+          <a:blip r:embed="rId4"/>
+          <a:stretch>
+            <a:fillRect/>
+          </a:stretch>
+        </p:blipFill>
+        <p:spPr>
+          <a:xfrm>
+            <a:off x="4016837" y="5143065"/>
+            <a:ext cx="3134959" cy="738267"/>
           </a:xfrm>
           <a:prstGeom prst="rect">
             <a:avLst/>
@@ -6373,7 +6376,7 @@
     </p:spTree>
     <p:extLst>
       <p:ext uri="{BB962C8B-B14F-4D97-AF65-F5344CB8AC3E}">
-        <p14:creationId xmlns:p14="http://schemas.microsoft.com/office/powerpoint/2010/main" val="2377981664"/>
+        <p14:creationId xmlns:p14="http://schemas.microsoft.com/office/powerpoint/2010/main" val="1137312194"/>
       </p:ext>
     </p:extLst>
   </p:cSld>
@@ -6405,7 +6408,7 @@
           <p:cNvPr id="2" name="Title 1">
             <a:extLst>
               <a:ext uri="{FF2B5EF4-FFF2-40B4-BE49-F238E27FC236}">
-                <a16:creationId xmlns:a16="http://schemas.microsoft.com/office/drawing/2014/main" id="{19408A20-46BC-4869-96DC-93A3EA8C896B}"/>
+                <a16:creationId xmlns:a16="http://schemas.microsoft.com/office/drawing/2014/main" id="{B8042C83-4520-412E-9F6E-894439FD20C8}"/>
               </a:ext>
             </a:extLst>
           </p:cNvPr>
@@ -6423,295 +6426,158 @@
           <a:p>
             <a:r>
               <a:rPr lang="en-US" dirty="0"/>
-              <a:t>Naive Bayes</a:t>
-            </a:r>
-          </a:p>
-        </p:txBody>
-      </p:sp>
-      <p:sp>
-        <p:nvSpPr>
-          <p:cNvPr id="3" name="Content Placeholder 2">
-            <a:extLst>
-              <a:ext uri="{FF2B5EF4-FFF2-40B4-BE49-F238E27FC236}">
-                <a16:creationId xmlns:a16="http://schemas.microsoft.com/office/drawing/2014/main" id="{F70ED3F8-8873-46AC-A063-52EE922CB76A}"/>
-              </a:ext>
-            </a:extLst>
-          </p:cNvPr>
-          <p:cNvSpPr>
-            <a:spLocks noGrp="1"/>
-          </p:cNvSpPr>
-          <p:nvPr>
-            <p:ph idx="1"/>
-          </p:nvPr>
-        </p:nvSpPr>
-        <p:spPr/>
-        <p:txBody>
-          <a:bodyPr>
-            <a:normAutofit/>
-          </a:bodyPr>
-          <a:lstStyle/>
-          <a:p>
-            <a:endParaRPr lang="en-US" sz="2500" dirty="0">
-              <a:solidFill>
-                <a:schemeClr val="tx1"/>
-              </a:solidFill>
-            </a:endParaRPr>
-          </a:p>
-          <a:p>
-            <a:r>
-              <a:rPr lang="en-US" sz="2500" dirty="0">
-                <a:solidFill>
-                  <a:schemeClr val="tx1"/>
-                </a:solidFill>
-              </a:rPr>
-              <a:t>          C classes 1,2,…,C </a:t>
-            </a:r>
-          </a:p>
-          <a:p>
-            <a:endParaRPr lang="en-US" sz="2500" dirty="0">
-              <a:solidFill>
-                <a:schemeClr val="tx1"/>
-              </a:solidFill>
-            </a:endParaRPr>
-          </a:p>
-          <a:p>
-            <a:pPr marL="0" indent="0">
-              <a:buNone/>
-            </a:pPr>
-            <a:r>
-              <a:rPr lang="en-US" sz="2500" dirty="0">
-                <a:solidFill>
-                  <a:schemeClr val="tx1"/>
-                </a:solidFill>
-              </a:rPr>
-              <a:t>           </a:t>
-            </a:r>
-            <a:r>
-              <a:rPr lang="en-US" sz="2500" dirty="0" err="1">
-                <a:solidFill>
-                  <a:schemeClr val="tx1"/>
-                </a:solidFill>
-              </a:rPr>
-              <a:t>Sử</a:t>
-            </a:r>
-            <a:r>
-              <a:rPr lang="en-US" sz="2500" dirty="0">
-                <a:solidFill>
-                  <a:schemeClr val="tx1"/>
-                </a:solidFill>
-              </a:rPr>
-              <a:t> </a:t>
-            </a:r>
-            <a:r>
-              <a:rPr lang="en-US" sz="2500" dirty="0" err="1">
-                <a:solidFill>
-                  <a:schemeClr val="tx1"/>
-                </a:solidFill>
-              </a:rPr>
-              <a:t>dụng</a:t>
-            </a:r>
-            <a:r>
-              <a:rPr lang="en-US" sz="2500" dirty="0">
-                <a:solidFill>
-                  <a:schemeClr val="tx1"/>
-                </a:solidFill>
-              </a:rPr>
-              <a:t> </a:t>
-            </a:r>
-            <a:r>
-              <a:rPr lang="en-US" sz="2500" dirty="0" err="1">
-                <a:solidFill>
-                  <a:schemeClr val="tx1"/>
-                </a:solidFill>
-              </a:rPr>
-              <a:t>quy</a:t>
-            </a:r>
-            <a:r>
-              <a:rPr lang="en-US" sz="2500" dirty="0">
-                <a:solidFill>
-                  <a:schemeClr val="tx1"/>
-                </a:solidFill>
-              </a:rPr>
-              <a:t> </a:t>
-            </a:r>
-            <a:r>
-              <a:rPr lang="en-US" sz="2500" dirty="0" err="1">
-                <a:solidFill>
-                  <a:schemeClr val="tx1"/>
-                </a:solidFill>
-              </a:rPr>
-              <a:t>tắc</a:t>
-            </a:r>
-            <a:r>
-              <a:rPr lang="en-US" sz="2500" dirty="0">
-                <a:solidFill>
-                  <a:schemeClr val="tx1"/>
-                </a:solidFill>
-              </a:rPr>
-              <a:t> Bayes </a:t>
-            </a:r>
-          </a:p>
-          <a:p>
-            <a:endParaRPr lang="en-US" sz="2500" dirty="0">
-              <a:solidFill>
-                <a:schemeClr val="tx1"/>
-              </a:solidFill>
-            </a:endParaRPr>
-          </a:p>
-          <a:p>
-            <a:endParaRPr lang="en-US" sz="2500" dirty="0">
-              <a:solidFill>
-                <a:schemeClr val="tx1"/>
-              </a:solidFill>
-            </a:endParaRPr>
-          </a:p>
-          <a:p>
-            <a:endParaRPr lang="en-US" sz="2500" dirty="0">
-              <a:solidFill>
-                <a:schemeClr val="tx1"/>
-              </a:solidFill>
-            </a:endParaRPr>
-          </a:p>
-          <a:p>
-            <a:endParaRPr lang="en-US" sz="2500" dirty="0">
-              <a:solidFill>
-                <a:schemeClr val="tx1"/>
-              </a:solidFill>
-            </a:endParaRPr>
-          </a:p>
-          <a:p>
-            <a:endParaRPr lang="en-US" sz="2500" dirty="0">
-              <a:solidFill>
-                <a:schemeClr val="tx1"/>
-              </a:solidFill>
-            </a:endParaRPr>
+              <a:t>Kernel Support Vector Machine</a:t>
+            </a:r>
           </a:p>
         </p:txBody>
       </p:sp>
       <p:pic>
         <p:nvPicPr>
-          <p:cNvPr id="6" name="Picture 5">
+          <p:cNvPr id="1026" name="Picture 2">
             <a:extLst>
               <a:ext uri="{FF2B5EF4-FFF2-40B4-BE49-F238E27FC236}">
-                <a16:creationId xmlns:a16="http://schemas.microsoft.com/office/drawing/2014/main" id="{D710634C-EB56-4C82-8F3B-C512998EA299}"/>
+                <a16:creationId xmlns:a16="http://schemas.microsoft.com/office/drawing/2014/main" id="{F9D3DEA1-55F4-4525-9519-4AA14E5A39BC}"/>
               </a:ext>
             </a:extLst>
           </p:cNvPr>
           <p:cNvPicPr>
-            <a:picLocks noChangeAspect="1"/>
+            <a:picLocks noGrp="1" noChangeAspect="1" noChangeArrowheads="1"/>
+          </p:cNvPicPr>
+          <p:nvPr>
+            <p:ph idx="1"/>
+          </p:nvPr>
+        </p:nvPicPr>
+        <p:blipFill>
+          <a:blip r:embed="rId2">
+            <a:extLst>
+              <a:ext uri="{28A0092B-C50C-407E-A947-70E740481C1C}">
+                <a14:useLocalDpi xmlns:a14="http://schemas.microsoft.com/office/drawing/2010/main" val="0"/>
+              </a:ext>
+            </a:extLst>
+          </a:blip>
+          <a:srcRect/>
+          <a:stretch>
+            <a:fillRect/>
+          </a:stretch>
+        </p:blipFill>
+        <p:spPr bwMode="auto">
+          <a:xfrm>
+            <a:off x="995362" y="2534007"/>
+            <a:ext cx="2444087" cy="2425740"/>
+          </a:xfrm>
+          <a:prstGeom prst="rect">
+            <a:avLst/>
+          </a:prstGeom>
+          <a:noFill/>
+          <a:extLst>
+            <a:ext uri="{909E8E84-426E-40DD-AFC4-6F175D3DCCD1}">
+              <a14:hiddenFill xmlns:a14="http://schemas.microsoft.com/office/drawing/2010/main">
+                <a:solidFill>
+                  <a:srgbClr val="FFFFFF"/>
+                </a:solidFill>
+              </a14:hiddenFill>
+            </a:ext>
+          </a:extLst>
+        </p:spPr>
+      </p:pic>
+      <p:pic>
+        <p:nvPicPr>
+          <p:cNvPr id="1028" name="Picture 4">
+            <a:extLst>
+              <a:ext uri="{FF2B5EF4-FFF2-40B4-BE49-F238E27FC236}">
+                <a16:creationId xmlns:a16="http://schemas.microsoft.com/office/drawing/2014/main" id="{73865624-8144-4CF4-87C5-3BD57E98A91B}"/>
+              </a:ext>
+            </a:extLst>
+          </p:cNvPr>
+          <p:cNvPicPr>
+            <a:picLocks noChangeAspect="1" noChangeArrowheads="1"/>
           </p:cNvPicPr>
           <p:nvPr/>
         </p:nvPicPr>
         <p:blipFill>
-          <a:blip r:embed="rId2"/>
+          <a:blip r:embed="rId3">
+            <a:extLst>
+              <a:ext uri="{28A0092B-C50C-407E-A947-70E740481C1C}">
+                <a14:useLocalDpi xmlns:a14="http://schemas.microsoft.com/office/drawing/2010/main" val="0"/>
+              </a:ext>
+            </a:extLst>
+          </a:blip>
+          <a:srcRect/>
           <a:stretch>
             <a:fillRect/>
           </a:stretch>
         </p:blipFill>
-        <p:spPr>
-          <a:xfrm>
-            <a:off x="6803238" y="2323232"/>
-            <a:ext cx="3049366" cy="862057"/>
+        <p:spPr bwMode="auto">
+          <a:xfrm>
+            <a:off x="4555332" y="2582154"/>
+            <a:ext cx="2700337" cy="2409720"/>
           </a:xfrm>
           <a:prstGeom prst="rect">
             <a:avLst/>
           </a:prstGeom>
+          <a:noFill/>
+          <a:extLst>
+            <a:ext uri="{909E8E84-426E-40DD-AFC4-6F175D3DCCD1}">
+              <a14:hiddenFill xmlns:a14="http://schemas.microsoft.com/office/drawing/2010/main">
+                <a:solidFill>
+                  <a:srgbClr val="FFFFFF"/>
+                </a:solidFill>
+              </a14:hiddenFill>
+            </a:ext>
+          </a:extLst>
         </p:spPr>
       </p:pic>
       <p:pic>
         <p:nvPicPr>
-          <p:cNvPr id="7" name="Picture 6">
+          <p:cNvPr id="1030" name="Picture 6">
             <a:extLst>
               <a:ext uri="{FF2B5EF4-FFF2-40B4-BE49-F238E27FC236}">
-                <a16:creationId xmlns:a16="http://schemas.microsoft.com/office/drawing/2014/main" id="{934CBBC4-AA13-429E-85F5-EFCF9781BDCB}"/>
+                <a16:creationId xmlns:a16="http://schemas.microsoft.com/office/drawing/2014/main" id="{6D9AA33B-3FB7-4B97-B6C2-728676E375C4}"/>
               </a:ext>
             </a:extLst>
           </p:cNvPr>
           <p:cNvPicPr>
-            <a:picLocks noChangeAspect="1"/>
+            <a:picLocks noChangeAspect="1" noChangeArrowheads="1"/>
           </p:cNvPicPr>
           <p:nvPr/>
         </p:nvPicPr>
         <p:blipFill>
-          <a:blip r:embed="rId3"/>
+          <a:blip r:embed="rId4">
+            <a:extLst>
+              <a:ext uri="{28A0092B-C50C-407E-A947-70E740481C1C}">
+                <a14:useLocalDpi xmlns:a14="http://schemas.microsoft.com/office/drawing/2010/main" val="0"/>
+              </a:ext>
+            </a:extLst>
+          </a:blip>
+          <a:srcRect/>
           <a:stretch>
             <a:fillRect/>
           </a:stretch>
         </p:blipFill>
-        <p:spPr>
-          <a:xfrm>
-            <a:off x="4650451" y="2450747"/>
-            <a:ext cx="1699421" cy="544346"/>
+        <p:spPr bwMode="auto">
+          <a:xfrm>
+            <a:off x="8371553" y="2266949"/>
+            <a:ext cx="2665993" cy="2692797"/>
           </a:xfrm>
           <a:prstGeom prst="rect">
             <a:avLst/>
           </a:prstGeom>
-        </p:spPr>
-      </p:pic>
-      <p:pic>
-        <p:nvPicPr>
-          <p:cNvPr id="8" name="Picture 7">
-            <a:extLst>
-              <a:ext uri="{FF2B5EF4-FFF2-40B4-BE49-F238E27FC236}">
-                <a16:creationId xmlns:a16="http://schemas.microsoft.com/office/drawing/2014/main" id="{322F2BFB-DE5A-4E0D-8850-8D5702A907DF}"/>
-              </a:ext>
-            </a:extLst>
-          </p:cNvPr>
-          <p:cNvPicPr>
-            <a:picLocks noChangeAspect="1"/>
-          </p:cNvPicPr>
-          <p:nvPr/>
-        </p:nvPicPr>
-        <p:blipFill>
-          <a:blip r:embed="rId4"/>
-          <a:stretch>
-            <a:fillRect/>
-          </a:stretch>
-        </p:blipFill>
-        <p:spPr>
-          <a:xfrm>
-            <a:off x="1694776" y="3785315"/>
-            <a:ext cx="8863407" cy="862057"/>
-          </a:xfrm>
-          <a:prstGeom prst="rect">
-            <a:avLst/>
-          </a:prstGeom>
-        </p:spPr>
-      </p:pic>
-      <p:pic>
-        <p:nvPicPr>
-          <p:cNvPr id="9" name="Picture 8">
-            <a:extLst>
-              <a:ext uri="{FF2B5EF4-FFF2-40B4-BE49-F238E27FC236}">
-                <a16:creationId xmlns:a16="http://schemas.microsoft.com/office/drawing/2014/main" id="{555510A0-EC5D-480B-B2C0-B4E3863FBEE8}"/>
-              </a:ext>
-            </a:extLst>
-          </p:cNvPr>
-          <p:cNvPicPr>
-            <a:picLocks noChangeAspect="1"/>
-          </p:cNvPicPr>
-          <p:nvPr/>
-        </p:nvPicPr>
-        <p:blipFill>
-          <a:blip r:embed="rId5"/>
-          <a:stretch>
-            <a:fillRect/>
-          </a:stretch>
-        </p:blipFill>
-        <p:spPr>
-          <a:xfrm>
-            <a:off x="2990530" y="4787429"/>
-            <a:ext cx="5686745" cy="1871887"/>
-          </a:xfrm>
-          <a:prstGeom prst="rect">
-            <a:avLst/>
-          </a:prstGeom>
+          <a:noFill/>
+          <a:extLst>
+            <a:ext uri="{909E8E84-426E-40DD-AFC4-6F175D3DCCD1}">
+              <a14:hiddenFill xmlns:a14="http://schemas.microsoft.com/office/drawing/2010/main">
+                <a:solidFill>
+                  <a:srgbClr val="FFFFFF"/>
+                </a:solidFill>
+              </a14:hiddenFill>
+            </a:ext>
+          </a:extLst>
         </p:spPr>
       </p:pic>
     </p:spTree>
     <p:extLst>
       <p:ext uri="{BB962C8B-B14F-4D97-AF65-F5344CB8AC3E}">
-        <p14:creationId xmlns:p14="http://schemas.microsoft.com/office/powerpoint/2010/main" val="907466493"/>
+        <p14:creationId xmlns:p14="http://schemas.microsoft.com/office/powerpoint/2010/main" val="1441794303"/>
       </p:ext>
     </p:extLst>
   </p:cSld>
@@ -6743,7 +6609,7 @@
           <p:cNvPr id="2" name="Title 1">
             <a:extLst>
               <a:ext uri="{FF2B5EF4-FFF2-40B4-BE49-F238E27FC236}">
-                <a16:creationId xmlns:a16="http://schemas.microsoft.com/office/drawing/2014/main" id="{5C63EB51-8803-453E-B5AC-BA9DF90BE761}"/>
+                <a16:creationId xmlns:a16="http://schemas.microsoft.com/office/drawing/2014/main" id="{9CE348CD-9A56-4FB8-8579-05AF4D70C19C}"/>
               </a:ext>
             </a:extLst>
           </p:cNvPr>
@@ -6761,87 +6627,47 @@
           <a:p>
             <a:r>
               <a:rPr lang="en-US" dirty="0"/>
-              <a:t>Naive Bayes</a:t>
-            </a:r>
-          </a:p>
-        </p:txBody>
-      </p:sp>
-      <p:sp>
-        <p:nvSpPr>
-          <p:cNvPr id="4" name="Content Placeholder 3">
-            <a:extLst>
-              <a:ext uri="{FF2B5EF4-FFF2-40B4-BE49-F238E27FC236}">
-                <a16:creationId xmlns:a16="http://schemas.microsoft.com/office/drawing/2014/main" id="{AB194A9C-4A12-4F3A-BDA5-BFDB75C99DEC}"/>
-              </a:ext>
-            </a:extLst>
-          </p:cNvPr>
-          <p:cNvSpPr>
-            <a:spLocks noGrp="1"/>
-          </p:cNvSpPr>
-          <p:nvPr>
-            <p:ph idx="1"/>
-          </p:nvPr>
-        </p:nvSpPr>
-        <p:spPr/>
-        <p:txBody>
-          <a:bodyPr/>
-          <a:lstStyle/>
-          <a:p>
-            <a:endParaRPr lang="en-US"/>
+              <a:t>Kernel Support Vector Machine</a:t>
+            </a:r>
           </a:p>
         </p:txBody>
       </p:sp>
       <p:pic>
         <p:nvPicPr>
-          <p:cNvPr id="4100" name="Picture 4" descr="GitHub - JonathanRadotski/multinomial_naivebayes: Documentation of  multinomial naivebayes from scratch.">
+          <p:cNvPr id="4" name="Content Placeholder 3">
             <a:extLst>
               <a:ext uri="{FF2B5EF4-FFF2-40B4-BE49-F238E27FC236}">
-                <a16:creationId xmlns:a16="http://schemas.microsoft.com/office/drawing/2014/main" id="{4B4C8C31-DA3C-435A-96DF-4D7928C32812}"/>
+                <a16:creationId xmlns:a16="http://schemas.microsoft.com/office/drawing/2014/main" id="{E75EFE77-B0EC-4EC7-B85F-61BEE4D452F5}"/>
               </a:ext>
             </a:extLst>
           </p:cNvPr>
           <p:cNvPicPr>
-            <a:picLocks noChangeAspect="1" noChangeArrowheads="1"/>
+            <a:picLocks noGrp="1" noChangeAspect="1"/>
           </p:cNvPicPr>
-          <p:nvPr/>
+          <p:nvPr>
+            <p:ph idx="1"/>
+          </p:nvPr>
         </p:nvPicPr>
         <p:blipFill>
-          <a:blip r:embed="rId2">
-            <a:extLst>
-              <a:ext uri="{28A0092B-C50C-407E-A947-70E740481C1C}">
-                <a14:useLocalDpi xmlns:a14="http://schemas.microsoft.com/office/drawing/2010/main" val="0"/>
-              </a:ext>
-            </a:extLst>
-          </a:blip>
-          <a:srcRect/>
+          <a:blip r:embed="rId2"/>
           <a:stretch>
             <a:fillRect/>
           </a:stretch>
         </p:blipFill>
-        <p:spPr bwMode="auto">
-          <a:xfrm>
-            <a:off x="3062288" y="2221495"/>
-            <a:ext cx="6411016" cy="3519487"/>
+        <p:spPr>
+          <a:xfrm>
+            <a:off x="909962" y="3119339"/>
+            <a:ext cx="10658335" cy="1906052"/>
           </a:xfrm>
           <a:prstGeom prst="rect">
             <a:avLst/>
           </a:prstGeom>
-          <a:noFill/>
-          <a:extLst>
-            <a:ext uri="{909E8E84-426E-40DD-AFC4-6F175D3DCCD1}">
-              <a14:hiddenFill xmlns:a14="http://schemas.microsoft.com/office/drawing/2010/main">
-                <a:solidFill>
-                  <a:srgbClr val="FFFFFF"/>
-                </a:solidFill>
-              </a14:hiddenFill>
-            </a:ext>
-          </a:extLst>
         </p:spPr>
       </p:pic>
     </p:spTree>
     <p:extLst>
       <p:ext uri="{BB962C8B-B14F-4D97-AF65-F5344CB8AC3E}">
-        <p14:creationId xmlns:p14="http://schemas.microsoft.com/office/powerpoint/2010/main" val="424964422"/>
+        <p14:creationId xmlns:p14="http://schemas.microsoft.com/office/powerpoint/2010/main" val="534953474"/>
       </p:ext>
     </p:extLst>
   </p:cSld>
@@ -6956,7 +6782,7 @@
             </a:br>
             <a:r>
               <a:rPr lang="en-US" dirty="0"/>
-              <a:t>3.  Support Vector Machine- SVM</a:t>
+              <a:t>3. Support Vector Machine- SVM</a:t>
             </a:r>
             <a:br>
               <a:rPr lang="en-US" dirty="0"/>
@@ -6978,26 +6804,7 @@
             </a:br>
             <a:r>
               <a:rPr lang="en-US" dirty="0"/>
-              <a:t>5. </a:t>
-            </a:r>
-            <a:r>
-              <a:rPr lang="en-US" dirty="0" err="1"/>
-              <a:t>Xác</a:t>
-            </a:r>
-            <a:r>
-              <a:rPr lang="en-US" dirty="0"/>
-              <a:t> </a:t>
-            </a:r>
-            <a:r>
-              <a:rPr lang="en-US" dirty="0" err="1"/>
-              <a:t>suất</a:t>
-            </a:r>
-            <a:br>
-              <a:rPr lang="en-US" dirty="0"/>
-            </a:br>
-            <a:r>
-              <a:rPr lang="en-US" dirty="0"/>
-              <a:t>6. Recommendation</a:t>
+              <a:t>5. Recommendation</a:t>
             </a:r>
           </a:p>
         </p:txBody>
@@ -7037,7 +6844,7 @@
           <p:cNvPr id="2" name="Title 1">
             <a:extLst>
               <a:ext uri="{FF2B5EF4-FFF2-40B4-BE49-F238E27FC236}">
-                <a16:creationId xmlns:a16="http://schemas.microsoft.com/office/drawing/2014/main" id="{5C63EB51-8803-453E-B5AC-BA9DF90BE761}"/>
+                <a16:creationId xmlns:a16="http://schemas.microsoft.com/office/drawing/2014/main" id="{B90877DA-8191-43AD-8DC2-014B8194B1E6}"/>
               </a:ext>
             </a:extLst>
           </p:cNvPr>
@@ -7055,434 +6862,47 @@
           <a:p>
             <a:r>
               <a:rPr lang="en-US" dirty="0"/>
-              <a:t>Naive Bayes</a:t>
-            </a:r>
-          </a:p>
-        </p:txBody>
-      </p:sp>
-      <p:sp>
-        <p:nvSpPr>
-          <p:cNvPr id="4" name="Content Placeholder 3">
-            <a:extLst>
-              <a:ext uri="{FF2B5EF4-FFF2-40B4-BE49-F238E27FC236}">
-                <a16:creationId xmlns:a16="http://schemas.microsoft.com/office/drawing/2014/main" id="{AB194A9C-4A12-4F3A-BDA5-BFDB75C99DEC}"/>
-              </a:ext>
-            </a:extLst>
-          </p:cNvPr>
-          <p:cNvSpPr>
-            <a:spLocks noGrp="1"/>
-          </p:cNvSpPr>
-          <p:nvPr>
-            <p:ph idx="1"/>
-          </p:nvPr>
-        </p:nvSpPr>
-        <p:spPr>
-          <a:xfrm>
-            <a:off x="1097280" y="1895474"/>
-            <a:ext cx="10058400" cy="3973619"/>
-          </a:xfrm>
-        </p:spPr>
-        <p:txBody>
-          <a:bodyPr>
-            <a:normAutofit/>
-          </a:bodyPr>
-          <a:lstStyle/>
-          <a:p>
-            <a:pPr marL="0" indent="0">
-              <a:buNone/>
-            </a:pPr>
-            <a:r>
-              <a:rPr lang="vi-VN" sz="2500" dirty="0">
-                <a:solidFill>
-                  <a:schemeClr val="tx1"/>
-                </a:solidFill>
-                <a:latin typeface="Calibri (Body)"/>
-              </a:rPr>
-              <a:t>Các phân phối thường dùng cho p(xi|c)</a:t>
-            </a:r>
-            <a:r>
-              <a:rPr lang="en-US" sz="2500" dirty="0">
-                <a:solidFill>
-                  <a:schemeClr val="tx1"/>
-                </a:solidFill>
-                <a:latin typeface="Calibri (Body)"/>
-              </a:rPr>
-              <a:t> :</a:t>
-            </a:r>
-          </a:p>
-          <a:p>
-            <a:r>
-              <a:rPr lang="en-US" sz="2500" dirty="0">
-                <a:solidFill>
-                  <a:schemeClr val="tx1"/>
-                </a:solidFill>
-                <a:latin typeface="Calibri (Body)"/>
-              </a:rPr>
-              <a:t>- Gaussian Naive Bayes : </a:t>
-            </a:r>
-            <a:r>
-              <a:rPr lang="en-US" sz="2500" dirty="0" err="1">
-                <a:solidFill>
-                  <a:schemeClr val="tx1"/>
-                </a:solidFill>
-                <a:latin typeface="Calibri (Body)"/>
-              </a:rPr>
-              <a:t>sử</a:t>
-            </a:r>
-            <a:r>
-              <a:rPr lang="en-US" sz="2500" dirty="0">
-                <a:solidFill>
-                  <a:schemeClr val="tx1"/>
-                </a:solidFill>
-                <a:latin typeface="Calibri (Body)"/>
-              </a:rPr>
-              <a:t> </a:t>
-            </a:r>
-            <a:r>
-              <a:rPr lang="en-US" sz="2500" dirty="0" err="1">
-                <a:solidFill>
-                  <a:schemeClr val="tx1"/>
-                </a:solidFill>
-                <a:latin typeface="Calibri (Body)"/>
-              </a:rPr>
-              <a:t>dụng</a:t>
-            </a:r>
-            <a:r>
-              <a:rPr lang="en-US" sz="2500" dirty="0">
-                <a:solidFill>
-                  <a:schemeClr val="tx1"/>
-                </a:solidFill>
-                <a:latin typeface="Calibri (Body)"/>
-              </a:rPr>
-              <a:t> </a:t>
-            </a:r>
-            <a:r>
-              <a:rPr lang="en-US" sz="2500" dirty="0" err="1">
-                <a:solidFill>
-                  <a:schemeClr val="tx1"/>
-                </a:solidFill>
-                <a:latin typeface="Calibri (Body)"/>
-              </a:rPr>
-              <a:t>chủ</a:t>
-            </a:r>
-            <a:r>
-              <a:rPr lang="en-US" sz="2500" dirty="0">
-                <a:solidFill>
-                  <a:schemeClr val="tx1"/>
-                </a:solidFill>
-                <a:latin typeface="Calibri (Body)"/>
-              </a:rPr>
-              <a:t> </a:t>
-            </a:r>
-            <a:r>
-              <a:rPr lang="en-US" sz="2500" dirty="0" err="1">
-                <a:solidFill>
-                  <a:schemeClr val="tx1"/>
-                </a:solidFill>
-                <a:latin typeface="Calibri (Body)"/>
-              </a:rPr>
-              <a:t>yếu</a:t>
-            </a:r>
-            <a:r>
-              <a:rPr lang="en-US" sz="2500" dirty="0">
-                <a:solidFill>
-                  <a:schemeClr val="tx1"/>
-                </a:solidFill>
-                <a:latin typeface="Calibri (Body)"/>
-              </a:rPr>
-              <a:t> </a:t>
-            </a:r>
-            <a:r>
-              <a:rPr lang="en-US" sz="2500" dirty="0" err="1">
-                <a:solidFill>
-                  <a:schemeClr val="tx1"/>
-                </a:solidFill>
-                <a:latin typeface="Calibri (Body)"/>
-              </a:rPr>
-              <a:t>trong</a:t>
-            </a:r>
-            <a:r>
-              <a:rPr lang="en-US" sz="2500" dirty="0">
-                <a:solidFill>
-                  <a:schemeClr val="tx1"/>
-                </a:solidFill>
-                <a:latin typeface="Calibri (Body)"/>
-              </a:rPr>
-              <a:t> </a:t>
-            </a:r>
-            <a:r>
-              <a:rPr lang="en-US" sz="2500" dirty="0" err="1">
-                <a:solidFill>
-                  <a:schemeClr val="tx1"/>
-                </a:solidFill>
-                <a:latin typeface="Calibri (Body)"/>
-              </a:rPr>
-              <a:t>loại</a:t>
-            </a:r>
-            <a:r>
-              <a:rPr lang="en-US" sz="2500" dirty="0">
-                <a:solidFill>
-                  <a:schemeClr val="tx1"/>
-                </a:solidFill>
-                <a:latin typeface="Calibri (Body)"/>
-              </a:rPr>
-              <a:t> </a:t>
-            </a:r>
-            <a:r>
-              <a:rPr lang="en-US" sz="2500" dirty="0" err="1">
-                <a:solidFill>
-                  <a:schemeClr val="tx1"/>
-                </a:solidFill>
-                <a:latin typeface="Calibri (Body)"/>
-              </a:rPr>
-              <a:t>dữ</a:t>
-            </a:r>
-            <a:r>
-              <a:rPr lang="en-US" sz="2500" dirty="0">
-                <a:solidFill>
-                  <a:schemeClr val="tx1"/>
-                </a:solidFill>
-                <a:latin typeface="Calibri (Body)"/>
-              </a:rPr>
-              <a:t> </a:t>
-            </a:r>
-            <a:r>
-              <a:rPr lang="en-US" sz="2500" dirty="0" err="1">
-                <a:solidFill>
-                  <a:schemeClr val="tx1"/>
-                </a:solidFill>
-                <a:latin typeface="Calibri (Body)"/>
-              </a:rPr>
-              <a:t>liệu</a:t>
-            </a:r>
-            <a:r>
-              <a:rPr lang="en-US" sz="2500" dirty="0">
-                <a:solidFill>
-                  <a:schemeClr val="tx1"/>
-                </a:solidFill>
-                <a:latin typeface="Calibri (Body)"/>
-              </a:rPr>
-              <a:t> </a:t>
-            </a:r>
-            <a:r>
-              <a:rPr lang="en-US" sz="2500" dirty="0" err="1">
-                <a:solidFill>
-                  <a:schemeClr val="tx1"/>
-                </a:solidFill>
-                <a:latin typeface="Calibri (Body)"/>
-              </a:rPr>
-              <a:t>mà</a:t>
-            </a:r>
-            <a:r>
-              <a:rPr lang="en-US" sz="2500" dirty="0">
-                <a:solidFill>
-                  <a:schemeClr val="tx1"/>
-                </a:solidFill>
-                <a:latin typeface="Calibri (Body)"/>
-              </a:rPr>
-              <a:t> </a:t>
-            </a:r>
-            <a:r>
-              <a:rPr lang="en-US" sz="2500" dirty="0" err="1">
-                <a:solidFill>
-                  <a:schemeClr val="tx1"/>
-                </a:solidFill>
-                <a:latin typeface="Calibri (Body)"/>
-              </a:rPr>
-              <a:t>các</a:t>
-            </a:r>
-            <a:r>
-              <a:rPr lang="en-US" sz="2500" dirty="0">
-                <a:solidFill>
-                  <a:schemeClr val="tx1"/>
-                </a:solidFill>
-                <a:latin typeface="Calibri (Body)"/>
-              </a:rPr>
-              <a:t> thành </a:t>
-            </a:r>
-            <a:r>
-              <a:rPr lang="en-US" sz="2500" dirty="0" err="1">
-                <a:solidFill>
-                  <a:schemeClr val="tx1"/>
-                </a:solidFill>
-                <a:latin typeface="Calibri (Body)"/>
-              </a:rPr>
-              <a:t>phần</a:t>
-            </a:r>
-            <a:r>
-              <a:rPr lang="en-US" sz="2500" dirty="0">
-                <a:solidFill>
-                  <a:schemeClr val="tx1"/>
-                </a:solidFill>
-                <a:latin typeface="Calibri (Body)"/>
-              </a:rPr>
-              <a:t> </a:t>
-            </a:r>
-            <a:r>
-              <a:rPr lang="en-US" sz="2500" dirty="0" err="1">
-                <a:solidFill>
-                  <a:schemeClr val="tx1"/>
-                </a:solidFill>
-                <a:latin typeface="Calibri (Body)"/>
-              </a:rPr>
-              <a:t>là</a:t>
-            </a:r>
-            <a:r>
-              <a:rPr lang="en-US" sz="2500" dirty="0">
-                <a:solidFill>
-                  <a:schemeClr val="tx1"/>
-                </a:solidFill>
-                <a:latin typeface="Calibri (Body)"/>
-              </a:rPr>
-              <a:t> </a:t>
-            </a:r>
-            <a:r>
-              <a:rPr lang="en-US" sz="2500" dirty="0" err="1">
-                <a:solidFill>
-                  <a:schemeClr val="tx1"/>
-                </a:solidFill>
-                <a:latin typeface="Calibri (Body)"/>
-              </a:rPr>
-              <a:t>các</a:t>
-            </a:r>
-            <a:r>
-              <a:rPr lang="en-US" sz="2500" dirty="0">
-                <a:solidFill>
-                  <a:schemeClr val="tx1"/>
-                </a:solidFill>
-                <a:latin typeface="Calibri (Body)"/>
-              </a:rPr>
-              <a:t> </a:t>
-            </a:r>
-            <a:r>
-              <a:rPr lang="en-US" sz="2500" dirty="0" err="1">
-                <a:solidFill>
-                  <a:schemeClr val="tx1"/>
-                </a:solidFill>
-                <a:latin typeface="Calibri (Body)"/>
-              </a:rPr>
-              <a:t>biến</a:t>
-            </a:r>
-            <a:r>
-              <a:rPr lang="en-US" sz="2500" dirty="0">
-                <a:solidFill>
-                  <a:schemeClr val="tx1"/>
-                </a:solidFill>
-                <a:latin typeface="Calibri (Body)"/>
-              </a:rPr>
-              <a:t> </a:t>
-            </a:r>
-            <a:r>
-              <a:rPr lang="en-US" sz="2500" dirty="0" err="1">
-                <a:solidFill>
-                  <a:schemeClr val="tx1"/>
-                </a:solidFill>
-                <a:latin typeface="Calibri (Body)"/>
-              </a:rPr>
-              <a:t>liên</a:t>
-            </a:r>
-            <a:r>
-              <a:rPr lang="en-US" sz="2500" dirty="0">
-                <a:solidFill>
-                  <a:schemeClr val="tx1"/>
-                </a:solidFill>
-                <a:latin typeface="Calibri (Body)"/>
-              </a:rPr>
-              <a:t> </a:t>
-            </a:r>
-            <a:r>
-              <a:rPr lang="en-US" sz="2500" dirty="0" err="1">
-                <a:solidFill>
-                  <a:schemeClr val="tx1"/>
-                </a:solidFill>
-                <a:latin typeface="Calibri (Body)"/>
-              </a:rPr>
-              <a:t>tục</a:t>
-            </a:r>
-            <a:endParaRPr lang="en-US" sz="2500" dirty="0">
-              <a:solidFill>
-                <a:schemeClr val="tx1"/>
-              </a:solidFill>
-              <a:latin typeface="Calibri (Body)"/>
-            </a:endParaRPr>
-          </a:p>
-          <a:p>
-            <a:endParaRPr lang="en-US" sz="2500" dirty="0">
-              <a:solidFill>
-                <a:schemeClr val="tx1"/>
-              </a:solidFill>
-              <a:latin typeface="Calibri (Body)"/>
-            </a:endParaRPr>
-          </a:p>
-          <a:p>
-            <a:endParaRPr lang="vi-VN" sz="2500" dirty="0">
-              <a:solidFill>
-                <a:schemeClr val="tx1"/>
-              </a:solidFill>
-              <a:latin typeface="Calibri (Body)"/>
-            </a:endParaRPr>
-          </a:p>
-          <a:p>
-            <a:endParaRPr lang="en-US" sz="2500" dirty="0">
-              <a:solidFill>
-                <a:schemeClr val="tx1"/>
-              </a:solidFill>
-              <a:latin typeface="Calibri (Body)"/>
-            </a:endParaRPr>
+              <a:t>Support Vector Machine-Neural Network</a:t>
+            </a:r>
           </a:p>
         </p:txBody>
       </p:sp>
       <p:pic>
         <p:nvPicPr>
-          <p:cNvPr id="6146" name="Picture 2" descr="Gaussian Naive Bayes">
+          <p:cNvPr id="4" name="Content Placeholder 3">
             <a:extLst>
               <a:ext uri="{FF2B5EF4-FFF2-40B4-BE49-F238E27FC236}">
-                <a16:creationId xmlns:a16="http://schemas.microsoft.com/office/drawing/2014/main" id="{8AC44CEB-A098-4B5B-AFE7-AA7C20309630}"/>
+                <a16:creationId xmlns:a16="http://schemas.microsoft.com/office/drawing/2014/main" id="{D947203F-DCE6-4383-8189-7C0A0A094D8C}"/>
               </a:ext>
             </a:extLst>
           </p:cNvPr>
           <p:cNvPicPr>
-            <a:picLocks noChangeAspect="1" noChangeArrowheads="1"/>
+            <a:picLocks noGrp="1" noChangeAspect="1"/>
           </p:cNvPicPr>
-          <p:nvPr/>
+          <p:nvPr>
+            <p:ph idx="1"/>
+          </p:nvPr>
         </p:nvPicPr>
         <p:blipFill>
-          <a:blip r:embed="rId2">
-            <a:extLst>
-              <a:ext uri="{28A0092B-C50C-407E-A947-70E740481C1C}">
-                <a14:useLocalDpi xmlns:a14="http://schemas.microsoft.com/office/drawing/2010/main" val="0"/>
-              </a:ext>
-            </a:extLst>
-          </a:blip>
-          <a:srcRect/>
+          <a:blip r:embed="rId2"/>
           <a:stretch>
             <a:fillRect/>
           </a:stretch>
         </p:blipFill>
-        <p:spPr bwMode="auto">
-          <a:xfrm>
-            <a:off x="2291650" y="3429000"/>
-            <a:ext cx="7608700" cy="2024062"/>
+        <p:spPr>
+          <a:xfrm>
+            <a:off x="511966" y="2844198"/>
+            <a:ext cx="11168067" cy="1956449"/>
           </a:xfrm>
           <a:prstGeom prst="rect">
             <a:avLst/>
           </a:prstGeom>
-          <a:noFill/>
-          <a:extLst>
-            <a:ext uri="{909E8E84-426E-40DD-AFC4-6F175D3DCCD1}">
-              <a14:hiddenFill xmlns:a14="http://schemas.microsoft.com/office/drawing/2010/main">
-                <a:solidFill>
-                  <a:srgbClr val="FFFFFF"/>
-                </a:solidFill>
-              </a14:hiddenFill>
-            </a:ext>
-          </a:extLst>
         </p:spPr>
       </p:pic>
     </p:spTree>
     <p:extLst>
       <p:ext uri="{BB962C8B-B14F-4D97-AF65-F5344CB8AC3E}">
-        <p14:creationId xmlns:p14="http://schemas.microsoft.com/office/powerpoint/2010/main" val="3629188289"/>
+        <p14:creationId xmlns:p14="http://schemas.microsoft.com/office/powerpoint/2010/main" val="2377981664"/>
       </p:ext>
     </p:extLst>
   </p:cSld>
@@ -7514,7 +6934,7 @@
           <p:cNvPr id="2" name="Title 1">
             <a:extLst>
               <a:ext uri="{FF2B5EF4-FFF2-40B4-BE49-F238E27FC236}">
-                <a16:creationId xmlns:a16="http://schemas.microsoft.com/office/drawing/2014/main" id="{5C63EB51-8803-453E-B5AC-BA9DF90BE761}"/>
+                <a16:creationId xmlns:a16="http://schemas.microsoft.com/office/drawing/2014/main" id="{19408A20-46BC-4869-96DC-93A3EA8C896B}"/>
               </a:ext>
             </a:extLst>
           </p:cNvPr>
@@ -7539,10 +6959,10 @@
       </p:sp>
       <p:sp>
         <p:nvSpPr>
-          <p:cNvPr id="4" name="Content Placeholder 3">
+          <p:cNvPr id="3" name="Content Placeholder 2">
             <a:extLst>
               <a:ext uri="{FF2B5EF4-FFF2-40B4-BE49-F238E27FC236}">
-                <a16:creationId xmlns:a16="http://schemas.microsoft.com/office/drawing/2014/main" id="{AB194A9C-4A12-4F3A-BDA5-BFDB75C99DEC}"/>
+                <a16:creationId xmlns:a16="http://schemas.microsoft.com/office/drawing/2014/main" id="{F70ED3F8-8873-46AC-A063-52EE922CB76A}"/>
               </a:ext>
             </a:extLst>
           </p:cNvPr>
@@ -7553,339 +6973,125 @@
             <p:ph idx="1"/>
           </p:nvPr>
         </p:nvSpPr>
-        <p:spPr>
-          <a:xfrm>
-            <a:off x="1097280" y="1895474"/>
-            <a:ext cx="10058400" cy="3973619"/>
-          </a:xfrm>
-        </p:spPr>
+        <p:spPr/>
         <p:txBody>
           <a:bodyPr>
             <a:normAutofit/>
           </a:bodyPr>
           <a:lstStyle/>
           <a:p>
-            <a:r>
-              <a:rPr lang="en-US" sz="2500" dirty="0">
-                <a:solidFill>
-                  <a:schemeClr val="tx1"/>
-                </a:solidFill>
-                <a:latin typeface="Calibri (Body)"/>
-              </a:rPr>
-              <a:t>- Multinomial Naive Bayes:</a:t>
-            </a:r>
-            <a:r>
-              <a:rPr lang="vi-VN" sz="2500" dirty="0">
-                <a:solidFill>
-                  <a:schemeClr val="tx1"/>
-                </a:solidFill>
-                <a:latin typeface="Calibri (Body)"/>
-              </a:rPr>
-              <a:t> chủ yếu được sử dụng trong phân loại văn bản </a:t>
-            </a:r>
             <a:endParaRPr lang="en-US" sz="2500" dirty="0">
               <a:solidFill>
                 <a:schemeClr val="tx1"/>
               </a:solidFill>
-              <a:latin typeface="Calibri (Body)"/>
             </a:endParaRPr>
+          </a:p>
+          <a:p>
+            <a:r>
+              <a:rPr lang="en-US" sz="2500" dirty="0">
+                <a:solidFill>
+                  <a:schemeClr val="tx1"/>
+                </a:solidFill>
+              </a:rPr>
+              <a:t>          C classes 1,2,…,C </a:t>
+            </a:r>
           </a:p>
           <a:p>
             <a:endParaRPr lang="en-US" sz="2500" dirty="0">
               <a:solidFill>
                 <a:schemeClr val="tx1"/>
               </a:solidFill>
-              <a:latin typeface="Calibri (Body)"/>
             </a:endParaRPr>
           </a:p>
           <a:p>
             <a:pPr marL="0" indent="0">
               <a:buNone/>
             </a:pPr>
+            <a:r>
+              <a:rPr lang="en-US" sz="2500" dirty="0">
+                <a:solidFill>
+                  <a:schemeClr val="tx1"/>
+                </a:solidFill>
+              </a:rPr>
+              <a:t>           </a:t>
+            </a:r>
+            <a:r>
+              <a:rPr lang="en-US" sz="2500" dirty="0" err="1">
+                <a:solidFill>
+                  <a:schemeClr val="tx1"/>
+                </a:solidFill>
+              </a:rPr>
+              <a:t>Sử</a:t>
+            </a:r>
+            <a:r>
+              <a:rPr lang="en-US" sz="2500" dirty="0">
+                <a:solidFill>
+                  <a:schemeClr val="tx1"/>
+                </a:solidFill>
+              </a:rPr>
+              <a:t> </a:t>
+            </a:r>
+            <a:r>
+              <a:rPr lang="en-US" sz="2500" dirty="0" err="1">
+                <a:solidFill>
+                  <a:schemeClr val="tx1"/>
+                </a:solidFill>
+              </a:rPr>
+              <a:t>dụng</a:t>
+            </a:r>
+            <a:r>
+              <a:rPr lang="en-US" sz="2500" dirty="0">
+                <a:solidFill>
+                  <a:schemeClr val="tx1"/>
+                </a:solidFill>
+              </a:rPr>
+              <a:t> </a:t>
+            </a:r>
+            <a:r>
+              <a:rPr lang="en-US" sz="2500" dirty="0" err="1">
+                <a:solidFill>
+                  <a:schemeClr val="tx1"/>
+                </a:solidFill>
+              </a:rPr>
+              <a:t>quy</a:t>
+            </a:r>
+            <a:r>
+              <a:rPr lang="en-US" sz="2500" dirty="0">
+                <a:solidFill>
+                  <a:schemeClr val="tx1"/>
+                </a:solidFill>
+              </a:rPr>
+              <a:t> </a:t>
+            </a:r>
+            <a:r>
+              <a:rPr lang="en-US" sz="2500" dirty="0" err="1">
+                <a:solidFill>
+                  <a:schemeClr val="tx1"/>
+                </a:solidFill>
+              </a:rPr>
+              <a:t>tắc</a:t>
+            </a:r>
+            <a:r>
+              <a:rPr lang="en-US" sz="2500" dirty="0">
+                <a:solidFill>
+                  <a:schemeClr val="tx1"/>
+                </a:solidFill>
+              </a:rPr>
+              <a:t> Bayes </a:t>
+            </a:r>
+          </a:p>
+          <a:p>
             <a:endParaRPr lang="en-US" sz="2500" dirty="0">
               <a:solidFill>
                 <a:schemeClr val="tx1"/>
               </a:solidFill>
-              <a:latin typeface="Calibri (Body)"/>
             </a:endParaRPr>
-          </a:p>
-          <a:p>
-            <a:r>
-              <a:rPr lang="en-US" sz="2500" dirty="0">
-                <a:solidFill>
-                  <a:schemeClr val="tx1"/>
-                </a:solidFill>
-                <a:latin typeface="Calibri (Body)"/>
-              </a:rPr>
-              <a:t>- Bernoulli Naive Bayes: </a:t>
-            </a:r>
-            <a:r>
-              <a:rPr lang="en-US" sz="2500" dirty="0" err="1">
-                <a:solidFill>
-                  <a:schemeClr val="tx1"/>
-                </a:solidFill>
-                <a:latin typeface="Calibri (Body)"/>
-              </a:rPr>
-              <a:t>áp</a:t>
-            </a:r>
-            <a:r>
-              <a:rPr lang="en-US" sz="2500" dirty="0">
-                <a:solidFill>
-                  <a:schemeClr val="tx1"/>
-                </a:solidFill>
-                <a:latin typeface="Calibri (Body)"/>
-              </a:rPr>
-              <a:t> </a:t>
-            </a:r>
-            <a:r>
-              <a:rPr lang="en-US" sz="2500" dirty="0" err="1">
-                <a:solidFill>
-                  <a:schemeClr val="tx1"/>
-                </a:solidFill>
-                <a:latin typeface="Calibri (Body)"/>
-              </a:rPr>
-              <a:t>dụng</a:t>
-            </a:r>
-            <a:r>
-              <a:rPr lang="en-US" sz="2500" dirty="0">
-                <a:solidFill>
-                  <a:schemeClr val="tx1"/>
-                </a:solidFill>
-                <a:latin typeface="Calibri (Body)"/>
-              </a:rPr>
-              <a:t> </a:t>
-            </a:r>
-            <a:r>
-              <a:rPr lang="en-US" sz="2500" dirty="0" err="1">
-                <a:solidFill>
-                  <a:schemeClr val="tx1"/>
-                </a:solidFill>
-                <a:latin typeface="Calibri (Body)"/>
-              </a:rPr>
-              <a:t>cho</a:t>
-            </a:r>
-            <a:r>
-              <a:rPr lang="en-US" sz="2500" dirty="0">
-                <a:solidFill>
-                  <a:schemeClr val="tx1"/>
-                </a:solidFill>
-                <a:latin typeface="Calibri (Body)"/>
-              </a:rPr>
-              <a:t> </a:t>
-            </a:r>
-            <a:r>
-              <a:rPr lang="en-US" sz="2500" dirty="0" err="1">
-                <a:solidFill>
-                  <a:schemeClr val="tx1"/>
-                </a:solidFill>
-                <a:latin typeface="Calibri (Body)"/>
-              </a:rPr>
-              <a:t>các</a:t>
-            </a:r>
-            <a:r>
-              <a:rPr lang="en-US" sz="2500" dirty="0">
-                <a:solidFill>
-                  <a:schemeClr val="tx1"/>
-                </a:solidFill>
-                <a:latin typeface="Calibri (Body)"/>
-              </a:rPr>
-              <a:t> </a:t>
-            </a:r>
-            <a:r>
-              <a:rPr lang="en-US" sz="2500" dirty="0" err="1">
-                <a:solidFill>
-                  <a:schemeClr val="tx1"/>
-                </a:solidFill>
-                <a:latin typeface="Calibri (Body)"/>
-              </a:rPr>
-              <a:t>loại</a:t>
-            </a:r>
-            <a:r>
-              <a:rPr lang="en-US" sz="2500" dirty="0">
-                <a:solidFill>
-                  <a:schemeClr val="tx1"/>
-                </a:solidFill>
-                <a:latin typeface="Calibri (Body)"/>
-              </a:rPr>
-              <a:t> </a:t>
-            </a:r>
-            <a:r>
-              <a:rPr lang="en-US" sz="2500" dirty="0" err="1">
-                <a:solidFill>
-                  <a:schemeClr val="tx1"/>
-                </a:solidFill>
-                <a:latin typeface="Calibri (Body)"/>
-              </a:rPr>
-              <a:t>dữ</a:t>
-            </a:r>
-            <a:r>
-              <a:rPr lang="en-US" sz="2500" dirty="0">
-                <a:solidFill>
-                  <a:schemeClr val="tx1"/>
-                </a:solidFill>
-                <a:latin typeface="Calibri (Body)"/>
-              </a:rPr>
-              <a:t> </a:t>
-            </a:r>
-            <a:r>
-              <a:rPr lang="en-US" sz="2500" dirty="0" err="1">
-                <a:solidFill>
-                  <a:schemeClr val="tx1"/>
-                </a:solidFill>
-                <a:latin typeface="Calibri (Body)"/>
-              </a:rPr>
-              <a:t>liệu</a:t>
-            </a:r>
-            <a:r>
-              <a:rPr lang="en-US" sz="2500" dirty="0">
-                <a:solidFill>
-                  <a:schemeClr val="tx1"/>
-                </a:solidFill>
-                <a:latin typeface="Calibri (Body)"/>
-              </a:rPr>
-              <a:t> </a:t>
-            </a:r>
-            <a:r>
-              <a:rPr lang="en-US" sz="2500" dirty="0" err="1">
-                <a:solidFill>
-                  <a:schemeClr val="tx1"/>
-                </a:solidFill>
-                <a:latin typeface="Calibri (Body)"/>
-              </a:rPr>
-              <a:t>mà</a:t>
-            </a:r>
-            <a:r>
-              <a:rPr lang="en-US" sz="2500" dirty="0">
-                <a:solidFill>
-                  <a:schemeClr val="tx1"/>
-                </a:solidFill>
-                <a:latin typeface="Calibri (Body)"/>
-              </a:rPr>
-              <a:t> </a:t>
-            </a:r>
-            <a:r>
-              <a:rPr lang="en-US" sz="2500" dirty="0" err="1">
-                <a:solidFill>
-                  <a:schemeClr val="tx1"/>
-                </a:solidFill>
-                <a:latin typeface="Calibri (Body)"/>
-              </a:rPr>
-              <a:t>mỗi</a:t>
-            </a:r>
-            <a:r>
-              <a:rPr lang="en-US" sz="2500" dirty="0">
-                <a:solidFill>
-                  <a:schemeClr val="tx1"/>
-                </a:solidFill>
-                <a:latin typeface="Calibri (Body)"/>
-              </a:rPr>
-              <a:t> thành </a:t>
-            </a:r>
-            <a:r>
-              <a:rPr lang="en-US" sz="2500" dirty="0" err="1">
-                <a:solidFill>
-                  <a:schemeClr val="tx1"/>
-                </a:solidFill>
-                <a:latin typeface="Calibri (Body)"/>
-              </a:rPr>
-              <a:t>phần</a:t>
-            </a:r>
-            <a:r>
-              <a:rPr lang="en-US" sz="2500" dirty="0">
-                <a:solidFill>
-                  <a:schemeClr val="tx1"/>
-                </a:solidFill>
-                <a:latin typeface="Calibri (Body)"/>
-              </a:rPr>
-              <a:t> </a:t>
-            </a:r>
-            <a:r>
-              <a:rPr lang="en-US" sz="2500" dirty="0" err="1">
-                <a:solidFill>
-                  <a:schemeClr val="tx1"/>
-                </a:solidFill>
-                <a:latin typeface="Calibri (Body)"/>
-              </a:rPr>
-              <a:t>là</a:t>
-            </a:r>
-            <a:r>
-              <a:rPr lang="en-US" sz="2500" dirty="0">
-                <a:solidFill>
-                  <a:schemeClr val="tx1"/>
-                </a:solidFill>
-                <a:latin typeface="Calibri (Body)"/>
-              </a:rPr>
-              <a:t> </a:t>
-            </a:r>
-            <a:r>
-              <a:rPr lang="en-US" sz="2500" dirty="0" err="1">
-                <a:solidFill>
-                  <a:schemeClr val="tx1"/>
-                </a:solidFill>
-                <a:latin typeface="Calibri (Body)"/>
-              </a:rPr>
-              <a:t>một</a:t>
-            </a:r>
-            <a:r>
-              <a:rPr lang="en-US" sz="2500" dirty="0">
-                <a:solidFill>
-                  <a:schemeClr val="tx1"/>
-                </a:solidFill>
-                <a:latin typeface="Calibri (Body)"/>
-              </a:rPr>
-              <a:t> </a:t>
-            </a:r>
-            <a:r>
-              <a:rPr lang="en-US" sz="2500" dirty="0" err="1">
-                <a:solidFill>
-                  <a:schemeClr val="tx1"/>
-                </a:solidFill>
-                <a:latin typeface="Calibri (Body)"/>
-              </a:rPr>
-              <a:t>giá</a:t>
-            </a:r>
-            <a:r>
-              <a:rPr lang="en-US" sz="2500" dirty="0">
-                <a:solidFill>
-                  <a:schemeClr val="tx1"/>
-                </a:solidFill>
-                <a:latin typeface="Calibri (Body)"/>
-              </a:rPr>
-              <a:t> </a:t>
-            </a:r>
-            <a:r>
-              <a:rPr lang="en-US" sz="2500" dirty="0" err="1">
-                <a:solidFill>
-                  <a:schemeClr val="tx1"/>
-                </a:solidFill>
-                <a:latin typeface="Calibri (Body)"/>
-              </a:rPr>
-              <a:t>trị</a:t>
-            </a:r>
-            <a:r>
-              <a:rPr lang="en-US" sz="2500" dirty="0">
-                <a:solidFill>
-                  <a:schemeClr val="tx1"/>
-                </a:solidFill>
-                <a:latin typeface="Calibri (Body)"/>
-              </a:rPr>
-              <a:t> binary </a:t>
-            </a:r>
           </a:p>
           <a:p>
             <a:endParaRPr lang="en-US" sz="2500" dirty="0">
               <a:solidFill>
                 <a:schemeClr val="tx1"/>
               </a:solidFill>
-              <a:latin typeface="Calibri (Body)"/>
-            </a:endParaRPr>
-          </a:p>
-          <a:p>
-            <a:endParaRPr lang="vi-VN" sz="2500" dirty="0">
-              <a:solidFill>
-                <a:schemeClr val="tx1"/>
-              </a:solidFill>
-              <a:latin typeface="Calibri (Body)"/>
             </a:endParaRPr>
           </a:p>
           <a:p>
@@ -7893,17 +7099,30 @@
               <a:solidFill>
                 <a:schemeClr val="tx1"/>
               </a:solidFill>
-              <a:latin typeface="Calibri (Body)"/>
+            </a:endParaRPr>
+          </a:p>
+          <a:p>
+            <a:endParaRPr lang="en-US" sz="2500" dirty="0">
+              <a:solidFill>
+                <a:schemeClr val="tx1"/>
+              </a:solidFill>
+            </a:endParaRPr>
+          </a:p>
+          <a:p>
+            <a:endParaRPr lang="en-US" sz="2500" dirty="0">
+              <a:solidFill>
+                <a:schemeClr val="tx1"/>
+              </a:solidFill>
             </a:endParaRPr>
           </a:p>
         </p:txBody>
       </p:sp>
       <p:pic>
         <p:nvPicPr>
-          <p:cNvPr id="3" name="Picture 2">
+          <p:cNvPr id="6" name="Picture 5">
             <a:extLst>
               <a:ext uri="{FF2B5EF4-FFF2-40B4-BE49-F238E27FC236}">
-                <a16:creationId xmlns:a16="http://schemas.microsoft.com/office/drawing/2014/main" id="{E357CDF9-B1E5-443D-BF82-27AD9CCF502B}"/>
+                <a16:creationId xmlns:a16="http://schemas.microsoft.com/office/drawing/2014/main" id="{D710634C-EB56-4C82-8F3B-C512998EA299}"/>
               </a:ext>
             </a:extLst>
           </p:cNvPr>
@@ -7920,8 +7139,8 @@
         </p:blipFill>
         <p:spPr>
           <a:xfrm>
-            <a:off x="2338223" y="2285883"/>
-            <a:ext cx="2890839" cy="1038342"/>
+            <a:off x="6803238" y="2323232"/>
+            <a:ext cx="3049366" cy="862057"/>
           </a:xfrm>
           <a:prstGeom prst="rect">
             <a:avLst/>
@@ -7930,10 +7149,10 @@
       </p:pic>
       <p:pic>
         <p:nvPicPr>
-          <p:cNvPr id="5" name="Picture 4">
+          <p:cNvPr id="7" name="Picture 6">
             <a:extLst>
               <a:ext uri="{FF2B5EF4-FFF2-40B4-BE49-F238E27FC236}">
-                <a16:creationId xmlns:a16="http://schemas.microsoft.com/office/drawing/2014/main" id="{D7E82A40-3BD4-4E27-94EF-67F5165AACBC}"/>
+                <a16:creationId xmlns:a16="http://schemas.microsoft.com/office/drawing/2014/main" id="{934CBBC4-AA13-429E-85F5-EFCF9781BDCB}"/>
               </a:ext>
             </a:extLst>
           </p:cNvPr>
@@ -7950,8 +7169,8 @@
         </p:blipFill>
         <p:spPr>
           <a:xfrm>
-            <a:off x="7215242" y="2438293"/>
-            <a:ext cx="2404671" cy="885931"/>
+            <a:off x="4650451" y="2450747"/>
+            <a:ext cx="1699421" cy="544346"/>
           </a:xfrm>
           <a:prstGeom prst="rect">
             <a:avLst/>
@@ -7960,10 +7179,10 @@
       </p:pic>
       <p:pic>
         <p:nvPicPr>
-          <p:cNvPr id="6" name="Picture 5">
+          <p:cNvPr id="8" name="Picture 7">
             <a:extLst>
               <a:ext uri="{FF2B5EF4-FFF2-40B4-BE49-F238E27FC236}">
-                <a16:creationId xmlns:a16="http://schemas.microsoft.com/office/drawing/2014/main" id="{163EC7EE-D9C8-4426-A9F3-9466064614B6}"/>
+                <a16:creationId xmlns:a16="http://schemas.microsoft.com/office/drawing/2014/main" id="{322F2BFB-DE5A-4E0D-8850-8D5702A907DF}"/>
               </a:ext>
             </a:extLst>
           </p:cNvPr>
@@ -7980,8 +7199,38 @@
         </p:blipFill>
         <p:spPr>
           <a:xfrm>
-            <a:off x="3666889" y="4695786"/>
-            <a:ext cx="5048486" cy="770108"/>
+            <a:off x="1664296" y="3871185"/>
+            <a:ext cx="8863407" cy="862057"/>
+          </a:xfrm>
+          <a:prstGeom prst="rect">
+            <a:avLst/>
+          </a:prstGeom>
+        </p:spPr>
+      </p:pic>
+      <p:pic>
+        <p:nvPicPr>
+          <p:cNvPr id="9" name="Picture 8">
+            <a:extLst>
+              <a:ext uri="{FF2B5EF4-FFF2-40B4-BE49-F238E27FC236}">
+                <a16:creationId xmlns:a16="http://schemas.microsoft.com/office/drawing/2014/main" id="{555510A0-EC5D-480B-B2C0-B4E3863FBEE8}"/>
+              </a:ext>
+            </a:extLst>
+          </p:cNvPr>
+          <p:cNvPicPr>
+            <a:picLocks noChangeAspect="1"/>
+          </p:cNvPicPr>
+          <p:nvPr/>
+        </p:nvPicPr>
+        <p:blipFill>
+          <a:blip r:embed="rId5"/>
+          <a:stretch>
+            <a:fillRect/>
+          </a:stretch>
+        </p:blipFill>
+        <p:spPr>
+          <a:xfrm>
+            <a:off x="2990530" y="4787429"/>
+            <a:ext cx="5686745" cy="1871887"/>
           </a:xfrm>
           <a:prstGeom prst="rect">
             <a:avLst/>
@@ -7991,7 +7240,7 @@
     </p:spTree>
     <p:extLst>
       <p:ext uri="{BB962C8B-B14F-4D97-AF65-F5344CB8AC3E}">
-        <p14:creationId xmlns:p14="http://schemas.microsoft.com/office/powerpoint/2010/main" val="3962554260"/>
+        <p14:creationId xmlns:p14="http://schemas.microsoft.com/office/powerpoint/2010/main" val="907466493"/>
       </p:ext>
     </p:extLst>
   </p:cSld>
@@ -8023,7 +7272,7 @@
           <p:cNvPr id="2" name="Title 1">
             <a:extLst>
               <a:ext uri="{FF2B5EF4-FFF2-40B4-BE49-F238E27FC236}">
-                <a16:creationId xmlns:a16="http://schemas.microsoft.com/office/drawing/2014/main" id="{343759C0-7667-4DE8-B4F8-E0293B2F5C68}"/>
+                <a16:creationId xmlns:a16="http://schemas.microsoft.com/office/drawing/2014/main" id="{5C63EB51-8803-453E-B5AC-BA9DF90BE761}"/>
               </a:ext>
             </a:extLst>
           </p:cNvPr>
@@ -8041,17 +7290,17 @@
           <a:p>
             <a:r>
               <a:rPr lang="en-US" dirty="0"/>
-              <a:t>Recommendation</a:t>
-            </a:r>
-          </a:p>
-        </p:txBody>
-      </p:sp>
-      <p:sp>
-        <p:nvSpPr>
-          <p:cNvPr id="3" name="Content Placeholder 2">
+              <a:t>Naive Bayes</a:t>
+            </a:r>
+          </a:p>
+        </p:txBody>
+      </p:sp>
+      <p:sp>
+        <p:nvSpPr>
+          <p:cNvPr id="4" name="Content Placeholder 3">
             <a:extLst>
               <a:ext uri="{FF2B5EF4-FFF2-40B4-BE49-F238E27FC236}">
-                <a16:creationId xmlns:a16="http://schemas.microsoft.com/office/drawing/2014/main" id="{222BA205-46E7-4C23-8E8C-9E445F071AEF}"/>
+                <a16:creationId xmlns:a16="http://schemas.microsoft.com/office/drawing/2014/main" id="{AB194A9C-4A12-4F3A-BDA5-BFDB75C99DEC}"/>
               </a:ext>
             </a:extLst>
           </p:cNvPr>
@@ -8062,500 +7311,21 @@
             <p:ph idx="1"/>
           </p:nvPr>
         </p:nvSpPr>
-        <p:spPr>
-          <a:xfrm>
-            <a:off x="1097280" y="1905000"/>
-            <a:ext cx="10058400" cy="3964094"/>
-          </a:xfrm>
-        </p:spPr>
-        <p:txBody>
-          <a:bodyPr>
-            <a:normAutofit/>
-          </a:bodyPr>
+        <p:spPr/>
+        <p:txBody>
+          <a:bodyPr/>
           <a:lstStyle/>
           <a:p>
-            <a:pPr marL="0" indent="0">
-              <a:buNone/>
-            </a:pPr>
-            <a:r>
-              <a:rPr lang="en-US" sz="2500" dirty="0" err="1">
-                <a:solidFill>
-                  <a:schemeClr val="tx1"/>
-                </a:solidFill>
-              </a:rPr>
-              <a:t>Là</a:t>
-            </a:r>
-            <a:r>
-              <a:rPr lang="en-US" sz="2500" dirty="0">
-                <a:solidFill>
-                  <a:schemeClr val="tx1"/>
-                </a:solidFill>
-              </a:rPr>
-              <a:t> làm </a:t>
-            </a:r>
-            <a:r>
-              <a:rPr lang="en-US" sz="2500" dirty="0" err="1">
-                <a:solidFill>
-                  <a:schemeClr val="tx1"/>
-                </a:solidFill>
-              </a:rPr>
-              <a:t>cho</a:t>
-            </a:r>
-            <a:r>
-              <a:rPr lang="en-US" sz="2500" dirty="0">
-                <a:solidFill>
-                  <a:schemeClr val="tx1"/>
-                </a:solidFill>
-              </a:rPr>
-              <a:t> hệ </a:t>
-            </a:r>
-            <a:r>
-              <a:rPr lang="en-US" sz="2500" dirty="0" err="1">
-                <a:solidFill>
-                  <a:schemeClr val="tx1"/>
-                </a:solidFill>
-              </a:rPr>
-              <a:t>thống</a:t>
-            </a:r>
-            <a:r>
-              <a:rPr lang="en-US" sz="2500" dirty="0">
-                <a:solidFill>
-                  <a:schemeClr val="tx1"/>
-                </a:solidFill>
-              </a:rPr>
-              <a:t> </a:t>
-            </a:r>
-            <a:r>
-              <a:rPr lang="en-US" sz="2500" dirty="0" err="1">
-                <a:solidFill>
-                  <a:schemeClr val="tx1"/>
-                </a:solidFill>
-              </a:rPr>
-              <a:t>có</a:t>
-            </a:r>
-            <a:r>
-              <a:rPr lang="en-US" sz="2500" dirty="0">
-                <a:solidFill>
-                  <a:schemeClr val="tx1"/>
-                </a:solidFill>
-              </a:rPr>
-              <a:t> </a:t>
-            </a:r>
-            <a:r>
-              <a:rPr lang="en-US" sz="2500" dirty="0" err="1">
-                <a:solidFill>
-                  <a:schemeClr val="tx1"/>
-                </a:solidFill>
-              </a:rPr>
-              <a:t>khả</a:t>
-            </a:r>
-            <a:r>
-              <a:rPr lang="en-US" sz="2500" dirty="0">
-                <a:solidFill>
-                  <a:schemeClr val="tx1"/>
-                </a:solidFill>
-              </a:rPr>
-              <a:t> </a:t>
-            </a:r>
-            <a:r>
-              <a:rPr lang="en-US" sz="2500" dirty="0" err="1">
-                <a:solidFill>
-                  <a:schemeClr val="tx1"/>
-                </a:solidFill>
-              </a:rPr>
-              <a:t>năng</a:t>
-            </a:r>
-            <a:r>
-              <a:rPr lang="en-US" sz="2500" dirty="0">
-                <a:solidFill>
-                  <a:schemeClr val="tx1"/>
-                </a:solidFill>
-              </a:rPr>
-              <a:t> </a:t>
-            </a:r>
-            <a:r>
-              <a:rPr lang="en-US" sz="2500" dirty="0" err="1">
-                <a:solidFill>
-                  <a:schemeClr val="tx1"/>
-                </a:solidFill>
-              </a:rPr>
-              <a:t>tự</a:t>
-            </a:r>
-            <a:r>
-              <a:rPr lang="en-US" sz="2500" dirty="0">
-                <a:solidFill>
-                  <a:schemeClr val="tx1"/>
-                </a:solidFill>
-              </a:rPr>
-              <a:t> </a:t>
-            </a:r>
-            <a:r>
-              <a:rPr lang="en-US" sz="2500" dirty="0" err="1">
-                <a:solidFill>
-                  <a:schemeClr val="tx1"/>
-                </a:solidFill>
-              </a:rPr>
-              <a:t>động</a:t>
-            </a:r>
-            <a:r>
-              <a:rPr lang="en-US" sz="2500" dirty="0">
-                <a:solidFill>
-                  <a:schemeClr val="tx1"/>
-                </a:solidFill>
-              </a:rPr>
-              <a:t> </a:t>
-            </a:r>
-            <a:r>
-              <a:rPr lang="en-US" sz="2500" dirty="0" err="1">
-                <a:solidFill>
-                  <a:schemeClr val="tx1"/>
-                </a:solidFill>
-              </a:rPr>
-              <a:t>gợi</a:t>
-            </a:r>
-            <a:r>
-              <a:rPr lang="en-US" sz="2500" dirty="0">
-                <a:solidFill>
-                  <a:schemeClr val="tx1"/>
-                </a:solidFill>
-              </a:rPr>
-              <a:t> ý </a:t>
-            </a:r>
-            <a:r>
-              <a:rPr lang="en-US" sz="2500" dirty="0" err="1">
-                <a:solidFill>
-                  <a:schemeClr val="tx1"/>
-                </a:solidFill>
-              </a:rPr>
-              <a:t>cho</a:t>
-            </a:r>
-            <a:r>
-              <a:rPr lang="en-US" sz="2500" dirty="0">
-                <a:solidFill>
-                  <a:schemeClr val="tx1"/>
-                </a:solidFill>
-              </a:rPr>
-              <a:t> </a:t>
-            </a:r>
-            <a:r>
-              <a:rPr lang="en-US" sz="2500" dirty="0" err="1">
-                <a:solidFill>
-                  <a:schemeClr val="tx1"/>
-                </a:solidFill>
-              </a:rPr>
-              <a:t>ngừời</a:t>
-            </a:r>
-            <a:r>
-              <a:rPr lang="en-US" sz="2500" dirty="0">
-                <a:solidFill>
-                  <a:schemeClr val="tx1"/>
-                </a:solidFill>
-              </a:rPr>
-              <a:t> </a:t>
-            </a:r>
-            <a:r>
-              <a:rPr lang="en-US" sz="2500" dirty="0" err="1">
-                <a:solidFill>
-                  <a:schemeClr val="tx1"/>
-                </a:solidFill>
-              </a:rPr>
-              <a:t>dùng</a:t>
-            </a:r>
-            <a:r>
-              <a:rPr lang="en-US" sz="2500" dirty="0">
-                <a:solidFill>
-                  <a:schemeClr val="tx1"/>
-                </a:solidFill>
-              </a:rPr>
-              <a:t> </a:t>
-            </a:r>
-            <a:r>
-              <a:rPr lang="en-US" sz="2500" dirty="0" err="1">
-                <a:solidFill>
-                  <a:schemeClr val="tx1"/>
-                </a:solidFill>
-              </a:rPr>
-              <a:t>những</a:t>
-            </a:r>
-            <a:r>
-              <a:rPr lang="en-US" sz="2500" dirty="0">
-                <a:solidFill>
-                  <a:schemeClr val="tx1"/>
-                </a:solidFill>
-              </a:rPr>
-              <a:t> </a:t>
-            </a:r>
-            <a:r>
-              <a:rPr lang="en-US" sz="2500" dirty="0" err="1">
-                <a:solidFill>
-                  <a:schemeClr val="tx1"/>
-                </a:solidFill>
-              </a:rPr>
-              <a:t>sản</a:t>
-            </a:r>
-            <a:r>
-              <a:rPr lang="en-US" sz="2500" dirty="0">
-                <a:solidFill>
-                  <a:schemeClr val="tx1"/>
-                </a:solidFill>
-              </a:rPr>
-              <a:t> </a:t>
-            </a:r>
-            <a:r>
-              <a:rPr lang="en-US" sz="2500" dirty="0" err="1">
-                <a:solidFill>
-                  <a:schemeClr val="tx1"/>
-                </a:solidFill>
-              </a:rPr>
-              <a:t>phẩm</a:t>
-            </a:r>
-            <a:r>
-              <a:rPr lang="en-US" sz="2500" dirty="0">
-                <a:solidFill>
-                  <a:schemeClr val="tx1"/>
-                </a:solidFill>
-              </a:rPr>
-              <a:t> </a:t>
-            </a:r>
-            <a:r>
-              <a:rPr lang="en-US" sz="2500" dirty="0" err="1">
-                <a:solidFill>
-                  <a:schemeClr val="tx1"/>
-                </a:solidFill>
-              </a:rPr>
-              <a:t>họ</a:t>
-            </a:r>
-            <a:r>
-              <a:rPr lang="en-US" sz="2500" dirty="0">
-                <a:solidFill>
-                  <a:schemeClr val="tx1"/>
-                </a:solidFill>
-              </a:rPr>
-              <a:t> </a:t>
-            </a:r>
-            <a:r>
-              <a:rPr lang="en-US" sz="2500" dirty="0" err="1">
-                <a:solidFill>
-                  <a:schemeClr val="tx1"/>
-                </a:solidFill>
-              </a:rPr>
-              <a:t>có</a:t>
-            </a:r>
-            <a:r>
-              <a:rPr lang="en-US" sz="2500" dirty="0">
-                <a:solidFill>
-                  <a:schemeClr val="tx1"/>
-                </a:solidFill>
-              </a:rPr>
-              <a:t> </a:t>
-            </a:r>
-            <a:r>
-              <a:rPr lang="en-US" sz="2500" dirty="0" err="1">
-                <a:solidFill>
-                  <a:schemeClr val="tx1"/>
-                </a:solidFill>
-              </a:rPr>
-              <a:t>thể</a:t>
-            </a:r>
-            <a:r>
-              <a:rPr lang="en-US" sz="2500" dirty="0">
-                <a:solidFill>
-                  <a:schemeClr val="tx1"/>
-                </a:solidFill>
-              </a:rPr>
-              <a:t> </a:t>
-            </a:r>
-            <a:r>
-              <a:rPr lang="en-US" sz="2500" dirty="0" err="1">
-                <a:solidFill>
-                  <a:schemeClr val="tx1"/>
-                </a:solidFill>
-              </a:rPr>
-              <a:t>thích</a:t>
-            </a:r>
-            <a:r>
-              <a:rPr lang="en-US" sz="2500" dirty="0">
-                <a:solidFill>
-                  <a:schemeClr val="tx1"/>
-                </a:solidFill>
-              </a:rPr>
-              <a:t>.</a:t>
-            </a:r>
-          </a:p>
-          <a:p>
-            <a:pPr marL="0" indent="0">
-              <a:buNone/>
-            </a:pPr>
-            <a:endParaRPr lang="en-US" sz="2500" dirty="0">
-              <a:solidFill>
-                <a:schemeClr val="tx1"/>
-              </a:solidFill>
-            </a:endParaRPr>
-          </a:p>
-          <a:p>
-            <a:pPr marL="0" indent="0">
-              <a:buNone/>
-            </a:pPr>
-            <a:r>
-              <a:rPr lang="en-US" sz="2500" dirty="0" err="1">
-                <a:solidFill>
-                  <a:schemeClr val="tx1"/>
-                </a:solidFill>
-              </a:rPr>
-              <a:t>Có</a:t>
-            </a:r>
-            <a:r>
-              <a:rPr lang="en-US" sz="2500" dirty="0">
-                <a:solidFill>
-                  <a:schemeClr val="tx1"/>
-                </a:solidFill>
-              </a:rPr>
-              <a:t> </a:t>
-            </a:r>
-            <a:r>
-              <a:rPr lang="en-US" sz="2500" dirty="0" err="1">
-                <a:solidFill>
-                  <a:schemeClr val="tx1"/>
-                </a:solidFill>
-              </a:rPr>
-              <a:t>hai</a:t>
-            </a:r>
-            <a:r>
-              <a:rPr lang="en-US" sz="2500" dirty="0">
-                <a:solidFill>
-                  <a:schemeClr val="tx1"/>
-                </a:solidFill>
-              </a:rPr>
-              <a:t> thực </a:t>
-            </a:r>
-            <a:r>
-              <a:rPr lang="en-US" sz="2500" dirty="0" err="1">
-                <a:solidFill>
-                  <a:schemeClr val="tx1"/>
-                </a:solidFill>
-              </a:rPr>
-              <a:t>thể</a:t>
-            </a:r>
-            <a:r>
-              <a:rPr lang="en-US" sz="2500" dirty="0">
-                <a:solidFill>
-                  <a:schemeClr val="tx1"/>
-                </a:solidFill>
-              </a:rPr>
-              <a:t> </a:t>
-            </a:r>
-            <a:r>
-              <a:rPr lang="en-US" sz="2500" dirty="0" err="1">
-                <a:solidFill>
-                  <a:schemeClr val="tx1"/>
-                </a:solidFill>
-              </a:rPr>
-              <a:t>chính</a:t>
-            </a:r>
-            <a:r>
-              <a:rPr lang="en-US" sz="2500" dirty="0">
-                <a:solidFill>
-                  <a:schemeClr val="tx1"/>
-                </a:solidFill>
-              </a:rPr>
-              <a:t> :</a:t>
-            </a:r>
-          </a:p>
-          <a:p>
-            <a:pPr marL="0" indent="0">
-              <a:buNone/>
-            </a:pPr>
-            <a:r>
-              <a:rPr lang="en-US" sz="2500" dirty="0">
-                <a:solidFill>
-                  <a:schemeClr val="tx1"/>
-                </a:solidFill>
-              </a:rPr>
-              <a:t>  -  users : </a:t>
-            </a:r>
-            <a:r>
-              <a:rPr lang="en-US" sz="2500" dirty="0" err="1">
-                <a:solidFill>
-                  <a:schemeClr val="tx1"/>
-                </a:solidFill>
-              </a:rPr>
-              <a:t>người</a:t>
-            </a:r>
-            <a:r>
-              <a:rPr lang="en-US" sz="2500" dirty="0">
-                <a:solidFill>
-                  <a:schemeClr val="tx1"/>
-                </a:solidFill>
-              </a:rPr>
-              <a:t> </a:t>
-            </a:r>
-            <a:r>
-              <a:rPr lang="en-US" sz="2500" dirty="0" err="1">
-                <a:solidFill>
-                  <a:schemeClr val="tx1"/>
-                </a:solidFill>
-              </a:rPr>
-              <a:t>dùng</a:t>
-            </a:r>
-            <a:endParaRPr lang="en-US" sz="2500" dirty="0">
-              <a:solidFill>
-                <a:schemeClr val="tx1"/>
-              </a:solidFill>
-            </a:endParaRPr>
-          </a:p>
-          <a:p>
-            <a:pPr marL="0" indent="0">
-              <a:buNone/>
-            </a:pPr>
-            <a:r>
-              <a:rPr lang="en-US" sz="2500" dirty="0">
-                <a:solidFill>
-                  <a:schemeClr val="tx1"/>
-                </a:solidFill>
-              </a:rPr>
-              <a:t>  -  items : </a:t>
-            </a:r>
-            <a:r>
-              <a:rPr lang="en-US" sz="2500" dirty="0" err="1">
-                <a:solidFill>
-                  <a:schemeClr val="tx1"/>
-                </a:solidFill>
-              </a:rPr>
-              <a:t>sản</a:t>
-            </a:r>
-            <a:r>
-              <a:rPr lang="en-US" sz="2500" dirty="0">
-                <a:solidFill>
-                  <a:schemeClr val="tx1"/>
-                </a:solidFill>
-              </a:rPr>
-              <a:t> </a:t>
-            </a:r>
-            <a:r>
-              <a:rPr lang="en-US" sz="2500" dirty="0" err="1">
-                <a:solidFill>
-                  <a:schemeClr val="tx1"/>
-                </a:solidFill>
-              </a:rPr>
-              <a:t>phẩm</a:t>
-            </a:r>
-            <a:r>
-              <a:rPr lang="en-US" sz="2500" dirty="0">
-                <a:solidFill>
-                  <a:schemeClr val="tx1"/>
-                </a:solidFill>
-              </a:rPr>
-              <a:t>                      </a:t>
-            </a:r>
+            <a:endParaRPr lang="en-US"/>
           </a:p>
         </p:txBody>
       </p:sp>
       <p:pic>
         <p:nvPicPr>
-          <p:cNvPr id="7170" name="Picture 2" descr="A simple way to explain the Recommendation Engine in AI | by Roger Chua |  Voice Tech Podcast | Medium">
+          <p:cNvPr id="4100" name="Picture 4" descr="GitHub - JonathanRadotski/multinomial_naivebayes: Documentation of  multinomial naivebayes from scratch.">
             <a:extLst>
               <a:ext uri="{FF2B5EF4-FFF2-40B4-BE49-F238E27FC236}">
-                <a16:creationId xmlns:a16="http://schemas.microsoft.com/office/drawing/2014/main" id="{4977EB28-D322-4E6F-B456-A6327723022B}"/>
+                <a16:creationId xmlns:a16="http://schemas.microsoft.com/office/drawing/2014/main" id="{4B4C8C31-DA3C-435A-96DF-4D7928C32812}"/>
               </a:ext>
             </a:extLst>
           </p:cNvPr>
@@ -8579,8 +7349,8 @@
         </p:blipFill>
         <p:spPr bwMode="auto">
           <a:xfrm>
-            <a:off x="7551420" y="2557463"/>
-            <a:ext cx="3543300" cy="2349362"/>
+            <a:off x="3062288" y="2221495"/>
+            <a:ext cx="6411016" cy="3519487"/>
           </a:xfrm>
           <a:prstGeom prst="rect">
             <a:avLst/>
@@ -8600,7 +7370,7 @@
     </p:spTree>
     <p:extLst>
       <p:ext uri="{BB962C8B-B14F-4D97-AF65-F5344CB8AC3E}">
-        <p14:creationId xmlns:p14="http://schemas.microsoft.com/office/powerpoint/2010/main" val="1852791322"/>
+        <p14:creationId xmlns:p14="http://schemas.microsoft.com/office/powerpoint/2010/main" val="424964422"/>
       </p:ext>
     </p:extLst>
   </p:cSld>
@@ -8632,7 +7402,7 @@
           <p:cNvPr id="2" name="Title 1">
             <a:extLst>
               <a:ext uri="{FF2B5EF4-FFF2-40B4-BE49-F238E27FC236}">
-                <a16:creationId xmlns:a16="http://schemas.microsoft.com/office/drawing/2014/main" id="{870B3BDF-845D-4894-AD41-9051C0401F6A}"/>
+                <a16:creationId xmlns:a16="http://schemas.microsoft.com/office/drawing/2014/main" id="{5C63EB51-8803-453E-B5AC-BA9DF90BE761}"/>
               </a:ext>
             </a:extLst>
           </p:cNvPr>
@@ -8650,17 +7420,17 @@
           <a:p>
             <a:r>
               <a:rPr lang="en-US" dirty="0"/>
-              <a:t>Recommendation</a:t>
-            </a:r>
-          </a:p>
-        </p:txBody>
-      </p:sp>
-      <p:sp>
-        <p:nvSpPr>
-          <p:cNvPr id="3" name="Content Placeholder 2">
+              <a:t>Naive Bayes</a:t>
+            </a:r>
+          </a:p>
+        </p:txBody>
+      </p:sp>
+      <p:sp>
+        <p:nvSpPr>
+          <p:cNvPr id="4" name="Content Placeholder 3">
             <a:extLst>
               <a:ext uri="{FF2B5EF4-FFF2-40B4-BE49-F238E27FC236}">
-                <a16:creationId xmlns:a16="http://schemas.microsoft.com/office/drawing/2014/main" id="{9AB4B34B-AA27-4728-9134-740E4C953C0D}"/>
+                <a16:creationId xmlns:a16="http://schemas.microsoft.com/office/drawing/2014/main" id="{AB194A9C-4A12-4F3A-BDA5-BFDB75C99DEC}"/>
               </a:ext>
             </a:extLst>
           </p:cNvPr>
@@ -8671,59 +7441,121 @@
             <p:ph idx="1"/>
           </p:nvPr>
         </p:nvSpPr>
-        <p:spPr/>
+        <p:spPr>
+          <a:xfrm>
+            <a:off x="1097280" y="1895474"/>
+            <a:ext cx="10058400" cy="3973619"/>
+          </a:xfrm>
+        </p:spPr>
         <p:txBody>
           <a:bodyPr>
-            <a:noAutofit/>
+            <a:normAutofit/>
           </a:bodyPr>
           <a:lstStyle/>
           <a:p>
-            <a:r>
-              <a:rPr lang="en-US" sz="2500" dirty="0">
-                <a:solidFill>
-                  <a:schemeClr val="tx1"/>
-                </a:solidFill>
-                <a:latin typeface="Calibri (Body)"/>
-              </a:rPr>
-              <a:t> </a:t>
-            </a:r>
-          </a:p>
-          <a:p>
-            <a:r>
-              <a:rPr lang="en-US" sz="2500" dirty="0" err="1">
-                <a:solidFill>
-                  <a:schemeClr val="tx1"/>
-                </a:solidFill>
-                <a:latin typeface="Calibri (Body)"/>
-              </a:rPr>
-              <a:t>Hiện</a:t>
-            </a:r>
-            <a:r>
-              <a:rPr lang="en-US" sz="2500" dirty="0">
-                <a:solidFill>
-                  <a:schemeClr val="tx1"/>
-                </a:solidFill>
-                <a:latin typeface="Calibri (Body)"/>
-              </a:rPr>
-              <a:t> </a:t>
-            </a:r>
-            <a:r>
-              <a:rPr lang="en-US" sz="2500" dirty="0" err="1">
-                <a:solidFill>
-                  <a:schemeClr val="tx1"/>
-                </a:solidFill>
-                <a:latin typeface="Calibri (Body)"/>
-              </a:rPr>
-              <a:t>tượng</a:t>
-            </a:r>
-            <a:r>
-              <a:rPr lang="en-US" sz="2500" dirty="0">
-                <a:solidFill>
-                  <a:schemeClr val="tx1"/>
-                </a:solidFill>
-                <a:latin typeface="Calibri (Body)"/>
-              </a:rPr>
-              <a:t> Long Tail </a:t>
+            <a:pPr marL="0" indent="0">
+              <a:buNone/>
+            </a:pPr>
+            <a:r>
+              <a:rPr lang="vi-VN" sz="2500" dirty="0">
+                <a:solidFill>
+                  <a:schemeClr val="tx1"/>
+                </a:solidFill>
+                <a:latin typeface="Calibri (Body)"/>
+              </a:rPr>
+              <a:t>Các phân phối thường dùng cho p(xi|c)</a:t>
+            </a:r>
+            <a:r>
+              <a:rPr lang="en-US" sz="2500" dirty="0">
+                <a:solidFill>
+                  <a:schemeClr val="tx1"/>
+                </a:solidFill>
+                <a:latin typeface="Calibri (Body)"/>
+              </a:rPr>
+              <a:t> :</a:t>
+            </a:r>
+          </a:p>
+          <a:p>
+            <a:r>
+              <a:rPr lang="en-US" sz="2500" dirty="0">
+                <a:solidFill>
+                  <a:schemeClr val="tx1"/>
+                </a:solidFill>
+                <a:latin typeface="Calibri (Body)"/>
+              </a:rPr>
+              <a:t>- Gaussian Naive Bayes : </a:t>
+            </a:r>
+            <a:r>
+              <a:rPr lang="en-US" sz="2500" dirty="0" err="1">
+                <a:solidFill>
+                  <a:schemeClr val="tx1"/>
+                </a:solidFill>
+                <a:latin typeface="Calibri (Body)"/>
+              </a:rPr>
+              <a:t>sử</a:t>
+            </a:r>
+            <a:r>
+              <a:rPr lang="en-US" sz="2500" dirty="0">
+                <a:solidFill>
+                  <a:schemeClr val="tx1"/>
+                </a:solidFill>
+                <a:latin typeface="Calibri (Body)"/>
+              </a:rPr>
+              <a:t> </a:t>
+            </a:r>
+            <a:r>
+              <a:rPr lang="en-US" sz="2500" dirty="0" err="1">
+                <a:solidFill>
+                  <a:schemeClr val="tx1"/>
+                </a:solidFill>
+                <a:latin typeface="Calibri (Body)"/>
+              </a:rPr>
+              <a:t>dụng</a:t>
+            </a:r>
+            <a:r>
+              <a:rPr lang="en-US" sz="2500" dirty="0">
+                <a:solidFill>
+                  <a:schemeClr val="tx1"/>
+                </a:solidFill>
+                <a:latin typeface="Calibri (Body)"/>
+              </a:rPr>
+              <a:t> </a:t>
+            </a:r>
+            <a:r>
+              <a:rPr lang="en-US" sz="2500" dirty="0" err="1">
+                <a:solidFill>
+                  <a:schemeClr val="tx1"/>
+                </a:solidFill>
+                <a:latin typeface="Calibri (Body)"/>
+              </a:rPr>
+              <a:t>chủ</a:t>
+            </a:r>
+            <a:r>
+              <a:rPr lang="en-US" sz="2500" dirty="0">
+                <a:solidFill>
+                  <a:schemeClr val="tx1"/>
+                </a:solidFill>
+                <a:latin typeface="Calibri (Body)"/>
+              </a:rPr>
+              <a:t> </a:t>
+            </a:r>
+            <a:r>
+              <a:rPr lang="en-US" sz="2500" dirty="0" err="1">
+                <a:solidFill>
+                  <a:schemeClr val="tx1"/>
+                </a:solidFill>
+                <a:latin typeface="Calibri (Body)"/>
+              </a:rPr>
+              <a:t>yếu</a:t>
+            </a:r>
+            <a:r>
+              <a:rPr lang="en-US" sz="2500" dirty="0">
+                <a:solidFill>
+                  <a:schemeClr val="tx1"/>
+                </a:solidFill>
+                <a:latin typeface="Calibri (Body)"/>
+              </a:rPr>
+              <a:t> </a:t>
             </a:r>
             <a:r>
               <a:rPr lang="en-US" sz="2500" dirty="0" err="1">
@@ -8750,66 +7582,188 @@
                 </a:solidFill>
                 <a:latin typeface="Calibri (Body)"/>
               </a:rPr>
-              <a:t>thương</a:t>
-            </a:r>
-            <a:r>
-              <a:rPr lang="en-US" sz="2500" dirty="0">
-                <a:solidFill>
-                  <a:schemeClr val="tx1"/>
-                </a:solidFill>
-                <a:latin typeface="Calibri (Body)"/>
-              </a:rPr>
-              <a:t> </a:t>
-            </a:r>
-            <a:r>
-              <a:rPr lang="en-US" sz="2500" dirty="0" err="1">
-                <a:solidFill>
-                  <a:schemeClr val="tx1"/>
-                </a:solidFill>
-                <a:latin typeface="Calibri (Body)"/>
-              </a:rPr>
-              <a:t>mại</a:t>
-            </a:r>
-            <a:r>
-              <a:rPr lang="en-US" sz="2500" dirty="0">
-                <a:solidFill>
-                  <a:schemeClr val="tx1"/>
-                </a:solidFill>
-                <a:latin typeface="Calibri (Body)"/>
-              </a:rPr>
-              <a:t> </a:t>
-            </a:r>
-          </a:p>
-          <a:p>
-            <a:r>
-              <a:rPr lang="vi-VN" sz="2500" dirty="0">
-                <a:solidFill>
-                  <a:schemeClr val="tx1"/>
-                </a:solidFill>
-                <a:latin typeface="Calibri (Body)"/>
-              </a:rPr>
-              <a:t> phần lớn doanh thu (80%) đến từ phần nhỏ số sản phẩm phổ biến nhất (20 một danh sách dài phía sau chỉ tạo ra một lượng nhỏ đóng góp</a:t>
-            </a:r>
-            <a:r>
-              <a:rPr lang="en-US" sz="2500" dirty="0">
-                <a:solidFill>
-                  <a:schemeClr val="tx1"/>
-                </a:solidFill>
-                <a:latin typeface="Calibri (Body)"/>
-              </a:rPr>
-              <a:t> (80%)</a:t>
-            </a:r>
-            <a:r>
-              <a:rPr lang="vi-VN" sz="2500" dirty="0">
-                <a:solidFill>
-                  <a:schemeClr val="tx1"/>
-                </a:solidFill>
-                <a:latin typeface="Calibri (Body)"/>
-              </a:rPr>
-              <a:t>. Hiện tượng này còn được gọi là long tail phenomenon, tức phần đuôi dài của những sản phẩm ít phổ biến</a:t>
-            </a:r>
-          </a:p>
-          <a:p>
+              <a:t>loại</a:t>
+            </a:r>
+            <a:r>
+              <a:rPr lang="en-US" sz="2500" dirty="0">
+                <a:solidFill>
+                  <a:schemeClr val="tx1"/>
+                </a:solidFill>
+                <a:latin typeface="Calibri (Body)"/>
+              </a:rPr>
+              <a:t> </a:t>
+            </a:r>
+            <a:r>
+              <a:rPr lang="en-US" sz="2500" dirty="0" err="1">
+                <a:solidFill>
+                  <a:schemeClr val="tx1"/>
+                </a:solidFill>
+                <a:latin typeface="Calibri (Body)"/>
+              </a:rPr>
+              <a:t>dữ</a:t>
+            </a:r>
+            <a:r>
+              <a:rPr lang="en-US" sz="2500" dirty="0">
+                <a:solidFill>
+                  <a:schemeClr val="tx1"/>
+                </a:solidFill>
+                <a:latin typeface="Calibri (Body)"/>
+              </a:rPr>
+              <a:t> </a:t>
+            </a:r>
+            <a:r>
+              <a:rPr lang="en-US" sz="2500" dirty="0" err="1">
+                <a:solidFill>
+                  <a:schemeClr val="tx1"/>
+                </a:solidFill>
+                <a:latin typeface="Calibri (Body)"/>
+              </a:rPr>
+              <a:t>liệu</a:t>
+            </a:r>
+            <a:r>
+              <a:rPr lang="en-US" sz="2500" dirty="0">
+                <a:solidFill>
+                  <a:schemeClr val="tx1"/>
+                </a:solidFill>
+                <a:latin typeface="Calibri (Body)"/>
+              </a:rPr>
+              <a:t> </a:t>
+            </a:r>
+            <a:r>
+              <a:rPr lang="en-US" sz="2500" dirty="0" err="1">
+                <a:solidFill>
+                  <a:schemeClr val="tx1"/>
+                </a:solidFill>
+                <a:latin typeface="Calibri (Body)"/>
+              </a:rPr>
+              <a:t>mà</a:t>
+            </a:r>
+            <a:r>
+              <a:rPr lang="en-US" sz="2500" dirty="0">
+                <a:solidFill>
+                  <a:schemeClr val="tx1"/>
+                </a:solidFill>
+                <a:latin typeface="Calibri (Body)"/>
+              </a:rPr>
+              <a:t> </a:t>
+            </a:r>
+            <a:r>
+              <a:rPr lang="en-US" sz="2500" dirty="0" err="1">
+                <a:solidFill>
+                  <a:schemeClr val="tx1"/>
+                </a:solidFill>
+                <a:latin typeface="Calibri (Body)"/>
+              </a:rPr>
+              <a:t>các</a:t>
+            </a:r>
+            <a:r>
+              <a:rPr lang="en-US" sz="2500" dirty="0">
+                <a:solidFill>
+                  <a:schemeClr val="tx1"/>
+                </a:solidFill>
+                <a:latin typeface="Calibri (Body)"/>
+              </a:rPr>
+              <a:t> thành </a:t>
+            </a:r>
+            <a:r>
+              <a:rPr lang="en-US" sz="2500" dirty="0" err="1">
+                <a:solidFill>
+                  <a:schemeClr val="tx1"/>
+                </a:solidFill>
+                <a:latin typeface="Calibri (Body)"/>
+              </a:rPr>
+              <a:t>phần</a:t>
+            </a:r>
+            <a:r>
+              <a:rPr lang="en-US" sz="2500" dirty="0">
+                <a:solidFill>
+                  <a:schemeClr val="tx1"/>
+                </a:solidFill>
+                <a:latin typeface="Calibri (Body)"/>
+              </a:rPr>
+              <a:t> </a:t>
+            </a:r>
+            <a:r>
+              <a:rPr lang="en-US" sz="2500" dirty="0" err="1">
+                <a:solidFill>
+                  <a:schemeClr val="tx1"/>
+                </a:solidFill>
+                <a:latin typeface="Calibri (Body)"/>
+              </a:rPr>
+              <a:t>là</a:t>
+            </a:r>
+            <a:r>
+              <a:rPr lang="en-US" sz="2500" dirty="0">
+                <a:solidFill>
+                  <a:schemeClr val="tx1"/>
+                </a:solidFill>
+                <a:latin typeface="Calibri (Body)"/>
+              </a:rPr>
+              <a:t> </a:t>
+            </a:r>
+            <a:r>
+              <a:rPr lang="en-US" sz="2500" dirty="0" err="1">
+                <a:solidFill>
+                  <a:schemeClr val="tx1"/>
+                </a:solidFill>
+                <a:latin typeface="Calibri (Body)"/>
+              </a:rPr>
+              <a:t>các</a:t>
+            </a:r>
+            <a:r>
+              <a:rPr lang="en-US" sz="2500" dirty="0">
+                <a:solidFill>
+                  <a:schemeClr val="tx1"/>
+                </a:solidFill>
+                <a:latin typeface="Calibri (Body)"/>
+              </a:rPr>
+              <a:t> </a:t>
+            </a:r>
+            <a:r>
+              <a:rPr lang="en-US" sz="2500" dirty="0" err="1">
+                <a:solidFill>
+                  <a:schemeClr val="tx1"/>
+                </a:solidFill>
+                <a:latin typeface="Calibri (Body)"/>
+              </a:rPr>
+              <a:t>biến</a:t>
+            </a:r>
+            <a:r>
+              <a:rPr lang="en-US" sz="2500" dirty="0">
+                <a:solidFill>
+                  <a:schemeClr val="tx1"/>
+                </a:solidFill>
+                <a:latin typeface="Calibri (Body)"/>
+              </a:rPr>
+              <a:t> </a:t>
+            </a:r>
+            <a:r>
+              <a:rPr lang="en-US" sz="2500" dirty="0" err="1">
+                <a:solidFill>
+                  <a:schemeClr val="tx1"/>
+                </a:solidFill>
+                <a:latin typeface="Calibri (Body)"/>
+              </a:rPr>
+              <a:t>liên</a:t>
+            </a:r>
+            <a:r>
+              <a:rPr lang="en-US" sz="2500" dirty="0">
+                <a:solidFill>
+                  <a:schemeClr val="tx1"/>
+                </a:solidFill>
+                <a:latin typeface="Calibri (Body)"/>
+              </a:rPr>
+              <a:t> </a:t>
+            </a:r>
+            <a:r>
+              <a:rPr lang="en-US" sz="2500" dirty="0" err="1">
+                <a:solidFill>
+                  <a:schemeClr val="tx1"/>
+                </a:solidFill>
+                <a:latin typeface="Calibri (Body)"/>
+              </a:rPr>
+              <a:t>tục</a:t>
+            </a:r>
             <a:endParaRPr lang="en-US" sz="2500" dirty="0">
               <a:solidFill>
                 <a:schemeClr val="tx1"/>
@@ -8818,174 +7772,82 @@
             </a:endParaRPr>
           </a:p>
           <a:p>
-            <a:r>
-              <a:rPr lang="en-US" sz="2500" dirty="0">
-                <a:solidFill>
-                  <a:schemeClr val="tx1"/>
-                </a:solidFill>
-                <a:latin typeface="Calibri (Body)"/>
-              </a:rPr>
-              <a:t>                   </a:t>
-            </a:r>
-            <a:r>
-              <a:rPr lang="en-US" sz="2500" dirty="0" err="1">
-                <a:solidFill>
-                  <a:schemeClr val="tx1"/>
-                </a:solidFill>
-                <a:latin typeface="Calibri (Body)"/>
-              </a:rPr>
-              <a:t>Các</a:t>
-            </a:r>
-            <a:r>
-              <a:rPr lang="en-US" sz="2500" dirty="0">
-                <a:solidFill>
-                  <a:schemeClr val="tx1"/>
-                </a:solidFill>
-                <a:latin typeface="Calibri (Body)"/>
-              </a:rPr>
-              <a:t> </a:t>
-            </a:r>
-            <a:r>
-              <a:rPr lang="en-US" sz="2500" dirty="0" err="1">
-                <a:solidFill>
-                  <a:schemeClr val="tx1"/>
-                </a:solidFill>
-                <a:latin typeface="Calibri (Body)"/>
-              </a:rPr>
-              <a:t>cửa</a:t>
-            </a:r>
-            <a:r>
-              <a:rPr lang="en-US" sz="2500" dirty="0">
-                <a:solidFill>
-                  <a:schemeClr val="tx1"/>
-                </a:solidFill>
-                <a:latin typeface="Calibri (Body)"/>
-              </a:rPr>
-              <a:t> </a:t>
-            </a:r>
-            <a:r>
-              <a:rPr lang="en-US" sz="2500" dirty="0" err="1">
-                <a:solidFill>
-                  <a:schemeClr val="tx1"/>
-                </a:solidFill>
-                <a:latin typeface="Calibri (Body)"/>
-              </a:rPr>
-              <a:t>hàng</a:t>
-            </a:r>
-            <a:r>
-              <a:rPr lang="en-US" sz="2500" dirty="0">
-                <a:solidFill>
-                  <a:schemeClr val="tx1"/>
-                </a:solidFill>
-                <a:latin typeface="Calibri (Body)"/>
-              </a:rPr>
-              <a:t> online </a:t>
-            </a:r>
-            <a:r>
-              <a:rPr lang="en-US" sz="2500" dirty="0" err="1">
-                <a:solidFill>
-                  <a:schemeClr val="tx1"/>
-                </a:solidFill>
-                <a:latin typeface="Calibri (Body)"/>
-              </a:rPr>
-              <a:t>khắc</a:t>
-            </a:r>
-            <a:r>
-              <a:rPr lang="en-US" sz="2500" dirty="0">
-                <a:solidFill>
-                  <a:schemeClr val="tx1"/>
-                </a:solidFill>
-                <a:latin typeface="Calibri (Body)"/>
-              </a:rPr>
-              <a:t> </a:t>
-            </a:r>
-            <a:r>
-              <a:rPr lang="en-US" sz="2500" dirty="0" err="1">
-                <a:solidFill>
-                  <a:schemeClr val="tx1"/>
-                </a:solidFill>
-                <a:latin typeface="Calibri (Body)"/>
-              </a:rPr>
-              <a:t>phục</a:t>
-            </a:r>
-            <a:r>
-              <a:rPr lang="en-US" sz="2500" dirty="0">
-                <a:solidFill>
-                  <a:schemeClr val="tx1"/>
-                </a:solidFill>
-                <a:latin typeface="Calibri (Body)"/>
-              </a:rPr>
-              <a:t> </a:t>
-            </a:r>
-            <a:r>
-              <a:rPr lang="en-US" sz="2500" dirty="0" err="1">
-                <a:solidFill>
-                  <a:schemeClr val="tx1"/>
-                </a:solidFill>
-                <a:latin typeface="Calibri (Body)"/>
-              </a:rPr>
-              <a:t>được</a:t>
-            </a:r>
-            <a:r>
-              <a:rPr lang="en-US" sz="2500" dirty="0">
-                <a:solidFill>
-                  <a:schemeClr val="tx1"/>
-                </a:solidFill>
-                <a:latin typeface="Calibri (Body)"/>
-              </a:rPr>
-              <a:t> </a:t>
-            </a:r>
-          </a:p>
-        </p:txBody>
-      </p:sp>
-      <p:sp>
-        <p:nvSpPr>
-          <p:cNvPr id="4" name="Arrow: Right 3">
+            <a:endParaRPr lang="en-US" sz="2500" dirty="0">
+              <a:solidFill>
+                <a:schemeClr val="tx1"/>
+              </a:solidFill>
+              <a:latin typeface="Calibri (Body)"/>
+            </a:endParaRPr>
+          </a:p>
+          <a:p>
+            <a:endParaRPr lang="vi-VN" sz="2500" dirty="0">
+              <a:solidFill>
+                <a:schemeClr val="tx1"/>
+              </a:solidFill>
+              <a:latin typeface="Calibri (Body)"/>
+            </a:endParaRPr>
+          </a:p>
+          <a:p>
+            <a:endParaRPr lang="en-US" sz="2500" dirty="0">
+              <a:solidFill>
+                <a:schemeClr val="tx1"/>
+              </a:solidFill>
+              <a:latin typeface="Calibri (Body)"/>
+            </a:endParaRPr>
+          </a:p>
+        </p:txBody>
+      </p:sp>
+      <p:pic>
+        <p:nvPicPr>
+          <p:cNvPr id="6146" name="Picture 2" descr="Gaussian Naive Bayes">
             <a:extLst>
               <a:ext uri="{FF2B5EF4-FFF2-40B4-BE49-F238E27FC236}">
-                <a16:creationId xmlns:a16="http://schemas.microsoft.com/office/drawing/2014/main" id="{684A055E-1E7E-44DA-A8F3-26B87FE805FA}"/>
+                <a16:creationId xmlns:a16="http://schemas.microsoft.com/office/drawing/2014/main" id="{8AC44CEB-A098-4B5B-AFE7-AA7C20309630}"/>
               </a:ext>
             </a:extLst>
           </p:cNvPr>
-          <p:cNvSpPr/>
+          <p:cNvPicPr>
+            <a:picLocks noChangeAspect="1" noChangeArrowheads="1"/>
+          </p:cNvPicPr>
           <p:nvPr/>
-        </p:nvSpPr>
-        <p:spPr>
-          <a:xfrm>
-            <a:off x="1247775" y="5092066"/>
-            <a:ext cx="1095375" cy="137159"/>
-          </a:xfrm>
-          <a:prstGeom prst="rightArrow">
+        </p:nvPicPr>
+        <p:blipFill>
+          <a:blip r:embed="rId2">
+            <a:extLst>
+              <a:ext uri="{28A0092B-C50C-407E-A947-70E740481C1C}">
+                <a14:useLocalDpi xmlns:a14="http://schemas.microsoft.com/office/drawing/2010/main" val="0"/>
+              </a:ext>
+            </a:extLst>
+          </a:blip>
+          <a:srcRect/>
+          <a:stretch>
+            <a:fillRect/>
+          </a:stretch>
+        </p:blipFill>
+        <p:spPr bwMode="auto">
+          <a:xfrm>
+            <a:off x="2291650" y="3429000"/>
+            <a:ext cx="7608700" cy="2024062"/>
+          </a:xfrm>
+          <a:prstGeom prst="rect">
             <a:avLst/>
           </a:prstGeom>
-        </p:spPr>
-        <p:style>
-          <a:lnRef idx="2">
-            <a:schemeClr val="dk1"/>
-          </a:lnRef>
-          <a:fillRef idx="1">
-            <a:schemeClr val="lt1"/>
-          </a:fillRef>
-          <a:effectRef idx="0">
-            <a:schemeClr val="dk1"/>
-          </a:effectRef>
-          <a:fontRef idx="minor">
-            <a:schemeClr val="dk1"/>
-          </a:fontRef>
-        </p:style>
-        <p:txBody>
-          <a:bodyPr rtlCol="0" anchor="ctr"/>
-          <a:lstStyle/>
-          <a:p>
-            <a:pPr algn="ctr"/>
-            <a:endParaRPr lang="en-US"/>
-          </a:p>
-        </p:txBody>
-      </p:sp>
+          <a:noFill/>
+          <a:extLst>
+            <a:ext uri="{909E8E84-426E-40DD-AFC4-6F175D3DCCD1}">
+              <a14:hiddenFill xmlns:a14="http://schemas.microsoft.com/office/drawing/2010/main">
+                <a:solidFill>
+                  <a:srgbClr val="FFFFFF"/>
+                </a:solidFill>
+              </a14:hiddenFill>
+            </a:ext>
+          </a:extLst>
+        </p:spPr>
+      </p:pic>
     </p:spTree>
     <p:extLst>
       <p:ext uri="{BB962C8B-B14F-4D97-AF65-F5344CB8AC3E}">
-        <p14:creationId xmlns:p14="http://schemas.microsoft.com/office/powerpoint/2010/main" val="3505925650"/>
+        <p14:creationId xmlns:p14="http://schemas.microsoft.com/office/powerpoint/2010/main" val="3629188289"/>
       </p:ext>
     </p:extLst>
   </p:cSld>
@@ -9017,7 +7879,7 @@
           <p:cNvPr id="2" name="Title 1">
             <a:extLst>
               <a:ext uri="{FF2B5EF4-FFF2-40B4-BE49-F238E27FC236}">
-                <a16:creationId xmlns:a16="http://schemas.microsoft.com/office/drawing/2014/main" id="{AE2F7DD1-D80C-4680-8F31-43348B56A696}"/>
+                <a16:creationId xmlns:a16="http://schemas.microsoft.com/office/drawing/2014/main" id="{5C63EB51-8803-453E-B5AC-BA9DF90BE761}"/>
               </a:ext>
             </a:extLst>
           </p:cNvPr>
@@ -9035,17 +7897,17 @@
           <a:p>
             <a:r>
               <a:rPr lang="en-US" dirty="0"/>
-              <a:t>Recommendation</a:t>
-            </a:r>
-          </a:p>
-        </p:txBody>
-      </p:sp>
-      <p:sp>
-        <p:nvSpPr>
-          <p:cNvPr id="3" name="Content Placeholder 2">
+              <a:t>Naive Bayes</a:t>
+            </a:r>
+          </a:p>
+        </p:txBody>
+      </p:sp>
+      <p:sp>
+        <p:nvSpPr>
+          <p:cNvPr id="4" name="Content Placeholder 3">
             <a:extLst>
               <a:ext uri="{FF2B5EF4-FFF2-40B4-BE49-F238E27FC236}">
-                <a16:creationId xmlns:a16="http://schemas.microsoft.com/office/drawing/2014/main" id="{73D222DB-583B-4FDD-9C43-4513DF4D5860}"/>
+                <a16:creationId xmlns:a16="http://schemas.microsoft.com/office/drawing/2014/main" id="{AB194A9C-4A12-4F3A-BDA5-BFDB75C99DEC}"/>
               </a:ext>
             </a:extLst>
           </p:cNvPr>
@@ -9058,8 +7920,8 @@
         </p:nvSpPr>
         <p:spPr>
           <a:xfrm>
-            <a:off x="1097280" y="1892968"/>
-            <a:ext cx="10058400" cy="3976126"/>
+            <a:off x="1097280" y="1895474"/>
+            <a:ext cx="10058400" cy="3973619"/>
           </a:xfrm>
         </p:spPr>
         <p:txBody>
@@ -9075,91 +7937,7 @@
                 </a:solidFill>
                 <a:latin typeface="Calibri (Body)"/>
               </a:rPr>
-              <a:t>Recommendation </a:t>
-            </a:r>
-            <a:r>
-              <a:rPr lang="en-US" sz="2500" dirty="0" err="1">
-                <a:solidFill>
-                  <a:schemeClr val="tx1"/>
-                </a:solidFill>
-                <a:latin typeface="Calibri (Body)"/>
-              </a:rPr>
-              <a:t>được</a:t>
-            </a:r>
-            <a:r>
-              <a:rPr lang="en-US" sz="2500" dirty="0">
-                <a:solidFill>
-                  <a:schemeClr val="tx1"/>
-                </a:solidFill>
-                <a:latin typeface="Calibri (Body)"/>
-              </a:rPr>
-              <a:t> chia thành </a:t>
-            </a:r>
-            <a:r>
-              <a:rPr lang="en-US" sz="2500" dirty="0" err="1">
-                <a:solidFill>
-                  <a:schemeClr val="tx1"/>
-                </a:solidFill>
-                <a:latin typeface="Calibri (Body)"/>
-              </a:rPr>
-              <a:t>hai</a:t>
-            </a:r>
-            <a:r>
-              <a:rPr lang="en-US" sz="2500" dirty="0">
-                <a:solidFill>
-                  <a:schemeClr val="tx1"/>
-                </a:solidFill>
-                <a:latin typeface="Calibri (Body)"/>
-              </a:rPr>
-              <a:t> </a:t>
-            </a:r>
-            <a:r>
-              <a:rPr lang="en-US" sz="2500" dirty="0" err="1">
-                <a:solidFill>
-                  <a:schemeClr val="tx1"/>
-                </a:solidFill>
-                <a:latin typeface="Calibri (Body)"/>
-              </a:rPr>
-              <a:t>nhóm</a:t>
-            </a:r>
-            <a:r>
-              <a:rPr lang="en-US" sz="2500" dirty="0">
-                <a:solidFill>
-                  <a:schemeClr val="tx1"/>
-                </a:solidFill>
-                <a:latin typeface="Calibri (Body)"/>
-              </a:rPr>
-              <a:t> </a:t>
-            </a:r>
-            <a:r>
-              <a:rPr lang="en-US" sz="2500" dirty="0" err="1">
-                <a:solidFill>
-                  <a:schemeClr val="tx1"/>
-                </a:solidFill>
-                <a:latin typeface="Calibri (Body)"/>
-              </a:rPr>
-              <a:t>lớn</a:t>
-            </a:r>
-            <a:r>
-              <a:rPr lang="en-US" sz="2500" dirty="0">
-                <a:solidFill>
-                  <a:schemeClr val="tx1"/>
-                </a:solidFill>
-                <a:latin typeface="Calibri (Body)"/>
-              </a:rPr>
-              <a:t> :</a:t>
-            </a:r>
-          </a:p>
-          <a:p>
-            <a:pPr lvl="1"/>
-            <a:r>
-              <a:rPr lang="en-US" sz="2500" dirty="0">
-                <a:solidFill>
-                  <a:schemeClr val="tx1"/>
-                </a:solidFill>
-                <a:latin typeface="Calibri (Body)"/>
-              </a:rPr>
-              <a:t>Content-based systems: </a:t>
+              <a:t>- Multinomial Naive Bayes:</a:t>
             </a:r>
             <a:r>
               <a:rPr lang="vi-VN" sz="2500" dirty="0">
@@ -9168,25 +7946,7 @@
                 </a:solidFill>
                 <a:latin typeface="Calibri (Body)"/>
               </a:rPr>
-              <a:t>đánh giá đặc tính của</a:t>
-            </a:r>
-            <a:r>
-              <a:rPr lang="en-US" sz="2500" dirty="0">
-                <a:solidFill>
-                  <a:schemeClr val="tx1"/>
-                </a:solidFill>
-                <a:latin typeface="Calibri (Body)"/>
-              </a:rPr>
-              <a:t> </a:t>
-            </a:r>
-            <a:r>
-              <a:rPr lang="vi-VN" sz="2500" dirty="0">
-                <a:solidFill>
-                  <a:schemeClr val="tx1"/>
-                </a:solidFill>
-                <a:latin typeface="Calibri (Body)"/>
-              </a:rPr>
-              <a:t>items được recommended.</a:t>
+              <a:t> chủ yếu được sử dụng trong phân loại văn bản </a:t>
             </a:r>
             <a:endParaRPr lang="en-US" sz="2500" dirty="0">
               <a:solidFill>
@@ -9204,6 +7964,9 @@
             </a:endParaRPr>
           </a:p>
           <a:p>
+            <a:pPr marL="0" indent="0">
+              <a:buNone/>
+            </a:pPr>
             <a:endParaRPr lang="en-US" sz="2500" dirty="0">
               <a:solidFill>
                 <a:schemeClr val="tx1"/>
@@ -9211,59 +7974,389 @@
               <a:latin typeface="Calibri (Body)"/>
             </a:endParaRPr>
           </a:p>
+          <a:p>
+            <a:r>
+              <a:rPr lang="en-US" sz="2500" dirty="0">
+                <a:solidFill>
+                  <a:schemeClr val="tx1"/>
+                </a:solidFill>
+                <a:latin typeface="Calibri (Body)"/>
+              </a:rPr>
+              <a:t>- Bernoulli Naive Bayes: </a:t>
+            </a:r>
+            <a:r>
+              <a:rPr lang="en-US" sz="2500" dirty="0" err="1">
+                <a:solidFill>
+                  <a:schemeClr val="tx1"/>
+                </a:solidFill>
+                <a:latin typeface="Calibri (Body)"/>
+              </a:rPr>
+              <a:t>áp</a:t>
+            </a:r>
+            <a:r>
+              <a:rPr lang="en-US" sz="2500" dirty="0">
+                <a:solidFill>
+                  <a:schemeClr val="tx1"/>
+                </a:solidFill>
+                <a:latin typeface="Calibri (Body)"/>
+              </a:rPr>
+              <a:t> </a:t>
+            </a:r>
+            <a:r>
+              <a:rPr lang="en-US" sz="2500" dirty="0" err="1">
+                <a:solidFill>
+                  <a:schemeClr val="tx1"/>
+                </a:solidFill>
+                <a:latin typeface="Calibri (Body)"/>
+              </a:rPr>
+              <a:t>dụng</a:t>
+            </a:r>
+            <a:r>
+              <a:rPr lang="en-US" sz="2500" dirty="0">
+                <a:solidFill>
+                  <a:schemeClr val="tx1"/>
+                </a:solidFill>
+                <a:latin typeface="Calibri (Body)"/>
+              </a:rPr>
+              <a:t> </a:t>
+            </a:r>
+            <a:r>
+              <a:rPr lang="en-US" sz="2500" dirty="0" err="1">
+                <a:solidFill>
+                  <a:schemeClr val="tx1"/>
+                </a:solidFill>
+                <a:latin typeface="Calibri (Body)"/>
+              </a:rPr>
+              <a:t>cho</a:t>
+            </a:r>
+            <a:r>
+              <a:rPr lang="en-US" sz="2500" dirty="0">
+                <a:solidFill>
+                  <a:schemeClr val="tx1"/>
+                </a:solidFill>
+                <a:latin typeface="Calibri (Body)"/>
+              </a:rPr>
+              <a:t> </a:t>
+            </a:r>
+            <a:r>
+              <a:rPr lang="en-US" sz="2500" dirty="0" err="1">
+                <a:solidFill>
+                  <a:schemeClr val="tx1"/>
+                </a:solidFill>
+                <a:latin typeface="Calibri (Body)"/>
+              </a:rPr>
+              <a:t>các</a:t>
+            </a:r>
+            <a:r>
+              <a:rPr lang="en-US" sz="2500" dirty="0">
+                <a:solidFill>
+                  <a:schemeClr val="tx1"/>
+                </a:solidFill>
+                <a:latin typeface="Calibri (Body)"/>
+              </a:rPr>
+              <a:t> </a:t>
+            </a:r>
+            <a:r>
+              <a:rPr lang="en-US" sz="2500" dirty="0" err="1">
+                <a:solidFill>
+                  <a:schemeClr val="tx1"/>
+                </a:solidFill>
+                <a:latin typeface="Calibri (Body)"/>
+              </a:rPr>
+              <a:t>loại</a:t>
+            </a:r>
+            <a:r>
+              <a:rPr lang="en-US" sz="2500" dirty="0">
+                <a:solidFill>
+                  <a:schemeClr val="tx1"/>
+                </a:solidFill>
+                <a:latin typeface="Calibri (Body)"/>
+              </a:rPr>
+              <a:t> </a:t>
+            </a:r>
+            <a:r>
+              <a:rPr lang="en-US" sz="2500" dirty="0" err="1">
+                <a:solidFill>
+                  <a:schemeClr val="tx1"/>
+                </a:solidFill>
+                <a:latin typeface="Calibri (Body)"/>
+              </a:rPr>
+              <a:t>dữ</a:t>
+            </a:r>
+            <a:r>
+              <a:rPr lang="en-US" sz="2500" dirty="0">
+                <a:solidFill>
+                  <a:schemeClr val="tx1"/>
+                </a:solidFill>
+                <a:latin typeface="Calibri (Body)"/>
+              </a:rPr>
+              <a:t> </a:t>
+            </a:r>
+            <a:r>
+              <a:rPr lang="en-US" sz="2500" dirty="0" err="1">
+                <a:solidFill>
+                  <a:schemeClr val="tx1"/>
+                </a:solidFill>
+                <a:latin typeface="Calibri (Body)"/>
+              </a:rPr>
+              <a:t>liệu</a:t>
+            </a:r>
+            <a:r>
+              <a:rPr lang="en-US" sz="2500" dirty="0">
+                <a:solidFill>
+                  <a:schemeClr val="tx1"/>
+                </a:solidFill>
+                <a:latin typeface="Calibri (Body)"/>
+              </a:rPr>
+              <a:t> </a:t>
+            </a:r>
+            <a:r>
+              <a:rPr lang="en-US" sz="2500" dirty="0" err="1">
+                <a:solidFill>
+                  <a:schemeClr val="tx1"/>
+                </a:solidFill>
+                <a:latin typeface="Calibri (Body)"/>
+              </a:rPr>
+              <a:t>mà</a:t>
+            </a:r>
+            <a:r>
+              <a:rPr lang="en-US" sz="2500" dirty="0">
+                <a:solidFill>
+                  <a:schemeClr val="tx1"/>
+                </a:solidFill>
+                <a:latin typeface="Calibri (Body)"/>
+              </a:rPr>
+              <a:t> </a:t>
+            </a:r>
+            <a:r>
+              <a:rPr lang="en-US" sz="2500" dirty="0" err="1">
+                <a:solidFill>
+                  <a:schemeClr val="tx1"/>
+                </a:solidFill>
+                <a:latin typeface="Calibri (Body)"/>
+              </a:rPr>
+              <a:t>mỗi</a:t>
+            </a:r>
+            <a:r>
+              <a:rPr lang="en-US" sz="2500" dirty="0">
+                <a:solidFill>
+                  <a:schemeClr val="tx1"/>
+                </a:solidFill>
+                <a:latin typeface="Calibri (Body)"/>
+              </a:rPr>
+              <a:t> thành </a:t>
+            </a:r>
+            <a:r>
+              <a:rPr lang="en-US" sz="2500" dirty="0" err="1">
+                <a:solidFill>
+                  <a:schemeClr val="tx1"/>
+                </a:solidFill>
+                <a:latin typeface="Calibri (Body)"/>
+              </a:rPr>
+              <a:t>phần</a:t>
+            </a:r>
+            <a:r>
+              <a:rPr lang="en-US" sz="2500" dirty="0">
+                <a:solidFill>
+                  <a:schemeClr val="tx1"/>
+                </a:solidFill>
+                <a:latin typeface="Calibri (Body)"/>
+              </a:rPr>
+              <a:t> </a:t>
+            </a:r>
+            <a:r>
+              <a:rPr lang="en-US" sz="2500" dirty="0" err="1">
+                <a:solidFill>
+                  <a:schemeClr val="tx1"/>
+                </a:solidFill>
+                <a:latin typeface="Calibri (Body)"/>
+              </a:rPr>
+              <a:t>là</a:t>
+            </a:r>
+            <a:r>
+              <a:rPr lang="en-US" sz="2500" dirty="0">
+                <a:solidFill>
+                  <a:schemeClr val="tx1"/>
+                </a:solidFill>
+                <a:latin typeface="Calibri (Body)"/>
+              </a:rPr>
+              <a:t> </a:t>
+            </a:r>
+            <a:r>
+              <a:rPr lang="en-US" sz="2500" dirty="0" err="1">
+                <a:solidFill>
+                  <a:schemeClr val="tx1"/>
+                </a:solidFill>
+                <a:latin typeface="Calibri (Body)"/>
+              </a:rPr>
+              <a:t>một</a:t>
+            </a:r>
+            <a:r>
+              <a:rPr lang="en-US" sz="2500" dirty="0">
+                <a:solidFill>
+                  <a:schemeClr val="tx1"/>
+                </a:solidFill>
+                <a:latin typeface="Calibri (Body)"/>
+              </a:rPr>
+              <a:t> </a:t>
+            </a:r>
+            <a:r>
+              <a:rPr lang="en-US" sz="2500" dirty="0" err="1">
+                <a:solidFill>
+                  <a:schemeClr val="tx1"/>
+                </a:solidFill>
+                <a:latin typeface="Calibri (Body)"/>
+              </a:rPr>
+              <a:t>giá</a:t>
+            </a:r>
+            <a:r>
+              <a:rPr lang="en-US" sz="2500" dirty="0">
+                <a:solidFill>
+                  <a:schemeClr val="tx1"/>
+                </a:solidFill>
+                <a:latin typeface="Calibri (Body)"/>
+              </a:rPr>
+              <a:t> </a:t>
+            </a:r>
+            <a:r>
+              <a:rPr lang="en-US" sz="2500" dirty="0" err="1">
+                <a:solidFill>
+                  <a:schemeClr val="tx1"/>
+                </a:solidFill>
+                <a:latin typeface="Calibri (Body)"/>
+              </a:rPr>
+              <a:t>trị</a:t>
+            </a:r>
+            <a:r>
+              <a:rPr lang="en-US" sz="2500" dirty="0">
+                <a:solidFill>
+                  <a:schemeClr val="tx1"/>
+                </a:solidFill>
+                <a:latin typeface="Calibri (Body)"/>
+              </a:rPr>
+              <a:t> binary </a:t>
+            </a:r>
+          </a:p>
+          <a:p>
+            <a:endParaRPr lang="en-US" sz="2500" dirty="0">
+              <a:solidFill>
+                <a:schemeClr val="tx1"/>
+              </a:solidFill>
+              <a:latin typeface="Calibri (Body)"/>
+            </a:endParaRPr>
+          </a:p>
+          <a:p>
+            <a:endParaRPr lang="vi-VN" sz="2500" dirty="0">
+              <a:solidFill>
+                <a:schemeClr val="tx1"/>
+              </a:solidFill>
+              <a:latin typeface="Calibri (Body)"/>
+            </a:endParaRPr>
+          </a:p>
+          <a:p>
+            <a:endParaRPr lang="en-US" sz="2500" dirty="0">
+              <a:solidFill>
+                <a:schemeClr val="tx1"/>
+              </a:solidFill>
+              <a:latin typeface="Calibri (Body)"/>
+            </a:endParaRPr>
+          </a:p>
         </p:txBody>
       </p:sp>
       <p:pic>
         <p:nvPicPr>
-          <p:cNvPr id="8194" name="Picture 2">
+          <p:cNvPr id="3" name="Picture 2">
             <a:extLst>
               <a:ext uri="{FF2B5EF4-FFF2-40B4-BE49-F238E27FC236}">
-                <a16:creationId xmlns:a16="http://schemas.microsoft.com/office/drawing/2014/main" id="{A2246F77-6032-47A5-AA00-002831B86FB9}"/>
+                <a16:creationId xmlns:a16="http://schemas.microsoft.com/office/drawing/2014/main" id="{E357CDF9-B1E5-443D-BF82-27AD9CCF502B}"/>
               </a:ext>
             </a:extLst>
           </p:cNvPr>
           <p:cNvPicPr>
-            <a:picLocks noChangeAspect="1" noChangeArrowheads="1"/>
+            <a:picLocks noChangeAspect="1"/>
           </p:cNvPicPr>
           <p:nvPr/>
         </p:nvPicPr>
         <p:blipFill>
-          <a:blip r:embed="rId2">
-            <a:extLst>
-              <a:ext uri="{28A0092B-C50C-407E-A947-70E740481C1C}">
-                <a14:useLocalDpi xmlns:a14="http://schemas.microsoft.com/office/drawing/2010/main" val="0"/>
-              </a:ext>
-            </a:extLst>
-          </a:blip>
-          <a:srcRect/>
+          <a:blip r:embed="rId2"/>
           <a:stretch>
             <a:fillRect/>
           </a:stretch>
         </p:blipFill>
-        <p:spPr bwMode="auto">
-          <a:xfrm>
-            <a:off x="4038600" y="3279021"/>
-            <a:ext cx="4562475" cy="2319258"/>
+        <p:spPr>
+          <a:xfrm>
+            <a:off x="2338223" y="2285883"/>
+            <a:ext cx="2890839" cy="1038342"/>
           </a:xfrm>
           <a:prstGeom prst="rect">
             <a:avLst/>
           </a:prstGeom>
-          <a:noFill/>
-          <a:extLst>
-            <a:ext uri="{909E8E84-426E-40DD-AFC4-6F175D3DCCD1}">
-              <a14:hiddenFill xmlns:a14="http://schemas.microsoft.com/office/drawing/2010/main">
-                <a:solidFill>
-                  <a:srgbClr val="FFFFFF"/>
-                </a:solidFill>
-              </a14:hiddenFill>
-            </a:ext>
-          </a:extLst>
+        </p:spPr>
+      </p:pic>
+      <p:pic>
+        <p:nvPicPr>
+          <p:cNvPr id="5" name="Picture 4">
+            <a:extLst>
+              <a:ext uri="{FF2B5EF4-FFF2-40B4-BE49-F238E27FC236}">
+                <a16:creationId xmlns:a16="http://schemas.microsoft.com/office/drawing/2014/main" id="{D7E82A40-3BD4-4E27-94EF-67F5165AACBC}"/>
+              </a:ext>
+            </a:extLst>
+          </p:cNvPr>
+          <p:cNvPicPr>
+            <a:picLocks noChangeAspect="1"/>
+          </p:cNvPicPr>
+          <p:nvPr/>
+        </p:nvPicPr>
+        <p:blipFill>
+          <a:blip r:embed="rId3"/>
+          <a:stretch>
+            <a:fillRect/>
+          </a:stretch>
+        </p:blipFill>
+        <p:spPr>
+          <a:xfrm>
+            <a:off x="7215242" y="2438293"/>
+            <a:ext cx="2404671" cy="885931"/>
+          </a:xfrm>
+          <a:prstGeom prst="rect">
+            <a:avLst/>
+          </a:prstGeom>
+        </p:spPr>
+      </p:pic>
+      <p:pic>
+        <p:nvPicPr>
+          <p:cNvPr id="6" name="Picture 5">
+            <a:extLst>
+              <a:ext uri="{FF2B5EF4-FFF2-40B4-BE49-F238E27FC236}">
+                <a16:creationId xmlns:a16="http://schemas.microsoft.com/office/drawing/2014/main" id="{163EC7EE-D9C8-4426-A9F3-9466064614B6}"/>
+              </a:ext>
+            </a:extLst>
+          </p:cNvPr>
+          <p:cNvPicPr>
+            <a:picLocks noChangeAspect="1"/>
+          </p:cNvPicPr>
+          <p:nvPr/>
+        </p:nvPicPr>
+        <p:blipFill>
+          <a:blip r:embed="rId4"/>
+          <a:stretch>
+            <a:fillRect/>
+          </a:stretch>
+        </p:blipFill>
+        <p:spPr>
+          <a:xfrm>
+            <a:off x="3666889" y="4695786"/>
+            <a:ext cx="5048486" cy="770108"/>
+          </a:xfrm>
+          <a:prstGeom prst="rect">
+            <a:avLst/>
+          </a:prstGeom>
         </p:spPr>
       </p:pic>
     </p:spTree>
     <p:extLst>
       <p:ext uri="{BB962C8B-B14F-4D97-AF65-F5344CB8AC3E}">
-        <p14:creationId xmlns:p14="http://schemas.microsoft.com/office/powerpoint/2010/main" val="2431960509"/>
+        <p14:creationId xmlns:p14="http://schemas.microsoft.com/office/powerpoint/2010/main" val="3962554260"/>
       </p:ext>
     </p:extLst>
   </p:cSld>
@@ -9295,6 +8388,1308 @@
           <p:cNvPr id="2" name="Title 1">
             <a:extLst>
               <a:ext uri="{FF2B5EF4-FFF2-40B4-BE49-F238E27FC236}">
+                <a16:creationId xmlns:a16="http://schemas.microsoft.com/office/drawing/2014/main" id="{343759C0-7667-4DE8-B4F8-E0293B2F5C68}"/>
+              </a:ext>
+            </a:extLst>
+          </p:cNvPr>
+          <p:cNvSpPr>
+            <a:spLocks noGrp="1"/>
+          </p:cNvSpPr>
+          <p:nvPr>
+            <p:ph type="title"/>
+          </p:nvPr>
+        </p:nvSpPr>
+        <p:spPr/>
+        <p:txBody>
+          <a:bodyPr/>
+          <a:lstStyle/>
+          <a:p>
+            <a:r>
+              <a:rPr lang="en-US" dirty="0"/>
+              <a:t>Recommendation</a:t>
+            </a:r>
+          </a:p>
+        </p:txBody>
+      </p:sp>
+      <p:sp>
+        <p:nvSpPr>
+          <p:cNvPr id="3" name="Content Placeholder 2">
+            <a:extLst>
+              <a:ext uri="{FF2B5EF4-FFF2-40B4-BE49-F238E27FC236}">
+                <a16:creationId xmlns:a16="http://schemas.microsoft.com/office/drawing/2014/main" id="{222BA205-46E7-4C23-8E8C-9E445F071AEF}"/>
+              </a:ext>
+            </a:extLst>
+          </p:cNvPr>
+          <p:cNvSpPr>
+            <a:spLocks noGrp="1"/>
+          </p:cNvSpPr>
+          <p:nvPr>
+            <p:ph idx="1"/>
+          </p:nvPr>
+        </p:nvSpPr>
+        <p:spPr>
+          <a:xfrm>
+            <a:off x="1097280" y="1905000"/>
+            <a:ext cx="10058400" cy="3964094"/>
+          </a:xfrm>
+        </p:spPr>
+        <p:txBody>
+          <a:bodyPr>
+            <a:normAutofit/>
+          </a:bodyPr>
+          <a:lstStyle/>
+          <a:p>
+            <a:pPr marL="0" indent="0">
+              <a:buNone/>
+            </a:pPr>
+            <a:r>
+              <a:rPr lang="en-US" sz="2500" dirty="0" err="1">
+                <a:solidFill>
+                  <a:schemeClr val="tx1"/>
+                </a:solidFill>
+              </a:rPr>
+              <a:t>Là</a:t>
+            </a:r>
+            <a:r>
+              <a:rPr lang="en-US" sz="2500" dirty="0">
+                <a:solidFill>
+                  <a:schemeClr val="tx1"/>
+                </a:solidFill>
+              </a:rPr>
+              <a:t> làm </a:t>
+            </a:r>
+            <a:r>
+              <a:rPr lang="en-US" sz="2500" dirty="0" err="1">
+                <a:solidFill>
+                  <a:schemeClr val="tx1"/>
+                </a:solidFill>
+              </a:rPr>
+              <a:t>cho</a:t>
+            </a:r>
+            <a:r>
+              <a:rPr lang="en-US" sz="2500" dirty="0">
+                <a:solidFill>
+                  <a:schemeClr val="tx1"/>
+                </a:solidFill>
+              </a:rPr>
+              <a:t> hệ </a:t>
+            </a:r>
+            <a:r>
+              <a:rPr lang="en-US" sz="2500" dirty="0" err="1">
+                <a:solidFill>
+                  <a:schemeClr val="tx1"/>
+                </a:solidFill>
+              </a:rPr>
+              <a:t>thống</a:t>
+            </a:r>
+            <a:r>
+              <a:rPr lang="en-US" sz="2500" dirty="0">
+                <a:solidFill>
+                  <a:schemeClr val="tx1"/>
+                </a:solidFill>
+              </a:rPr>
+              <a:t> </a:t>
+            </a:r>
+            <a:r>
+              <a:rPr lang="en-US" sz="2500" dirty="0" err="1">
+                <a:solidFill>
+                  <a:schemeClr val="tx1"/>
+                </a:solidFill>
+              </a:rPr>
+              <a:t>có</a:t>
+            </a:r>
+            <a:r>
+              <a:rPr lang="en-US" sz="2500" dirty="0">
+                <a:solidFill>
+                  <a:schemeClr val="tx1"/>
+                </a:solidFill>
+              </a:rPr>
+              <a:t> </a:t>
+            </a:r>
+            <a:r>
+              <a:rPr lang="en-US" sz="2500" dirty="0" err="1">
+                <a:solidFill>
+                  <a:schemeClr val="tx1"/>
+                </a:solidFill>
+              </a:rPr>
+              <a:t>khả</a:t>
+            </a:r>
+            <a:r>
+              <a:rPr lang="en-US" sz="2500" dirty="0">
+                <a:solidFill>
+                  <a:schemeClr val="tx1"/>
+                </a:solidFill>
+              </a:rPr>
+              <a:t> </a:t>
+            </a:r>
+            <a:r>
+              <a:rPr lang="en-US" sz="2500" dirty="0" err="1">
+                <a:solidFill>
+                  <a:schemeClr val="tx1"/>
+                </a:solidFill>
+              </a:rPr>
+              <a:t>năng</a:t>
+            </a:r>
+            <a:r>
+              <a:rPr lang="en-US" sz="2500" dirty="0">
+                <a:solidFill>
+                  <a:schemeClr val="tx1"/>
+                </a:solidFill>
+              </a:rPr>
+              <a:t> </a:t>
+            </a:r>
+            <a:r>
+              <a:rPr lang="en-US" sz="2500" dirty="0" err="1">
+                <a:solidFill>
+                  <a:schemeClr val="tx1"/>
+                </a:solidFill>
+              </a:rPr>
+              <a:t>tự</a:t>
+            </a:r>
+            <a:r>
+              <a:rPr lang="en-US" sz="2500" dirty="0">
+                <a:solidFill>
+                  <a:schemeClr val="tx1"/>
+                </a:solidFill>
+              </a:rPr>
+              <a:t> </a:t>
+            </a:r>
+            <a:r>
+              <a:rPr lang="en-US" sz="2500" dirty="0" err="1">
+                <a:solidFill>
+                  <a:schemeClr val="tx1"/>
+                </a:solidFill>
+              </a:rPr>
+              <a:t>động</a:t>
+            </a:r>
+            <a:r>
+              <a:rPr lang="en-US" sz="2500" dirty="0">
+                <a:solidFill>
+                  <a:schemeClr val="tx1"/>
+                </a:solidFill>
+              </a:rPr>
+              <a:t> </a:t>
+            </a:r>
+            <a:r>
+              <a:rPr lang="en-US" sz="2500" dirty="0" err="1">
+                <a:solidFill>
+                  <a:schemeClr val="tx1"/>
+                </a:solidFill>
+              </a:rPr>
+              <a:t>gợi</a:t>
+            </a:r>
+            <a:r>
+              <a:rPr lang="en-US" sz="2500" dirty="0">
+                <a:solidFill>
+                  <a:schemeClr val="tx1"/>
+                </a:solidFill>
+              </a:rPr>
+              <a:t> ý </a:t>
+            </a:r>
+            <a:r>
+              <a:rPr lang="en-US" sz="2500" dirty="0" err="1">
+                <a:solidFill>
+                  <a:schemeClr val="tx1"/>
+                </a:solidFill>
+              </a:rPr>
+              <a:t>cho</a:t>
+            </a:r>
+            <a:r>
+              <a:rPr lang="en-US" sz="2500" dirty="0">
+                <a:solidFill>
+                  <a:schemeClr val="tx1"/>
+                </a:solidFill>
+              </a:rPr>
+              <a:t> </a:t>
+            </a:r>
+            <a:r>
+              <a:rPr lang="en-US" sz="2500" dirty="0" err="1">
+                <a:solidFill>
+                  <a:schemeClr val="tx1"/>
+                </a:solidFill>
+              </a:rPr>
+              <a:t>ngừời</a:t>
+            </a:r>
+            <a:r>
+              <a:rPr lang="en-US" sz="2500" dirty="0">
+                <a:solidFill>
+                  <a:schemeClr val="tx1"/>
+                </a:solidFill>
+              </a:rPr>
+              <a:t> </a:t>
+            </a:r>
+            <a:r>
+              <a:rPr lang="en-US" sz="2500" dirty="0" err="1">
+                <a:solidFill>
+                  <a:schemeClr val="tx1"/>
+                </a:solidFill>
+              </a:rPr>
+              <a:t>dùng</a:t>
+            </a:r>
+            <a:r>
+              <a:rPr lang="en-US" sz="2500" dirty="0">
+                <a:solidFill>
+                  <a:schemeClr val="tx1"/>
+                </a:solidFill>
+              </a:rPr>
+              <a:t> </a:t>
+            </a:r>
+            <a:r>
+              <a:rPr lang="en-US" sz="2500" dirty="0" err="1">
+                <a:solidFill>
+                  <a:schemeClr val="tx1"/>
+                </a:solidFill>
+              </a:rPr>
+              <a:t>những</a:t>
+            </a:r>
+            <a:r>
+              <a:rPr lang="en-US" sz="2500" dirty="0">
+                <a:solidFill>
+                  <a:schemeClr val="tx1"/>
+                </a:solidFill>
+              </a:rPr>
+              <a:t> </a:t>
+            </a:r>
+            <a:r>
+              <a:rPr lang="en-US" sz="2500" dirty="0" err="1">
+                <a:solidFill>
+                  <a:schemeClr val="tx1"/>
+                </a:solidFill>
+              </a:rPr>
+              <a:t>sản</a:t>
+            </a:r>
+            <a:r>
+              <a:rPr lang="en-US" sz="2500" dirty="0">
+                <a:solidFill>
+                  <a:schemeClr val="tx1"/>
+                </a:solidFill>
+              </a:rPr>
+              <a:t> </a:t>
+            </a:r>
+            <a:r>
+              <a:rPr lang="en-US" sz="2500" dirty="0" err="1">
+                <a:solidFill>
+                  <a:schemeClr val="tx1"/>
+                </a:solidFill>
+              </a:rPr>
+              <a:t>phẩm</a:t>
+            </a:r>
+            <a:r>
+              <a:rPr lang="en-US" sz="2500" dirty="0">
+                <a:solidFill>
+                  <a:schemeClr val="tx1"/>
+                </a:solidFill>
+              </a:rPr>
+              <a:t> </a:t>
+            </a:r>
+            <a:r>
+              <a:rPr lang="en-US" sz="2500" dirty="0" err="1">
+                <a:solidFill>
+                  <a:schemeClr val="tx1"/>
+                </a:solidFill>
+              </a:rPr>
+              <a:t>họ</a:t>
+            </a:r>
+            <a:r>
+              <a:rPr lang="en-US" sz="2500" dirty="0">
+                <a:solidFill>
+                  <a:schemeClr val="tx1"/>
+                </a:solidFill>
+              </a:rPr>
+              <a:t> </a:t>
+            </a:r>
+            <a:r>
+              <a:rPr lang="en-US" sz="2500" dirty="0" err="1">
+                <a:solidFill>
+                  <a:schemeClr val="tx1"/>
+                </a:solidFill>
+              </a:rPr>
+              <a:t>có</a:t>
+            </a:r>
+            <a:r>
+              <a:rPr lang="en-US" sz="2500" dirty="0">
+                <a:solidFill>
+                  <a:schemeClr val="tx1"/>
+                </a:solidFill>
+              </a:rPr>
+              <a:t> </a:t>
+            </a:r>
+            <a:r>
+              <a:rPr lang="en-US" sz="2500" dirty="0" err="1">
+                <a:solidFill>
+                  <a:schemeClr val="tx1"/>
+                </a:solidFill>
+              </a:rPr>
+              <a:t>thể</a:t>
+            </a:r>
+            <a:r>
+              <a:rPr lang="en-US" sz="2500" dirty="0">
+                <a:solidFill>
+                  <a:schemeClr val="tx1"/>
+                </a:solidFill>
+              </a:rPr>
+              <a:t> </a:t>
+            </a:r>
+            <a:r>
+              <a:rPr lang="en-US" sz="2500" dirty="0" err="1">
+                <a:solidFill>
+                  <a:schemeClr val="tx1"/>
+                </a:solidFill>
+              </a:rPr>
+              <a:t>thích</a:t>
+            </a:r>
+            <a:r>
+              <a:rPr lang="en-US" sz="2500" dirty="0">
+                <a:solidFill>
+                  <a:schemeClr val="tx1"/>
+                </a:solidFill>
+              </a:rPr>
+              <a:t>.</a:t>
+            </a:r>
+          </a:p>
+          <a:p>
+            <a:pPr marL="0" indent="0">
+              <a:buNone/>
+            </a:pPr>
+            <a:endParaRPr lang="en-US" sz="2500" dirty="0">
+              <a:solidFill>
+                <a:schemeClr val="tx1"/>
+              </a:solidFill>
+            </a:endParaRPr>
+          </a:p>
+          <a:p>
+            <a:pPr marL="0" indent="0">
+              <a:buNone/>
+            </a:pPr>
+            <a:r>
+              <a:rPr lang="en-US" sz="2500" dirty="0" err="1">
+                <a:solidFill>
+                  <a:schemeClr val="tx1"/>
+                </a:solidFill>
+              </a:rPr>
+              <a:t>Có</a:t>
+            </a:r>
+            <a:r>
+              <a:rPr lang="en-US" sz="2500" dirty="0">
+                <a:solidFill>
+                  <a:schemeClr val="tx1"/>
+                </a:solidFill>
+              </a:rPr>
+              <a:t> </a:t>
+            </a:r>
+            <a:r>
+              <a:rPr lang="en-US" sz="2500" dirty="0" err="1">
+                <a:solidFill>
+                  <a:schemeClr val="tx1"/>
+                </a:solidFill>
+              </a:rPr>
+              <a:t>hai</a:t>
+            </a:r>
+            <a:r>
+              <a:rPr lang="en-US" sz="2500" dirty="0">
+                <a:solidFill>
+                  <a:schemeClr val="tx1"/>
+                </a:solidFill>
+              </a:rPr>
+              <a:t> thực </a:t>
+            </a:r>
+            <a:r>
+              <a:rPr lang="en-US" sz="2500" dirty="0" err="1">
+                <a:solidFill>
+                  <a:schemeClr val="tx1"/>
+                </a:solidFill>
+              </a:rPr>
+              <a:t>thể</a:t>
+            </a:r>
+            <a:r>
+              <a:rPr lang="en-US" sz="2500" dirty="0">
+                <a:solidFill>
+                  <a:schemeClr val="tx1"/>
+                </a:solidFill>
+              </a:rPr>
+              <a:t> </a:t>
+            </a:r>
+            <a:r>
+              <a:rPr lang="en-US" sz="2500" dirty="0" err="1">
+                <a:solidFill>
+                  <a:schemeClr val="tx1"/>
+                </a:solidFill>
+              </a:rPr>
+              <a:t>chính</a:t>
+            </a:r>
+            <a:r>
+              <a:rPr lang="en-US" sz="2500" dirty="0">
+                <a:solidFill>
+                  <a:schemeClr val="tx1"/>
+                </a:solidFill>
+              </a:rPr>
+              <a:t> :</a:t>
+            </a:r>
+          </a:p>
+          <a:p>
+            <a:pPr marL="0" indent="0">
+              <a:buNone/>
+            </a:pPr>
+            <a:r>
+              <a:rPr lang="en-US" sz="2500" dirty="0">
+                <a:solidFill>
+                  <a:schemeClr val="tx1"/>
+                </a:solidFill>
+              </a:rPr>
+              <a:t>  -  users : </a:t>
+            </a:r>
+            <a:r>
+              <a:rPr lang="en-US" sz="2500" dirty="0" err="1">
+                <a:solidFill>
+                  <a:schemeClr val="tx1"/>
+                </a:solidFill>
+              </a:rPr>
+              <a:t>người</a:t>
+            </a:r>
+            <a:r>
+              <a:rPr lang="en-US" sz="2500" dirty="0">
+                <a:solidFill>
+                  <a:schemeClr val="tx1"/>
+                </a:solidFill>
+              </a:rPr>
+              <a:t> </a:t>
+            </a:r>
+            <a:r>
+              <a:rPr lang="en-US" sz="2500" dirty="0" err="1">
+                <a:solidFill>
+                  <a:schemeClr val="tx1"/>
+                </a:solidFill>
+              </a:rPr>
+              <a:t>dùng</a:t>
+            </a:r>
+            <a:endParaRPr lang="en-US" sz="2500" dirty="0">
+              <a:solidFill>
+                <a:schemeClr val="tx1"/>
+              </a:solidFill>
+            </a:endParaRPr>
+          </a:p>
+          <a:p>
+            <a:pPr marL="0" indent="0">
+              <a:buNone/>
+            </a:pPr>
+            <a:r>
+              <a:rPr lang="en-US" sz="2500" dirty="0">
+                <a:solidFill>
+                  <a:schemeClr val="tx1"/>
+                </a:solidFill>
+              </a:rPr>
+              <a:t>  -  items : </a:t>
+            </a:r>
+            <a:r>
+              <a:rPr lang="en-US" sz="2500" dirty="0" err="1">
+                <a:solidFill>
+                  <a:schemeClr val="tx1"/>
+                </a:solidFill>
+              </a:rPr>
+              <a:t>sản</a:t>
+            </a:r>
+            <a:r>
+              <a:rPr lang="en-US" sz="2500" dirty="0">
+                <a:solidFill>
+                  <a:schemeClr val="tx1"/>
+                </a:solidFill>
+              </a:rPr>
+              <a:t> </a:t>
+            </a:r>
+            <a:r>
+              <a:rPr lang="en-US" sz="2500" dirty="0" err="1">
+                <a:solidFill>
+                  <a:schemeClr val="tx1"/>
+                </a:solidFill>
+              </a:rPr>
+              <a:t>phẩm</a:t>
+            </a:r>
+            <a:r>
+              <a:rPr lang="en-US" sz="2500" dirty="0">
+                <a:solidFill>
+                  <a:schemeClr val="tx1"/>
+                </a:solidFill>
+              </a:rPr>
+              <a:t>                      </a:t>
+            </a:r>
+          </a:p>
+        </p:txBody>
+      </p:sp>
+      <p:pic>
+        <p:nvPicPr>
+          <p:cNvPr id="7170" name="Picture 2" descr="A simple way to explain the Recommendation Engine in AI | by Roger Chua |  Voice Tech Podcast | Medium">
+            <a:extLst>
+              <a:ext uri="{FF2B5EF4-FFF2-40B4-BE49-F238E27FC236}">
+                <a16:creationId xmlns:a16="http://schemas.microsoft.com/office/drawing/2014/main" id="{4977EB28-D322-4E6F-B456-A6327723022B}"/>
+              </a:ext>
+            </a:extLst>
+          </p:cNvPr>
+          <p:cNvPicPr>
+            <a:picLocks noChangeAspect="1" noChangeArrowheads="1"/>
+          </p:cNvPicPr>
+          <p:nvPr/>
+        </p:nvPicPr>
+        <p:blipFill>
+          <a:blip r:embed="rId2">
+            <a:extLst>
+              <a:ext uri="{28A0092B-C50C-407E-A947-70E740481C1C}">
+                <a14:useLocalDpi xmlns:a14="http://schemas.microsoft.com/office/drawing/2010/main" val="0"/>
+              </a:ext>
+            </a:extLst>
+          </a:blip>
+          <a:srcRect/>
+          <a:stretch>
+            <a:fillRect/>
+          </a:stretch>
+        </p:blipFill>
+        <p:spPr bwMode="auto">
+          <a:xfrm>
+            <a:off x="7551420" y="2557463"/>
+            <a:ext cx="3543300" cy="2349362"/>
+          </a:xfrm>
+          <a:prstGeom prst="rect">
+            <a:avLst/>
+          </a:prstGeom>
+          <a:noFill/>
+          <a:extLst>
+            <a:ext uri="{909E8E84-426E-40DD-AFC4-6F175D3DCCD1}">
+              <a14:hiddenFill xmlns:a14="http://schemas.microsoft.com/office/drawing/2010/main">
+                <a:solidFill>
+                  <a:srgbClr val="FFFFFF"/>
+                </a:solidFill>
+              </a14:hiddenFill>
+            </a:ext>
+          </a:extLst>
+        </p:spPr>
+      </p:pic>
+    </p:spTree>
+    <p:extLst>
+      <p:ext uri="{BB962C8B-B14F-4D97-AF65-F5344CB8AC3E}">
+        <p14:creationId xmlns:p14="http://schemas.microsoft.com/office/powerpoint/2010/main" val="1852791322"/>
+      </p:ext>
+    </p:extLst>
+  </p:cSld>
+  <p:clrMapOvr>
+    <a:masterClrMapping/>
+  </p:clrMapOvr>
+</p:sld>
+</file>
+
+<file path=ppt/slides/slide26.xml><?xml version="1.0" encoding="utf-8"?>
+<p:sld xmlns:a="http://schemas.openxmlformats.org/drawingml/2006/main" xmlns:r="http://schemas.openxmlformats.org/officeDocument/2006/relationships" xmlns:p="http://schemas.openxmlformats.org/presentationml/2006/main">
+  <p:cSld>
+    <p:spTree>
+      <p:nvGrpSpPr>
+        <p:cNvPr id="1" name=""/>
+        <p:cNvGrpSpPr/>
+        <p:nvPr/>
+      </p:nvGrpSpPr>
+      <p:grpSpPr>
+        <a:xfrm>
+          <a:off x="0" y="0"/>
+          <a:ext cx="0" cy="0"/>
+          <a:chOff x="0" y="0"/>
+          <a:chExt cx="0" cy="0"/>
+        </a:xfrm>
+      </p:grpSpPr>
+      <p:sp>
+        <p:nvSpPr>
+          <p:cNvPr id="2" name="Title 1">
+            <a:extLst>
+              <a:ext uri="{FF2B5EF4-FFF2-40B4-BE49-F238E27FC236}">
+                <a16:creationId xmlns:a16="http://schemas.microsoft.com/office/drawing/2014/main" id="{870B3BDF-845D-4894-AD41-9051C0401F6A}"/>
+              </a:ext>
+            </a:extLst>
+          </p:cNvPr>
+          <p:cNvSpPr>
+            <a:spLocks noGrp="1"/>
+          </p:cNvSpPr>
+          <p:nvPr>
+            <p:ph type="title"/>
+          </p:nvPr>
+        </p:nvSpPr>
+        <p:spPr/>
+        <p:txBody>
+          <a:bodyPr/>
+          <a:lstStyle/>
+          <a:p>
+            <a:r>
+              <a:rPr lang="en-US" dirty="0"/>
+              <a:t>Recommendation</a:t>
+            </a:r>
+          </a:p>
+        </p:txBody>
+      </p:sp>
+      <p:sp>
+        <p:nvSpPr>
+          <p:cNvPr id="3" name="Content Placeholder 2">
+            <a:extLst>
+              <a:ext uri="{FF2B5EF4-FFF2-40B4-BE49-F238E27FC236}">
+                <a16:creationId xmlns:a16="http://schemas.microsoft.com/office/drawing/2014/main" id="{9AB4B34B-AA27-4728-9134-740E4C953C0D}"/>
+              </a:ext>
+            </a:extLst>
+          </p:cNvPr>
+          <p:cNvSpPr>
+            <a:spLocks noGrp="1"/>
+          </p:cNvSpPr>
+          <p:nvPr>
+            <p:ph idx="1"/>
+          </p:nvPr>
+        </p:nvSpPr>
+        <p:spPr/>
+        <p:txBody>
+          <a:bodyPr>
+            <a:noAutofit/>
+          </a:bodyPr>
+          <a:lstStyle/>
+          <a:p>
+            <a:r>
+              <a:rPr lang="en-US" sz="2500" dirty="0">
+                <a:solidFill>
+                  <a:schemeClr val="tx1"/>
+                </a:solidFill>
+                <a:latin typeface="Calibri (Body)"/>
+              </a:rPr>
+              <a:t> </a:t>
+            </a:r>
+          </a:p>
+          <a:p>
+            <a:pPr marL="0" indent="0">
+              <a:buNone/>
+            </a:pPr>
+            <a:r>
+              <a:rPr lang="en-US" sz="2500" dirty="0">
+                <a:solidFill>
+                  <a:schemeClr val="tx1"/>
+                </a:solidFill>
+                <a:latin typeface="Calibri (Body)"/>
+              </a:rPr>
+              <a:t>  </a:t>
+            </a:r>
+            <a:r>
+              <a:rPr lang="en-US" sz="2500" dirty="0" err="1">
+                <a:solidFill>
+                  <a:schemeClr val="tx1"/>
+                </a:solidFill>
+                <a:latin typeface="Calibri (Body)"/>
+              </a:rPr>
+              <a:t>Hiện</a:t>
+            </a:r>
+            <a:r>
+              <a:rPr lang="en-US" sz="2500" dirty="0">
+                <a:solidFill>
+                  <a:schemeClr val="tx1"/>
+                </a:solidFill>
+                <a:latin typeface="Calibri (Body)"/>
+              </a:rPr>
+              <a:t> </a:t>
+            </a:r>
+            <a:r>
+              <a:rPr lang="en-US" sz="2500" dirty="0" err="1">
+                <a:solidFill>
+                  <a:schemeClr val="tx1"/>
+                </a:solidFill>
+                <a:latin typeface="Calibri (Body)"/>
+              </a:rPr>
+              <a:t>tượng</a:t>
+            </a:r>
+            <a:r>
+              <a:rPr lang="en-US" sz="2500" dirty="0">
+                <a:solidFill>
+                  <a:schemeClr val="tx1"/>
+                </a:solidFill>
+                <a:latin typeface="Calibri (Body)"/>
+              </a:rPr>
+              <a:t> Long Tail </a:t>
+            </a:r>
+            <a:r>
+              <a:rPr lang="en-US" sz="2500" dirty="0" err="1">
+                <a:solidFill>
+                  <a:schemeClr val="tx1"/>
+                </a:solidFill>
+                <a:latin typeface="Calibri (Body)"/>
+              </a:rPr>
+              <a:t>trong</a:t>
+            </a:r>
+            <a:r>
+              <a:rPr lang="en-US" sz="2500" dirty="0">
+                <a:solidFill>
+                  <a:schemeClr val="tx1"/>
+                </a:solidFill>
+                <a:latin typeface="Calibri (Body)"/>
+              </a:rPr>
+              <a:t> </a:t>
+            </a:r>
+            <a:r>
+              <a:rPr lang="en-US" sz="2500" dirty="0" err="1">
+                <a:solidFill>
+                  <a:schemeClr val="tx1"/>
+                </a:solidFill>
+                <a:latin typeface="Calibri (Body)"/>
+              </a:rPr>
+              <a:t>thương</a:t>
+            </a:r>
+            <a:r>
+              <a:rPr lang="en-US" sz="2500" dirty="0">
+                <a:solidFill>
+                  <a:schemeClr val="tx1"/>
+                </a:solidFill>
+                <a:latin typeface="Calibri (Body)"/>
+              </a:rPr>
+              <a:t> </a:t>
+            </a:r>
+            <a:r>
+              <a:rPr lang="en-US" sz="2500" dirty="0" err="1">
+                <a:solidFill>
+                  <a:schemeClr val="tx1"/>
+                </a:solidFill>
+                <a:latin typeface="Calibri (Body)"/>
+              </a:rPr>
+              <a:t>mại</a:t>
+            </a:r>
+            <a:r>
+              <a:rPr lang="en-US" sz="2500" dirty="0">
+                <a:solidFill>
+                  <a:schemeClr val="tx1"/>
+                </a:solidFill>
+                <a:latin typeface="Calibri (Body)"/>
+              </a:rPr>
+              <a:t> </a:t>
+            </a:r>
+          </a:p>
+          <a:p>
+            <a:r>
+              <a:rPr lang="vi-VN" sz="2500" dirty="0">
+                <a:solidFill>
+                  <a:schemeClr val="tx1"/>
+                </a:solidFill>
+                <a:latin typeface="Calibri (Body)"/>
+              </a:rPr>
+              <a:t> </a:t>
+            </a:r>
+            <a:r>
+              <a:rPr lang="en-US" sz="2500" dirty="0">
+                <a:solidFill>
+                  <a:schemeClr val="tx1"/>
+                </a:solidFill>
+                <a:latin typeface="Calibri (Body)"/>
+              </a:rPr>
+              <a:t>P</a:t>
+            </a:r>
+            <a:r>
+              <a:rPr lang="vi-VN" sz="2500" dirty="0">
+                <a:solidFill>
+                  <a:schemeClr val="tx1"/>
+                </a:solidFill>
+                <a:latin typeface="Calibri (Body)"/>
+              </a:rPr>
+              <a:t>hần lớn doanh thu (80%) đến từ phần nhỏ số sản phẩm phổ biến nhất (20 một danh sách dài phía sau chỉ tạo ra một lượng nhỏ đóng góp</a:t>
+            </a:r>
+            <a:r>
+              <a:rPr lang="en-US" sz="2500" dirty="0">
+                <a:solidFill>
+                  <a:schemeClr val="tx1"/>
+                </a:solidFill>
+                <a:latin typeface="Calibri (Body)"/>
+              </a:rPr>
+              <a:t> (80%)</a:t>
+            </a:r>
+            <a:r>
+              <a:rPr lang="vi-VN" sz="2500" dirty="0">
+                <a:solidFill>
+                  <a:schemeClr val="tx1"/>
+                </a:solidFill>
+                <a:latin typeface="Calibri (Body)"/>
+              </a:rPr>
+              <a:t>. Hiện tượng này còn được gọi là long tail phenomenon, tức phần đuôi dài của những sản phẩm ít phổ biến</a:t>
+            </a:r>
+          </a:p>
+          <a:p>
+            <a:endParaRPr lang="en-US" sz="2500" dirty="0">
+              <a:solidFill>
+                <a:schemeClr val="tx1"/>
+              </a:solidFill>
+              <a:latin typeface="Calibri (Body)"/>
+            </a:endParaRPr>
+          </a:p>
+          <a:p>
+            <a:r>
+              <a:rPr lang="en-US" sz="2500" dirty="0">
+                <a:solidFill>
+                  <a:schemeClr val="tx1"/>
+                </a:solidFill>
+                <a:latin typeface="Calibri (Body)"/>
+              </a:rPr>
+              <a:t>                   </a:t>
+            </a:r>
+            <a:r>
+              <a:rPr lang="en-US" sz="2500" dirty="0" err="1">
+                <a:solidFill>
+                  <a:schemeClr val="tx1"/>
+                </a:solidFill>
+                <a:latin typeface="Calibri (Body)"/>
+              </a:rPr>
+              <a:t>Các</a:t>
+            </a:r>
+            <a:r>
+              <a:rPr lang="en-US" sz="2500" dirty="0">
+                <a:solidFill>
+                  <a:schemeClr val="tx1"/>
+                </a:solidFill>
+                <a:latin typeface="Calibri (Body)"/>
+              </a:rPr>
+              <a:t> </a:t>
+            </a:r>
+            <a:r>
+              <a:rPr lang="en-US" sz="2500" dirty="0" err="1">
+                <a:solidFill>
+                  <a:schemeClr val="tx1"/>
+                </a:solidFill>
+                <a:latin typeface="Calibri (Body)"/>
+              </a:rPr>
+              <a:t>cửa</a:t>
+            </a:r>
+            <a:r>
+              <a:rPr lang="en-US" sz="2500" dirty="0">
+                <a:solidFill>
+                  <a:schemeClr val="tx1"/>
+                </a:solidFill>
+                <a:latin typeface="Calibri (Body)"/>
+              </a:rPr>
+              <a:t> </a:t>
+            </a:r>
+            <a:r>
+              <a:rPr lang="en-US" sz="2500" dirty="0" err="1">
+                <a:solidFill>
+                  <a:schemeClr val="tx1"/>
+                </a:solidFill>
+                <a:latin typeface="Calibri (Body)"/>
+              </a:rPr>
+              <a:t>hàng</a:t>
+            </a:r>
+            <a:r>
+              <a:rPr lang="en-US" sz="2500" dirty="0">
+                <a:solidFill>
+                  <a:schemeClr val="tx1"/>
+                </a:solidFill>
+                <a:latin typeface="Calibri (Body)"/>
+              </a:rPr>
+              <a:t> online </a:t>
+            </a:r>
+            <a:r>
+              <a:rPr lang="en-US" sz="2500" dirty="0" err="1">
+                <a:solidFill>
+                  <a:schemeClr val="tx1"/>
+                </a:solidFill>
+                <a:latin typeface="Calibri (Body)"/>
+              </a:rPr>
+              <a:t>khắc</a:t>
+            </a:r>
+            <a:r>
+              <a:rPr lang="en-US" sz="2500" dirty="0">
+                <a:solidFill>
+                  <a:schemeClr val="tx1"/>
+                </a:solidFill>
+                <a:latin typeface="Calibri (Body)"/>
+              </a:rPr>
+              <a:t> </a:t>
+            </a:r>
+            <a:r>
+              <a:rPr lang="en-US" sz="2500" dirty="0" err="1">
+                <a:solidFill>
+                  <a:schemeClr val="tx1"/>
+                </a:solidFill>
+                <a:latin typeface="Calibri (Body)"/>
+              </a:rPr>
+              <a:t>phục</a:t>
+            </a:r>
+            <a:r>
+              <a:rPr lang="en-US" sz="2500" dirty="0">
+                <a:solidFill>
+                  <a:schemeClr val="tx1"/>
+                </a:solidFill>
+                <a:latin typeface="Calibri (Body)"/>
+              </a:rPr>
+              <a:t> </a:t>
+            </a:r>
+            <a:r>
+              <a:rPr lang="en-US" sz="2500" dirty="0" err="1">
+                <a:solidFill>
+                  <a:schemeClr val="tx1"/>
+                </a:solidFill>
+                <a:latin typeface="Calibri (Body)"/>
+              </a:rPr>
+              <a:t>được</a:t>
+            </a:r>
+            <a:r>
+              <a:rPr lang="en-US" sz="2500" dirty="0">
+                <a:solidFill>
+                  <a:schemeClr val="tx1"/>
+                </a:solidFill>
+                <a:latin typeface="Calibri (Body)"/>
+              </a:rPr>
+              <a:t> </a:t>
+            </a:r>
+          </a:p>
+        </p:txBody>
+      </p:sp>
+      <p:sp>
+        <p:nvSpPr>
+          <p:cNvPr id="4" name="Arrow: Right 3">
+            <a:extLst>
+              <a:ext uri="{FF2B5EF4-FFF2-40B4-BE49-F238E27FC236}">
+                <a16:creationId xmlns:a16="http://schemas.microsoft.com/office/drawing/2014/main" id="{684A055E-1E7E-44DA-A8F3-26B87FE805FA}"/>
+              </a:ext>
+            </a:extLst>
+          </p:cNvPr>
+          <p:cNvSpPr/>
+          <p:nvPr/>
+        </p:nvSpPr>
+        <p:spPr>
+          <a:xfrm>
+            <a:off x="1247775" y="5092066"/>
+            <a:ext cx="1095375" cy="137159"/>
+          </a:xfrm>
+          <a:prstGeom prst="rightArrow">
+            <a:avLst/>
+          </a:prstGeom>
+        </p:spPr>
+        <p:style>
+          <a:lnRef idx="2">
+            <a:schemeClr val="dk1"/>
+          </a:lnRef>
+          <a:fillRef idx="1">
+            <a:schemeClr val="lt1"/>
+          </a:fillRef>
+          <a:effectRef idx="0">
+            <a:schemeClr val="dk1"/>
+          </a:effectRef>
+          <a:fontRef idx="minor">
+            <a:schemeClr val="dk1"/>
+          </a:fontRef>
+        </p:style>
+        <p:txBody>
+          <a:bodyPr rtlCol="0" anchor="ctr"/>
+          <a:lstStyle/>
+          <a:p>
+            <a:pPr algn="ctr"/>
+            <a:endParaRPr lang="en-US"/>
+          </a:p>
+        </p:txBody>
+      </p:sp>
+    </p:spTree>
+    <p:extLst>
+      <p:ext uri="{BB962C8B-B14F-4D97-AF65-F5344CB8AC3E}">
+        <p14:creationId xmlns:p14="http://schemas.microsoft.com/office/powerpoint/2010/main" val="3505925650"/>
+      </p:ext>
+    </p:extLst>
+  </p:cSld>
+  <p:clrMapOvr>
+    <a:masterClrMapping/>
+  </p:clrMapOvr>
+</p:sld>
+</file>
+
+<file path=ppt/slides/slide27.xml><?xml version="1.0" encoding="utf-8"?>
+<p:sld xmlns:a="http://schemas.openxmlformats.org/drawingml/2006/main" xmlns:r="http://schemas.openxmlformats.org/officeDocument/2006/relationships" xmlns:p="http://schemas.openxmlformats.org/presentationml/2006/main">
+  <p:cSld>
+    <p:spTree>
+      <p:nvGrpSpPr>
+        <p:cNvPr id="1" name=""/>
+        <p:cNvGrpSpPr/>
+        <p:nvPr/>
+      </p:nvGrpSpPr>
+      <p:grpSpPr>
+        <a:xfrm>
+          <a:off x="0" y="0"/>
+          <a:ext cx="0" cy="0"/>
+          <a:chOff x="0" y="0"/>
+          <a:chExt cx="0" cy="0"/>
+        </a:xfrm>
+      </p:grpSpPr>
+      <p:sp>
+        <p:nvSpPr>
+          <p:cNvPr id="2" name="Title 1">
+            <a:extLst>
+              <a:ext uri="{FF2B5EF4-FFF2-40B4-BE49-F238E27FC236}">
+                <a16:creationId xmlns:a16="http://schemas.microsoft.com/office/drawing/2014/main" id="{AE2F7DD1-D80C-4680-8F31-43348B56A696}"/>
+              </a:ext>
+            </a:extLst>
+          </p:cNvPr>
+          <p:cNvSpPr>
+            <a:spLocks noGrp="1"/>
+          </p:cNvSpPr>
+          <p:nvPr>
+            <p:ph type="title"/>
+          </p:nvPr>
+        </p:nvSpPr>
+        <p:spPr/>
+        <p:txBody>
+          <a:bodyPr/>
+          <a:lstStyle/>
+          <a:p>
+            <a:r>
+              <a:rPr lang="en-US" dirty="0"/>
+              <a:t>Recommendation</a:t>
+            </a:r>
+          </a:p>
+        </p:txBody>
+      </p:sp>
+      <p:sp>
+        <p:nvSpPr>
+          <p:cNvPr id="3" name="Content Placeholder 2">
+            <a:extLst>
+              <a:ext uri="{FF2B5EF4-FFF2-40B4-BE49-F238E27FC236}">
+                <a16:creationId xmlns:a16="http://schemas.microsoft.com/office/drawing/2014/main" id="{73D222DB-583B-4FDD-9C43-4513DF4D5860}"/>
+              </a:ext>
+            </a:extLst>
+          </p:cNvPr>
+          <p:cNvSpPr>
+            <a:spLocks noGrp="1"/>
+          </p:cNvSpPr>
+          <p:nvPr>
+            <p:ph idx="1"/>
+          </p:nvPr>
+        </p:nvSpPr>
+        <p:spPr>
+          <a:xfrm>
+            <a:off x="1097280" y="1892968"/>
+            <a:ext cx="10058400" cy="3976126"/>
+          </a:xfrm>
+        </p:spPr>
+        <p:txBody>
+          <a:bodyPr>
+            <a:normAutofit/>
+          </a:bodyPr>
+          <a:lstStyle/>
+          <a:p>
+            <a:r>
+              <a:rPr lang="en-US" sz="2500" dirty="0">
+                <a:solidFill>
+                  <a:schemeClr val="tx1"/>
+                </a:solidFill>
+                <a:latin typeface="Calibri (Body)"/>
+              </a:rPr>
+              <a:t>Recommendation </a:t>
+            </a:r>
+            <a:r>
+              <a:rPr lang="en-US" sz="2500" dirty="0" err="1">
+                <a:solidFill>
+                  <a:schemeClr val="tx1"/>
+                </a:solidFill>
+                <a:latin typeface="Calibri (Body)"/>
+              </a:rPr>
+              <a:t>được</a:t>
+            </a:r>
+            <a:r>
+              <a:rPr lang="en-US" sz="2500" dirty="0">
+                <a:solidFill>
+                  <a:schemeClr val="tx1"/>
+                </a:solidFill>
+                <a:latin typeface="Calibri (Body)"/>
+              </a:rPr>
+              <a:t> chia thành </a:t>
+            </a:r>
+            <a:r>
+              <a:rPr lang="en-US" sz="2500" dirty="0" err="1">
+                <a:solidFill>
+                  <a:schemeClr val="tx1"/>
+                </a:solidFill>
+                <a:latin typeface="Calibri (Body)"/>
+              </a:rPr>
+              <a:t>hai</a:t>
+            </a:r>
+            <a:r>
+              <a:rPr lang="en-US" sz="2500" dirty="0">
+                <a:solidFill>
+                  <a:schemeClr val="tx1"/>
+                </a:solidFill>
+                <a:latin typeface="Calibri (Body)"/>
+              </a:rPr>
+              <a:t> </a:t>
+            </a:r>
+            <a:r>
+              <a:rPr lang="en-US" sz="2500" dirty="0" err="1">
+                <a:solidFill>
+                  <a:schemeClr val="tx1"/>
+                </a:solidFill>
+                <a:latin typeface="Calibri (Body)"/>
+              </a:rPr>
+              <a:t>nhóm</a:t>
+            </a:r>
+            <a:r>
+              <a:rPr lang="en-US" sz="2500" dirty="0">
+                <a:solidFill>
+                  <a:schemeClr val="tx1"/>
+                </a:solidFill>
+                <a:latin typeface="Calibri (Body)"/>
+              </a:rPr>
+              <a:t> </a:t>
+            </a:r>
+            <a:r>
+              <a:rPr lang="en-US" sz="2500" dirty="0" err="1">
+                <a:solidFill>
+                  <a:schemeClr val="tx1"/>
+                </a:solidFill>
+                <a:latin typeface="Calibri (Body)"/>
+              </a:rPr>
+              <a:t>lớn</a:t>
+            </a:r>
+            <a:r>
+              <a:rPr lang="en-US" sz="2500" dirty="0">
+                <a:solidFill>
+                  <a:schemeClr val="tx1"/>
+                </a:solidFill>
+                <a:latin typeface="Calibri (Body)"/>
+              </a:rPr>
+              <a:t> :</a:t>
+            </a:r>
+          </a:p>
+          <a:p>
+            <a:pPr lvl="1"/>
+            <a:r>
+              <a:rPr lang="en-US" sz="2500" dirty="0">
+                <a:solidFill>
+                  <a:schemeClr val="tx1"/>
+                </a:solidFill>
+                <a:latin typeface="Calibri (Body)"/>
+              </a:rPr>
+              <a:t>Content-based systems: </a:t>
+            </a:r>
+            <a:r>
+              <a:rPr lang="vi-VN" sz="2500" dirty="0">
+                <a:solidFill>
+                  <a:schemeClr val="tx1"/>
+                </a:solidFill>
+                <a:latin typeface="Calibri (Body)"/>
+              </a:rPr>
+              <a:t>đánh giá đặc tính của</a:t>
+            </a:r>
+            <a:r>
+              <a:rPr lang="en-US" sz="2500" dirty="0">
+                <a:solidFill>
+                  <a:schemeClr val="tx1"/>
+                </a:solidFill>
+                <a:latin typeface="Calibri (Body)"/>
+              </a:rPr>
+              <a:t> </a:t>
+            </a:r>
+            <a:r>
+              <a:rPr lang="vi-VN" sz="2500" dirty="0">
+                <a:solidFill>
+                  <a:schemeClr val="tx1"/>
+                </a:solidFill>
+                <a:latin typeface="Calibri (Body)"/>
+              </a:rPr>
+              <a:t>items được recommended.</a:t>
+            </a:r>
+            <a:endParaRPr lang="en-US" sz="2500" dirty="0">
+              <a:solidFill>
+                <a:schemeClr val="tx1"/>
+              </a:solidFill>
+              <a:latin typeface="Calibri (Body)"/>
+            </a:endParaRPr>
+          </a:p>
+          <a:p>
+            <a:endParaRPr lang="en-US" sz="2500" dirty="0">
+              <a:solidFill>
+                <a:schemeClr val="tx1"/>
+              </a:solidFill>
+              <a:latin typeface="Calibri (Body)"/>
+            </a:endParaRPr>
+          </a:p>
+          <a:p>
+            <a:endParaRPr lang="en-US" sz="2500" dirty="0">
+              <a:solidFill>
+                <a:schemeClr val="tx1"/>
+              </a:solidFill>
+              <a:latin typeface="Calibri (Body)"/>
+            </a:endParaRPr>
+          </a:p>
+        </p:txBody>
+      </p:sp>
+      <p:pic>
+        <p:nvPicPr>
+          <p:cNvPr id="8194" name="Picture 2">
+            <a:extLst>
+              <a:ext uri="{FF2B5EF4-FFF2-40B4-BE49-F238E27FC236}">
+                <a16:creationId xmlns:a16="http://schemas.microsoft.com/office/drawing/2014/main" id="{A2246F77-6032-47A5-AA00-002831B86FB9}"/>
+              </a:ext>
+            </a:extLst>
+          </p:cNvPr>
+          <p:cNvPicPr>
+            <a:picLocks noChangeAspect="1" noChangeArrowheads="1"/>
+          </p:cNvPicPr>
+          <p:nvPr/>
+        </p:nvPicPr>
+        <p:blipFill>
+          <a:blip r:embed="rId2">
+            <a:extLst>
+              <a:ext uri="{28A0092B-C50C-407E-A947-70E740481C1C}">
+                <a14:useLocalDpi xmlns:a14="http://schemas.microsoft.com/office/drawing/2010/main" val="0"/>
+              </a:ext>
+            </a:extLst>
+          </a:blip>
+          <a:srcRect/>
+          <a:stretch>
+            <a:fillRect/>
+          </a:stretch>
+        </p:blipFill>
+        <p:spPr bwMode="auto">
+          <a:xfrm>
+            <a:off x="2962275" y="2990334"/>
+            <a:ext cx="5486400" cy="2788920"/>
+          </a:xfrm>
+          <a:prstGeom prst="rect">
+            <a:avLst/>
+          </a:prstGeom>
+          <a:noFill/>
+          <a:extLst>
+            <a:ext uri="{909E8E84-426E-40DD-AFC4-6F175D3DCCD1}">
+              <a14:hiddenFill xmlns:a14="http://schemas.microsoft.com/office/drawing/2010/main">
+                <a:solidFill>
+                  <a:srgbClr val="FFFFFF"/>
+                </a:solidFill>
+              </a14:hiddenFill>
+            </a:ext>
+          </a:extLst>
+        </p:spPr>
+      </p:pic>
+    </p:spTree>
+    <p:extLst>
+      <p:ext uri="{BB962C8B-B14F-4D97-AF65-F5344CB8AC3E}">
+        <p14:creationId xmlns:p14="http://schemas.microsoft.com/office/powerpoint/2010/main" val="2431960509"/>
+      </p:ext>
+    </p:extLst>
+  </p:cSld>
+  <p:clrMapOvr>
+    <a:masterClrMapping/>
+  </p:clrMapOvr>
+</p:sld>
+</file>
+
+<file path=ppt/slides/slide28.xml><?xml version="1.0" encoding="utf-8"?>
+<p:sld xmlns:a="http://schemas.openxmlformats.org/drawingml/2006/main" xmlns:r="http://schemas.openxmlformats.org/officeDocument/2006/relationships" xmlns:p="http://schemas.openxmlformats.org/presentationml/2006/main">
+  <p:cSld>
+    <p:spTree>
+      <p:nvGrpSpPr>
+        <p:cNvPr id="1" name=""/>
+        <p:cNvGrpSpPr/>
+        <p:nvPr/>
+      </p:nvGrpSpPr>
+      <p:grpSpPr>
+        <a:xfrm>
+          <a:off x="0" y="0"/>
+          <a:ext cx="0" cy="0"/>
+          <a:chOff x="0" y="0"/>
+          <a:chExt cx="0" cy="0"/>
+        </a:xfrm>
+      </p:grpSpPr>
+      <p:sp>
+        <p:nvSpPr>
+          <p:cNvPr id="2" name="Title 1">
+            <a:extLst>
+              <a:ext uri="{FF2B5EF4-FFF2-40B4-BE49-F238E27FC236}">
                 <a16:creationId xmlns:a16="http://schemas.microsoft.com/office/drawing/2014/main" id="{E0F9D0BE-8321-4687-A4D9-F4AD2437DD8B}"/>
               </a:ext>
             </a:extLst>
@@ -9423,7 +9818,7 @@
 </p:sld>
 </file>
 
-<file path=ppt/slides/slide26.xml><?xml version="1.0" encoding="utf-8"?>
+<file path=ppt/slides/slide29.xml><?xml version="1.0" encoding="utf-8"?>
 <p:sld xmlns:a="http://schemas.openxmlformats.org/drawingml/2006/main" xmlns:r="http://schemas.openxmlformats.org/officeDocument/2006/relationships" xmlns:p="http://schemas.openxmlformats.org/presentationml/2006/main">
   <p:cSld>
     <p:spTree>
@@ -10114,7 +10509,7 @@
           <p:cNvPr id="2" name="Title 1">
             <a:extLst>
               <a:ext uri="{FF2B5EF4-FFF2-40B4-BE49-F238E27FC236}">
-                <a16:creationId xmlns:a16="http://schemas.microsoft.com/office/drawing/2014/main" id="{64E3F94A-03D4-4A8E-81A5-F89A2CA810DD}"/>
+                <a16:creationId xmlns:a16="http://schemas.microsoft.com/office/drawing/2014/main" id="{0936EB67-579F-49D2-83B9-375023E42E55}"/>
               </a:ext>
             </a:extLst>
           </p:cNvPr>
@@ -10132,7 +10527,7 @@
           <a:p>
             <a:r>
               <a:rPr lang="en-US" dirty="0"/>
-              <a:t>Gradient for Linear regression </a:t>
+              <a:t>Linear Regression</a:t>
             </a:r>
           </a:p>
         </p:txBody>
@@ -10142,7 +10537,7 @@
           <p:cNvPr id="3" name="Content Placeholder 2">
             <a:extLst>
               <a:ext uri="{FF2B5EF4-FFF2-40B4-BE49-F238E27FC236}">
-                <a16:creationId xmlns:a16="http://schemas.microsoft.com/office/drawing/2014/main" id="{32120504-5FDE-42E8-B8FE-88FF671354F9}"/>
+                <a16:creationId xmlns:a16="http://schemas.microsoft.com/office/drawing/2014/main" id="{CF221498-C44D-40D0-BCFD-20A3C6AEECB2}"/>
               </a:ext>
             </a:extLst>
           </p:cNvPr>
@@ -10153,131 +10548,101 @@
             <p:ph idx="1"/>
           </p:nvPr>
         </p:nvSpPr>
-        <p:spPr/>
+        <p:spPr>
+          <a:xfrm>
+            <a:off x="1097280" y="1876426"/>
+            <a:ext cx="10058400" cy="3992668"/>
+          </a:xfrm>
+        </p:spPr>
         <p:txBody>
           <a:bodyPr>
             <a:normAutofit/>
           </a:bodyPr>
           <a:lstStyle/>
           <a:p>
-            <a:endParaRPr lang="en-US" sz="2500" dirty="0">
-              <a:solidFill>
-                <a:schemeClr val="tx1"/>
-              </a:solidFill>
-            </a:endParaRPr>
-          </a:p>
-          <a:p>
-            <a:r>
-              <a:rPr lang="en-US" sz="2500" dirty="0" err="1">
-                <a:solidFill>
-                  <a:schemeClr val="tx1"/>
-                </a:solidFill>
-              </a:rPr>
-              <a:t>Công</a:t>
-            </a:r>
-            <a:r>
-              <a:rPr lang="en-US" sz="2500" dirty="0">
-                <a:solidFill>
-                  <a:schemeClr val="tx1"/>
-                </a:solidFill>
-              </a:rPr>
-              <a:t> </a:t>
-            </a:r>
-            <a:r>
-              <a:rPr lang="en-US" sz="2500" dirty="0" err="1">
-                <a:solidFill>
-                  <a:schemeClr val="tx1"/>
-                </a:solidFill>
-              </a:rPr>
-              <a:t>thức</a:t>
-            </a:r>
-            <a:r>
-              <a:rPr lang="en-US" sz="2500" dirty="0">
-                <a:solidFill>
-                  <a:schemeClr val="tx1"/>
-                </a:solidFill>
-              </a:rPr>
-              <a:t> </a:t>
-            </a:r>
-            <a:r>
-              <a:rPr lang="en-US" sz="2500" dirty="0" err="1">
-                <a:solidFill>
-                  <a:schemeClr val="tx1"/>
-                </a:solidFill>
-              </a:rPr>
-              <a:t>chung</a:t>
-            </a:r>
-            <a:r>
-              <a:rPr lang="en-US" sz="2500" dirty="0">
-                <a:solidFill>
-                  <a:schemeClr val="tx1"/>
-                </a:solidFill>
-              </a:rPr>
-              <a:t> Gradient Descent :</a:t>
-            </a:r>
-          </a:p>
-          <a:p>
-            <a:endParaRPr lang="en-US" sz="2500" dirty="0">
-              <a:solidFill>
-                <a:schemeClr val="tx1"/>
-              </a:solidFill>
-            </a:endParaRPr>
+            <a:pPr marL="201168" lvl="1" indent="0">
+              <a:buNone/>
+            </a:pPr>
+            <a:r>
+              <a:rPr lang="en-US" sz="2500" dirty="0"/>
+              <a:t>Feature Normalize</a:t>
+            </a:r>
+          </a:p>
+          <a:p>
+            <a:pPr lvl="1"/>
+            <a:endParaRPr lang="en-US" sz="2500" dirty="0"/>
+          </a:p>
+          <a:p>
+            <a:pPr marL="201168" lvl="1" indent="0">
+              <a:buNone/>
+            </a:pPr>
+            <a:r>
+              <a:rPr lang="en-US" sz="2500" dirty="0"/>
+              <a:t>	Feature Scaling</a:t>
+            </a:r>
+          </a:p>
+          <a:p>
+            <a:endParaRPr lang="en-US" sz="2500" dirty="0"/>
+          </a:p>
+          <a:p>
+            <a:pPr marL="0" indent="0">
+              <a:buNone/>
+            </a:pPr>
+            <a:r>
+              <a:rPr lang="en-US" sz="2500" dirty="0"/>
+              <a:t>   	</a:t>
+            </a:r>
+          </a:p>
+          <a:p>
+            <a:pPr marL="0" indent="0">
+              <a:buNone/>
+            </a:pPr>
+            <a:r>
+              <a:rPr lang="en-US" sz="2500" dirty="0"/>
+              <a:t>	Mean Normalize</a:t>
+            </a:r>
+          </a:p>
+          <a:p>
+            <a:endParaRPr lang="en-US" sz="2500" dirty="0"/>
           </a:p>
         </p:txBody>
       </p:sp>
       <p:pic>
         <p:nvPicPr>
-          <p:cNvPr id="3074" name="Picture 2" descr="Gradient Descent, Python, Kteam, Howkteam">
+          <p:cNvPr id="4" name="Picture 3">
             <a:extLst>
               <a:ext uri="{FF2B5EF4-FFF2-40B4-BE49-F238E27FC236}">
-                <a16:creationId xmlns:a16="http://schemas.microsoft.com/office/drawing/2014/main" id="{486B8A0F-EB58-4A1B-A64E-4B6D08F70CFE}"/>
+                <a16:creationId xmlns:a16="http://schemas.microsoft.com/office/drawing/2014/main" id="{F584D264-AD07-41D6-9FCF-30407B8FB432}"/>
               </a:ext>
             </a:extLst>
           </p:cNvPr>
           <p:cNvPicPr>
-            <a:picLocks noChangeAspect="1" noChangeArrowheads="1"/>
+            <a:picLocks noChangeAspect="1"/>
           </p:cNvPicPr>
           <p:nvPr/>
         </p:nvPicPr>
         <p:blipFill>
-          <a:blip r:embed="rId2">
-            <a:extLst>
-              <a:ext uri="{28A0092B-C50C-407E-A947-70E740481C1C}">
-                <a14:useLocalDpi xmlns:a14="http://schemas.microsoft.com/office/drawing/2010/main" val="0"/>
-              </a:ext>
-            </a:extLst>
-          </a:blip>
-          <a:srcRect/>
+          <a:blip r:embed="rId2"/>
           <a:stretch>
             <a:fillRect/>
           </a:stretch>
         </p:blipFill>
-        <p:spPr bwMode="auto">
-          <a:xfrm>
-            <a:off x="6270357" y="2401981"/>
-            <a:ext cx="4685297" cy="2910866"/>
+        <p:spPr>
+          <a:xfrm>
+            <a:off x="3738948" y="3176802"/>
+            <a:ext cx="3879917" cy="907174"/>
           </a:xfrm>
           <a:prstGeom prst="rect">
             <a:avLst/>
           </a:prstGeom>
-          <a:noFill/>
-          <a:extLst>
-            <a:ext uri="{909E8E84-426E-40DD-AFC4-6F175D3DCCD1}">
-              <a14:hiddenFill xmlns:a14="http://schemas.microsoft.com/office/drawing/2010/main">
-                <a:solidFill>
-                  <a:srgbClr val="FFFFFF"/>
-                </a:solidFill>
-              </a14:hiddenFill>
-            </a:ext>
-          </a:extLst>
         </p:spPr>
       </p:pic>
       <p:pic>
         <p:nvPicPr>
-          <p:cNvPr id="4" name="Picture 3">
+          <p:cNvPr id="5" name="Picture 4">
             <a:extLst>
               <a:ext uri="{FF2B5EF4-FFF2-40B4-BE49-F238E27FC236}">
-                <a16:creationId xmlns:a16="http://schemas.microsoft.com/office/drawing/2014/main" id="{7B1DFCFE-2C7D-4F4C-978C-8AB17A85ADC3}"/>
+                <a16:creationId xmlns:a16="http://schemas.microsoft.com/office/drawing/2014/main" id="{698DB602-FF86-4A01-BFC6-C9CABDB0F287}"/>
               </a:ext>
             </a:extLst>
           </p:cNvPr>
@@ -10294,8 +10659,8 @@
         </p:blipFill>
         <p:spPr>
           <a:xfrm>
-            <a:off x="2084314" y="3575128"/>
-            <a:ext cx="2761489" cy="772281"/>
+            <a:off x="3293475" y="4910745"/>
+            <a:ext cx="4482103" cy="883042"/>
           </a:xfrm>
           <a:prstGeom prst="rect">
             <a:avLst/>
@@ -10305,7 +10670,7 @@
     </p:spTree>
     <p:extLst>
       <p:ext uri="{BB962C8B-B14F-4D97-AF65-F5344CB8AC3E}">
-        <p14:creationId xmlns:p14="http://schemas.microsoft.com/office/powerpoint/2010/main" val="3566541157"/>
+        <p14:creationId xmlns:p14="http://schemas.microsoft.com/office/powerpoint/2010/main" val="1776303523"/>
       </p:ext>
     </p:extLst>
   </p:cSld>
@@ -10383,9 +10748,6 @@
           </a:bodyPr>
           <a:lstStyle/>
           <a:p>
-            <a:pPr marL="0" indent="0">
-              <a:buNone/>
-            </a:pPr>
             <a:endParaRPr lang="en-US" sz="2500" dirty="0">
               <a:solidFill>
                 <a:schemeClr val="tx1"/>
@@ -10393,32 +10755,53 @@
             </a:endParaRPr>
           </a:p>
           <a:p>
-            <a:pPr marL="0" indent="0">
-              <a:buNone/>
-            </a:pPr>
-            <a:r>
-              <a:rPr lang="en-US" sz="2500" dirty="0">
-                <a:solidFill>
-                  <a:schemeClr val="tx1"/>
-                </a:solidFill>
-              </a:rPr>
-              <a:t>Gradient Descent </a:t>
-            </a:r>
-            <a:r>
-              <a:rPr lang="en-US" sz="2500" dirty="0" err="1">
-                <a:solidFill>
-                  <a:schemeClr val="tx1"/>
-                </a:solidFill>
-              </a:rPr>
-              <a:t>cho</a:t>
-            </a:r>
-            <a:r>
-              <a:rPr lang="en-US" sz="2500" dirty="0">
-                <a:solidFill>
-                  <a:schemeClr val="tx1"/>
-                </a:solidFill>
-              </a:rPr>
-              <a:t> Linear regression :</a:t>
+            <a:r>
+              <a:rPr lang="en-US" sz="2500" dirty="0" err="1">
+                <a:solidFill>
+                  <a:schemeClr val="tx1"/>
+                </a:solidFill>
+              </a:rPr>
+              <a:t>Công</a:t>
+            </a:r>
+            <a:r>
+              <a:rPr lang="en-US" sz="2500" dirty="0">
+                <a:solidFill>
+                  <a:schemeClr val="tx1"/>
+                </a:solidFill>
+              </a:rPr>
+              <a:t> </a:t>
+            </a:r>
+            <a:r>
+              <a:rPr lang="en-US" sz="2500" dirty="0" err="1">
+                <a:solidFill>
+                  <a:schemeClr val="tx1"/>
+                </a:solidFill>
+              </a:rPr>
+              <a:t>thức</a:t>
+            </a:r>
+            <a:r>
+              <a:rPr lang="en-US" sz="2500" dirty="0">
+                <a:solidFill>
+                  <a:schemeClr val="tx1"/>
+                </a:solidFill>
+              </a:rPr>
+              <a:t> </a:t>
+            </a:r>
+            <a:r>
+              <a:rPr lang="en-US" sz="2500" dirty="0" err="1">
+                <a:solidFill>
+                  <a:schemeClr val="tx1"/>
+                </a:solidFill>
+              </a:rPr>
+              <a:t>chung</a:t>
+            </a:r>
+            <a:r>
+              <a:rPr lang="en-US" sz="2500" dirty="0">
+                <a:solidFill>
+                  <a:schemeClr val="tx1"/>
+                </a:solidFill>
+              </a:rPr>
+              <a:t> Gradient Descent :</a:t>
             </a:r>
           </a:p>
           <a:p>
@@ -10428,92 +10811,61 @@
               </a:solidFill>
             </a:endParaRPr>
           </a:p>
-          <a:p>
-            <a:endParaRPr lang="en-US" sz="2500" dirty="0">
-              <a:solidFill>
-                <a:schemeClr val="tx1"/>
-              </a:solidFill>
-            </a:endParaRPr>
-          </a:p>
-          <a:p>
-            <a:endParaRPr lang="en-US" sz="2500" dirty="0">
-              <a:solidFill>
-                <a:schemeClr val="tx1"/>
-              </a:solidFill>
-            </a:endParaRPr>
-          </a:p>
-          <a:p>
-            <a:r>
-              <a:rPr lang="en-US" sz="2500" dirty="0" err="1">
-                <a:solidFill>
-                  <a:schemeClr val="tx1"/>
-                </a:solidFill>
-              </a:rPr>
-              <a:t>Rút</a:t>
-            </a:r>
-            <a:r>
-              <a:rPr lang="en-US" sz="2500" dirty="0">
-                <a:solidFill>
-                  <a:schemeClr val="tx1"/>
-                </a:solidFill>
-              </a:rPr>
-              <a:t> </a:t>
-            </a:r>
-            <a:r>
-              <a:rPr lang="en-US" sz="2500" dirty="0" err="1">
-                <a:solidFill>
-                  <a:schemeClr val="tx1"/>
-                </a:solidFill>
-              </a:rPr>
-              <a:t>gọn</a:t>
-            </a:r>
-            <a:r>
-              <a:rPr lang="en-US" sz="2500" dirty="0">
-                <a:solidFill>
-                  <a:schemeClr val="tx1"/>
-                </a:solidFill>
-              </a:rPr>
-              <a:t> thành : </a:t>
-            </a:r>
-          </a:p>
         </p:txBody>
       </p:sp>
       <p:pic>
         <p:nvPicPr>
-          <p:cNvPr id="5" name="Picture 4">
+          <p:cNvPr id="3074" name="Picture 2" descr="Gradient Descent, Python, Kteam, Howkteam">
             <a:extLst>
               <a:ext uri="{FF2B5EF4-FFF2-40B4-BE49-F238E27FC236}">
-                <a16:creationId xmlns:a16="http://schemas.microsoft.com/office/drawing/2014/main" id="{EB29F8C1-8ACA-4389-BFA7-CCC339493BD8}"/>
+                <a16:creationId xmlns:a16="http://schemas.microsoft.com/office/drawing/2014/main" id="{486B8A0F-EB58-4A1B-A64E-4B6D08F70CFE}"/>
               </a:ext>
             </a:extLst>
           </p:cNvPr>
           <p:cNvPicPr>
-            <a:picLocks noChangeAspect="1"/>
+            <a:picLocks noChangeAspect="1" noChangeArrowheads="1"/>
           </p:cNvPicPr>
           <p:nvPr/>
         </p:nvPicPr>
         <p:blipFill>
-          <a:blip r:embed="rId2"/>
+          <a:blip r:embed="rId2">
+            <a:extLst>
+              <a:ext uri="{28A0092B-C50C-407E-A947-70E740481C1C}">
+                <a14:useLocalDpi xmlns:a14="http://schemas.microsoft.com/office/drawing/2010/main" val="0"/>
+              </a:ext>
+            </a:extLst>
+          </a:blip>
+          <a:srcRect/>
           <a:stretch>
             <a:fillRect/>
           </a:stretch>
         </p:blipFill>
-        <p:spPr>
-          <a:xfrm>
-            <a:off x="3914120" y="3107471"/>
-            <a:ext cx="4575505" cy="1015351"/>
+        <p:spPr bwMode="auto">
+          <a:xfrm>
+            <a:off x="6270357" y="2401981"/>
+            <a:ext cx="4685297" cy="2910866"/>
           </a:xfrm>
           <a:prstGeom prst="rect">
             <a:avLst/>
           </a:prstGeom>
+          <a:noFill/>
+          <a:extLst>
+            <a:ext uri="{909E8E84-426E-40DD-AFC4-6F175D3DCCD1}">
+              <a14:hiddenFill xmlns:a14="http://schemas.microsoft.com/office/drawing/2010/main">
+                <a:solidFill>
+                  <a:srgbClr val="FFFFFF"/>
+                </a:solidFill>
+              </a14:hiddenFill>
+            </a:ext>
+          </a:extLst>
         </p:spPr>
       </p:pic>
       <p:pic>
         <p:nvPicPr>
-          <p:cNvPr id="6" name="Picture 5">
+          <p:cNvPr id="4" name="Picture 3">
             <a:extLst>
               <a:ext uri="{FF2B5EF4-FFF2-40B4-BE49-F238E27FC236}">
-                <a16:creationId xmlns:a16="http://schemas.microsoft.com/office/drawing/2014/main" id="{4816B417-FFA2-462B-AA77-B75D96B5C749}"/>
+                <a16:creationId xmlns:a16="http://schemas.microsoft.com/office/drawing/2014/main" id="{7B1DFCFE-2C7D-4F4C-978C-8AB17A85ADC3}"/>
               </a:ext>
             </a:extLst>
           </p:cNvPr>
@@ -10530,8 +10882,8 @@
         </p:blipFill>
         <p:spPr>
           <a:xfrm>
-            <a:off x="4077082" y="5012265"/>
-            <a:ext cx="4412543" cy="803478"/>
+            <a:off x="2084314" y="3575128"/>
+            <a:ext cx="2761489" cy="772281"/>
           </a:xfrm>
           <a:prstGeom prst="rect">
             <a:avLst/>
@@ -10541,7 +10893,7 @@
     </p:spTree>
     <p:extLst>
       <p:ext uri="{BB962C8B-B14F-4D97-AF65-F5344CB8AC3E}">
-        <p14:creationId xmlns:p14="http://schemas.microsoft.com/office/powerpoint/2010/main" val="1198680780"/>
+        <p14:creationId xmlns:p14="http://schemas.microsoft.com/office/powerpoint/2010/main" val="3566541157"/>
       </p:ext>
     </p:extLst>
   </p:cSld>
@@ -10596,106 +10948,188 @@
           </a:p>
         </p:txBody>
       </p:sp>
+      <p:sp>
+        <p:nvSpPr>
+          <p:cNvPr id="3" name="Content Placeholder 2">
+            <a:extLst>
+              <a:ext uri="{FF2B5EF4-FFF2-40B4-BE49-F238E27FC236}">
+                <a16:creationId xmlns:a16="http://schemas.microsoft.com/office/drawing/2014/main" id="{32120504-5FDE-42E8-B8FE-88FF671354F9}"/>
+              </a:ext>
+            </a:extLst>
+          </p:cNvPr>
+          <p:cNvSpPr>
+            <a:spLocks noGrp="1"/>
+          </p:cNvSpPr>
+          <p:nvPr>
+            <p:ph idx="1"/>
+          </p:nvPr>
+        </p:nvSpPr>
+        <p:spPr/>
+        <p:txBody>
+          <a:bodyPr>
+            <a:normAutofit/>
+          </a:bodyPr>
+          <a:lstStyle/>
+          <a:p>
+            <a:pPr marL="0" indent="0">
+              <a:buNone/>
+            </a:pPr>
+            <a:endParaRPr lang="en-US" sz="2500" dirty="0">
+              <a:solidFill>
+                <a:schemeClr val="tx1"/>
+              </a:solidFill>
+            </a:endParaRPr>
+          </a:p>
+          <a:p>
+            <a:pPr marL="0" indent="0">
+              <a:buNone/>
+            </a:pPr>
+            <a:r>
+              <a:rPr lang="en-US" sz="2500" dirty="0">
+                <a:solidFill>
+                  <a:schemeClr val="tx1"/>
+                </a:solidFill>
+              </a:rPr>
+              <a:t>Gradient Descent </a:t>
+            </a:r>
+            <a:r>
+              <a:rPr lang="en-US" sz="2500" dirty="0" err="1">
+                <a:solidFill>
+                  <a:schemeClr val="tx1"/>
+                </a:solidFill>
+              </a:rPr>
+              <a:t>cho</a:t>
+            </a:r>
+            <a:r>
+              <a:rPr lang="en-US" sz="2500" dirty="0">
+                <a:solidFill>
+                  <a:schemeClr val="tx1"/>
+                </a:solidFill>
+              </a:rPr>
+              <a:t> Linear regression :</a:t>
+            </a:r>
+          </a:p>
+          <a:p>
+            <a:endParaRPr lang="en-US" sz="2500" dirty="0">
+              <a:solidFill>
+                <a:schemeClr val="tx1"/>
+              </a:solidFill>
+            </a:endParaRPr>
+          </a:p>
+          <a:p>
+            <a:endParaRPr lang="en-US" sz="2500" dirty="0">
+              <a:solidFill>
+                <a:schemeClr val="tx1"/>
+              </a:solidFill>
+            </a:endParaRPr>
+          </a:p>
+          <a:p>
+            <a:endParaRPr lang="en-US" sz="2500" dirty="0">
+              <a:solidFill>
+                <a:schemeClr val="tx1"/>
+              </a:solidFill>
+            </a:endParaRPr>
+          </a:p>
+          <a:p>
+            <a:r>
+              <a:rPr lang="en-US" sz="2500" dirty="0" err="1">
+                <a:solidFill>
+                  <a:schemeClr val="tx1"/>
+                </a:solidFill>
+              </a:rPr>
+              <a:t>Rút</a:t>
+            </a:r>
+            <a:r>
+              <a:rPr lang="en-US" sz="2500" dirty="0">
+                <a:solidFill>
+                  <a:schemeClr val="tx1"/>
+                </a:solidFill>
+              </a:rPr>
+              <a:t> </a:t>
+            </a:r>
+            <a:r>
+              <a:rPr lang="en-US" sz="2500" dirty="0" err="1">
+                <a:solidFill>
+                  <a:schemeClr val="tx1"/>
+                </a:solidFill>
+              </a:rPr>
+              <a:t>gọn</a:t>
+            </a:r>
+            <a:r>
+              <a:rPr lang="en-US" sz="2500" dirty="0">
+                <a:solidFill>
+                  <a:schemeClr val="tx1"/>
+                </a:solidFill>
+              </a:rPr>
+              <a:t> thành : </a:t>
+            </a:r>
+          </a:p>
+        </p:txBody>
+      </p:sp>
       <p:pic>
         <p:nvPicPr>
-          <p:cNvPr id="5122" name="Picture 2" descr="Gradient Descent, Python, Kteam, Howkteam">
+          <p:cNvPr id="5" name="Picture 4">
             <a:extLst>
               <a:ext uri="{FF2B5EF4-FFF2-40B4-BE49-F238E27FC236}">
-                <a16:creationId xmlns:a16="http://schemas.microsoft.com/office/drawing/2014/main" id="{82A61D38-49B1-4573-B8E2-187ABC76B8D1}"/>
+                <a16:creationId xmlns:a16="http://schemas.microsoft.com/office/drawing/2014/main" id="{EB29F8C1-8ACA-4389-BFA7-CCC339493BD8}"/>
               </a:ext>
             </a:extLst>
           </p:cNvPr>
           <p:cNvPicPr>
-            <a:picLocks noChangeAspect="1" noChangeArrowheads="1"/>
+            <a:picLocks noChangeAspect="1"/>
           </p:cNvPicPr>
           <p:nvPr/>
         </p:nvPicPr>
         <p:blipFill>
-          <a:blip r:embed="rId2">
-            <a:extLst>
-              <a:ext uri="{28A0092B-C50C-407E-A947-70E740481C1C}">
-                <a14:useLocalDpi xmlns:a14="http://schemas.microsoft.com/office/drawing/2010/main" val="0"/>
-              </a:ext>
-            </a:extLst>
-          </a:blip>
-          <a:srcRect/>
+          <a:blip r:embed="rId2"/>
           <a:stretch>
             <a:fillRect/>
           </a:stretch>
         </p:blipFill>
-        <p:spPr bwMode="auto">
-          <a:xfrm>
-            <a:off x="1296585" y="2757927"/>
-            <a:ext cx="3131035" cy="2791183"/>
+        <p:spPr>
+          <a:xfrm>
+            <a:off x="3914120" y="3107471"/>
+            <a:ext cx="4575505" cy="1015351"/>
           </a:xfrm>
           <a:prstGeom prst="rect">
             <a:avLst/>
           </a:prstGeom>
-          <a:noFill/>
-          <a:extLst>
-            <a:ext uri="{909E8E84-426E-40DD-AFC4-6F175D3DCCD1}">
-              <a14:hiddenFill xmlns:a14="http://schemas.microsoft.com/office/drawing/2010/main">
-                <a:solidFill>
-                  <a:srgbClr val="FFFFFF"/>
-                </a:solidFill>
-              </a14:hiddenFill>
-            </a:ext>
-          </a:extLst>
         </p:spPr>
       </p:pic>
       <p:pic>
         <p:nvPicPr>
-          <p:cNvPr id="5124" name="Picture 4" descr="Gradient Descent, Python, Kteam, Howkteam">
+          <p:cNvPr id="6" name="Picture 5">
             <a:extLst>
               <a:ext uri="{FF2B5EF4-FFF2-40B4-BE49-F238E27FC236}">
-                <a16:creationId xmlns:a16="http://schemas.microsoft.com/office/drawing/2014/main" id="{0A33A76A-20DF-4E31-9BEE-E3075D034E00}"/>
+                <a16:creationId xmlns:a16="http://schemas.microsoft.com/office/drawing/2014/main" id="{4816B417-FFA2-462B-AA77-B75D96B5C749}"/>
               </a:ext>
             </a:extLst>
           </p:cNvPr>
           <p:cNvPicPr>
-            <a:picLocks noGrp="1" noChangeAspect="1" noChangeArrowheads="1"/>
+            <a:picLocks noChangeAspect="1"/>
           </p:cNvPicPr>
-          <p:nvPr>
-            <p:ph idx="1"/>
-          </p:nvPr>
+          <p:nvPr/>
         </p:nvPicPr>
         <p:blipFill>
-          <a:blip r:embed="rId3">
-            <a:extLst>
-              <a:ext uri="{28A0092B-C50C-407E-A947-70E740481C1C}">
-                <a14:useLocalDpi xmlns:a14="http://schemas.microsoft.com/office/drawing/2010/main" val="0"/>
-              </a:ext>
-            </a:extLst>
-          </a:blip>
-          <a:srcRect/>
+          <a:blip r:embed="rId3"/>
           <a:stretch>
             <a:fillRect/>
           </a:stretch>
         </p:blipFill>
-        <p:spPr bwMode="auto">
-          <a:xfrm>
-            <a:off x="5596797" y="2974519"/>
-            <a:ext cx="5049016" cy="2357998"/>
+        <p:spPr>
+          <a:xfrm>
+            <a:off x="4077082" y="5012265"/>
+            <a:ext cx="4412543" cy="803478"/>
           </a:xfrm>
           <a:prstGeom prst="rect">
             <a:avLst/>
           </a:prstGeom>
-          <a:noFill/>
-          <a:extLst>
-            <a:ext uri="{909E8E84-426E-40DD-AFC4-6F175D3DCCD1}">
-              <a14:hiddenFill xmlns:a14="http://schemas.microsoft.com/office/drawing/2010/main">
-                <a:solidFill>
-                  <a:srgbClr val="FFFFFF"/>
-                </a:solidFill>
-              </a14:hiddenFill>
-            </a:ext>
-          </a:extLst>
         </p:spPr>
       </p:pic>
     </p:spTree>
     <p:extLst>
       <p:ext uri="{BB962C8B-B14F-4D97-AF65-F5344CB8AC3E}">
-        <p14:creationId xmlns:p14="http://schemas.microsoft.com/office/powerpoint/2010/main" val="3160007541"/>
+        <p14:creationId xmlns:p14="http://schemas.microsoft.com/office/powerpoint/2010/main" val="1198680780"/>
       </p:ext>
     </p:extLst>
   </p:cSld>
@@ -10727,7 +11161,7 @@
           <p:cNvPr id="2" name="Title 1">
             <a:extLst>
               <a:ext uri="{FF2B5EF4-FFF2-40B4-BE49-F238E27FC236}">
-                <a16:creationId xmlns:a16="http://schemas.microsoft.com/office/drawing/2014/main" id="{5AAF94DC-1A35-4CD2-ABCD-FE44A61CE510}"/>
+                <a16:creationId xmlns:a16="http://schemas.microsoft.com/office/drawing/2014/main" id="{64E3F94A-03D4-4A8E-81A5-F89A2CA810DD}"/>
               </a:ext>
             </a:extLst>
           </p:cNvPr>
@@ -10738,273 +11172,24 @@
             <p:ph type="title"/>
           </p:nvPr>
         </p:nvSpPr>
-        <p:spPr>
-          <a:xfrm>
-            <a:off x="1097279" y="1064133"/>
-            <a:ext cx="8373979" cy="673227"/>
-          </a:xfrm>
-        </p:spPr>
-        <p:txBody>
-          <a:bodyPr>
-            <a:normAutofit fontScale="90000"/>
-          </a:bodyPr>
+        <p:spPr/>
+        <p:txBody>
+          <a:bodyPr/>
           <a:lstStyle/>
           <a:p>
             <a:r>
               <a:rPr lang="en-US" dirty="0"/>
-              <a:t>K-nearest neighbors</a:t>
-            </a:r>
-          </a:p>
-        </p:txBody>
-      </p:sp>
-      <p:sp>
-        <p:nvSpPr>
-          <p:cNvPr id="3" name="Content Placeholder 2">
-            <a:extLst>
-              <a:ext uri="{FF2B5EF4-FFF2-40B4-BE49-F238E27FC236}">
-                <a16:creationId xmlns:a16="http://schemas.microsoft.com/office/drawing/2014/main" id="{8EBEFE76-EFDD-438F-9FAC-BC2268188C13}"/>
-              </a:ext>
-            </a:extLst>
-          </p:cNvPr>
-          <p:cNvSpPr>
-            <a:spLocks noGrp="1"/>
-          </p:cNvSpPr>
-          <p:nvPr>
-            <p:ph idx="1"/>
-          </p:nvPr>
-        </p:nvSpPr>
-        <p:spPr/>
-        <p:txBody>
-          <a:bodyPr>
-            <a:normAutofit/>
-          </a:bodyPr>
-          <a:lstStyle/>
-          <a:p>
-            <a:endParaRPr lang="en-US" sz="2500" dirty="0">
-              <a:solidFill>
-                <a:schemeClr val="tx1"/>
-              </a:solidFill>
-              <a:latin typeface="Calibri (Body)"/>
-            </a:endParaRPr>
-          </a:p>
-          <a:p>
-            <a:r>
-              <a:rPr lang="en-US" sz="2500" dirty="0" err="1">
-                <a:solidFill>
-                  <a:schemeClr val="tx1"/>
-                </a:solidFill>
-                <a:latin typeface="Calibri (Body)"/>
-              </a:rPr>
-              <a:t>Là</a:t>
-            </a:r>
-            <a:r>
-              <a:rPr lang="en-US" sz="2500" dirty="0">
-                <a:solidFill>
-                  <a:schemeClr val="tx1"/>
-                </a:solidFill>
-                <a:latin typeface="Calibri (Body)"/>
-              </a:rPr>
-              <a:t> </a:t>
-            </a:r>
-            <a:r>
-              <a:rPr lang="en-US" sz="2500" dirty="0" err="1">
-                <a:solidFill>
-                  <a:schemeClr val="tx1"/>
-                </a:solidFill>
-                <a:latin typeface="Calibri (Body)"/>
-              </a:rPr>
-              <a:t>thuật</a:t>
-            </a:r>
-            <a:r>
-              <a:rPr lang="en-US" sz="2500" dirty="0">
-                <a:solidFill>
-                  <a:schemeClr val="tx1"/>
-                </a:solidFill>
-                <a:latin typeface="Calibri (Body)"/>
-              </a:rPr>
-              <a:t> </a:t>
-            </a:r>
-            <a:r>
-              <a:rPr lang="en-US" sz="2500" dirty="0" err="1">
-                <a:solidFill>
-                  <a:schemeClr val="tx1"/>
-                </a:solidFill>
-                <a:latin typeface="Calibri (Body)"/>
-              </a:rPr>
-              <a:t>toán</a:t>
-            </a:r>
-            <a:r>
-              <a:rPr lang="en-US" sz="2500" dirty="0">
-                <a:solidFill>
-                  <a:schemeClr val="tx1"/>
-                </a:solidFill>
-                <a:latin typeface="Calibri (Body)"/>
-              </a:rPr>
-              <a:t> </a:t>
-            </a:r>
-            <a:r>
-              <a:rPr lang="vi-VN" sz="2500" dirty="0">
-                <a:solidFill>
-                  <a:schemeClr val="tx1"/>
-                </a:solidFill>
-                <a:latin typeface="Calibri (Body)"/>
-              </a:rPr>
-              <a:t>supervised-learning đơn giản</a:t>
-            </a:r>
-            <a:r>
-              <a:rPr lang="en-US" sz="2500" dirty="0">
-                <a:solidFill>
-                  <a:schemeClr val="tx1"/>
-                </a:solidFill>
-                <a:latin typeface="Calibri (Body)"/>
-              </a:rPr>
-              <a:t>  .</a:t>
-            </a:r>
-          </a:p>
-          <a:p>
-            <a:r>
-              <a:rPr lang="en-US" sz="2500" dirty="0" err="1">
-                <a:solidFill>
-                  <a:schemeClr val="tx1"/>
-                </a:solidFill>
-                <a:latin typeface="Calibri (Body)"/>
-              </a:rPr>
-              <a:t>Áp</a:t>
-            </a:r>
-            <a:r>
-              <a:rPr lang="en-US" sz="2500" dirty="0">
-                <a:solidFill>
-                  <a:schemeClr val="tx1"/>
-                </a:solidFill>
-                <a:latin typeface="Calibri (Body)"/>
-              </a:rPr>
-              <a:t> </a:t>
-            </a:r>
-            <a:r>
-              <a:rPr lang="en-US" sz="2500" dirty="0" err="1">
-                <a:solidFill>
-                  <a:schemeClr val="tx1"/>
-                </a:solidFill>
-                <a:latin typeface="Calibri (Body)"/>
-              </a:rPr>
-              <a:t>dụng</a:t>
-            </a:r>
-            <a:r>
-              <a:rPr lang="en-US" sz="2500" dirty="0">
-                <a:solidFill>
-                  <a:schemeClr val="tx1"/>
-                </a:solidFill>
-                <a:latin typeface="Calibri (Body)"/>
-              </a:rPr>
-              <a:t> </a:t>
-            </a:r>
-            <a:r>
-              <a:rPr lang="en-US" sz="2500" dirty="0" err="1">
-                <a:solidFill>
-                  <a:schemeClr val="tx1"/>
-                </a:solidFill>
-                <a:latin typeface="Calibri (Body)"/>
-              </a:rPr>
-              <a:t>được</a:t>
-            </a:r>
-            <a:r>
-              <a:rPr lang="en-US" sz="2500" dirty="0">
-                <a:solidFill>
-                  <a:schemeClr val="tx1"/>
-                </a:solidFill>
-                <a:latin typeface="Calibri (Body)"/>
-              </a:rPr>
-              <a:t> </a:t>
-            </a:r>
-            <a:r>
-              <a:rPr lang="en-US" sz="2500" dirty="0" err="1">
-                <a:solidFill>
-                  <a:schemeClr val="tx1"/>
-                </a:solidFill>
-                <a:latin typeface="Calibri (Body)"/>
-              </a:rPr>
-              <a:t>trong</a:t>
-            </a:r>
-            <a:r>
-              <a:rPr lang="en-US" sz="2500" dirty="0">
-                <a:solidFill>
-                  <a:schemeClr val="tx1"/>
-                </a:solidFill>
-                <a:latin typeface="Calibri (Body)"/>
-              </a:rPr>
-              <a:t> </a:t>
-            </a:r>
-            <a:r>
-              <a:rPr lang="en-US" sz="2500" dirty="0" err="1">
-                <a:solidFill>
-                  <a:schemeClr val="tx1"/>
-                </a:solidFill>
-                <a:latin typeface="Calibri (Body)"/>
-              </a:rPr>
-              <a:t>cả</a:t>
-            </a:r>
-            <a:r>
-              <a:rPr lang="en-US" sz="2500" dirty="0">
-                <a:solidFill>
-                  <a:schemeClr val="tx1"/>
-                </a:solidFill>
-                <a:latin typeface="Calibri (Body)"/>
-              </a:rPr>
-              <a:t> 2 </a:t>
-            </a:r>
-            <a:r>
-              <a:rPr lang="en-US" sz="2500" dirty="0" err="1">
-                <a:solidFill>
-                  <a:schemeClr val="tx1"/>
-                </a:solidFill>
-                <a:latin typeface="Calibri (Body)"/>
-              </a:rPr>
-              <a:t>bài</a:t>
-            </a:r>
-            <a:r>
-              <a:rPr lang="en-US" sz="2500" dirty="0">
-                <a:solidFill>
-                  <a:schemeClr val="tx1"/>
-                </a:solidFill>
-                <a:latin typeface="Calibri (Body)"/>
-              </a:rPr>
-              <a:t> </a:t>
-            </a:r>
-            <a:r>
-              <a:rPr lang="en-US" sz="2500" dirty="0" err="1">
-                <a:solidFill>
-                  <a:schemeClr val="tx1"/>
-                </a:solidFill>
-                <a:latin typeface="Calibri (Body)"/>
-              </a:rPr>
-              <a:t>toán</a:t>
-            </a:r>
-            <a:endParaRPr lang="en-US" sz="2500" dirty="0">
-              <a:solidFill>
-                <a:schemeClr val="tx1"/>
-              </a:solidFill>
-              <a:latin typeface="Calibri (Body)"/>
-            </a:endParaRPr>
-          </a:p>
-          <a:p>
-            <a:r>
-              <a:rPr lang="en-US" sz="2500" dirty="0">
-                <a:solidFill>
-                  <a:schemeClr val="tx1"/>
-                </a:solidFill>
-                <a:latin typeface="Calibri (Body)"/>
-              </a:rPr>
-              <a:t>Classification và Regression .</a:t>
+              <a:t>Gradient for Linear regression </a:t>
             </a:r>
           </a:p>
         </p:txBody>
       </p:sp>
       <p:pic>
         <p:nvPicPr>
-          <p:cNvPr id="1026" name="Picture 2" descr="K Nearest Neighbor | KNN Algorithm | KNN in Python &amp;amp; R">
+          <p:cNvPr id="5122" name="Picture 2" descr="Gradient Descent, Python, Kteam, Howkteam">
             <a:extLst>
               <a:ext uri="{FF2B5EF4-FFF2-40B4-BE49-F238E27FC236}">
-                <a16:creationId xmlns:a16="http://schemas.microsoft.com/office/drawing/2014/main" id="{06FBC902-4F81-4E1F-AF8B-F5702992746A}"/>
+                <a16:creationId xmlns:a16="http://schemas.microsoft.com/office/drawing/2014/main" id="{82A61D38-49B1-4573-B8E2-187ABC76B8D1}"/>
               </a:ext>
             </a:extLst>
           </p:cNvPr>
@@ -11028,8 +11213,8 @@
         </p:blipFill>
         <p:spPr bwMode="auto">
           <a:xfrm>
-            <a:off x="7246085" y="2256553"/>
-            <a:ext cx="3524584" cy="3182735"/>
+            <a:off x="1296585" y="2757927"/>
+            <a:ext cx="3131035" cy="2791183"/>
           </a:xfrm>
           <a:prstGeom prst="rect">
             <a:avLst/>
@@ -11046,10 +11231,59 @@
           </a:extLst>
         </p:spPr>
       </p:pic>
+      <p:pic>
+        <p:nvPicPr>
+          <p:cNvPr id="5124" name="Picture 4" descr="Gradient Descent, Python, Kteam, Howkteam">
+            <a:extLst>
+              <a:ext uri="{FF2B5EF4-FFF2-40B4-BE49-F238E27FC236}">
+                <a16:creationId xmlns:a16="http://schemas.microsoft.com/office/drawing/2014/main" id="{0A33A76A-20DF-4E31-9BEE-E3075D034E00}"/>
+              </a:ext>
+            </a:extLst>
+          </p:cNvPr>
+          <p:cNvPicPr>
+            <a:picLocks noGrp="1" noChangeAspect="1" noChangeArrowheads="1"/>
+          </p:cNvPicPr>
+          <p:nvPr>
+            <p:ph idx="1"/>
+          </p:nvPr>
+        </p:nvPicPr>
+        <p:blipFill>
+          <a:blip r:embed="rId3">
+            <a:extLst>
+              <a:ext uri="{28A0092B-C50C-407E-A947-70E740481C1C}">
+                <a14:useLocalDpi xmlns:a14="http://schemas.microsoft.com/office/drawing/2010/main" val="0"/>
+              </a:ext>
+            </a:extLst>
+          </a:blip>
+          <a:srcRect/>
+          <a:stretch>
+            <a:fillRect/>
+          </a:stretch>
+        </p:blipFill>
+        <p:spPr bwMode="auto">
+          <a:xfrm>
+            <a:off x="5596797" y="2974519"/>
+            <a:ext cx="5049016" cy="2357998"/>
+          </a:xfrm>
+          <a:prstGeom prst="rect">
+            <a:avLst/>
+          </a:prstGeom>
+          <a:noFill/>
+          <a:extLst>
+            <a:ext uri="{909E8E84-426E-40DD-AFC4-6F175D3DCCD1}">
+              <a14:hiddenFill xmlns:a14="http://schemas.microsoft.com/office/drawing/2010/main">
+                <a:solidFill>
+                  <a:srgbClr val="FFFFFF"/>
+                </a:solidFill>
+              </a14:hiddenFill>
+            </a:ext>
+          </a:extLst>
+        </p:spPr>
+      </p:pic>
     </p:spTree>
     <p:extLst>
       <p:ext uri="{BB962C8B-B14F-4D97-AF65-F5344CB8AC3E}">
-        <p14:creationId xmlns:p14="http://schemas.microsoft.com/office/powerpoint/2010/main" val="829396020"/>
+        <p14:creationId xmlns:p14="http://schemas.microsoft.com/office/powerpoint/2010/main" val="3160007541"/>
       </p:ext>
     </p:extLst>
   </p:cSld>
@@ -11081,7 +11315,7 @@
           <p:cNvPr id="2" name="Title 1">
             <a:extLst>
               <a:ext uri="{FF2B5EF4-FFF2-40B4-BE49-F238E27FC236}">
-                <a16:creationId xmlns:a16="http://schemas.microsoft.com/office/drawing/2014/main" id="{44D779CD-EE8F-41D1-86DF-D763757D1713}"/>
+                <a16:creationId xmlns:a16="http://schemas.microsoft.com/office/drawing/2014/main" id="{5AAF94DC-1A35-4CD2-ABCD-FE44A61CE510}"/>
               </a:ext>
             </a:extLst>
           </p:cNvPr>
@@ -11092,9 +11326,16 @@
             <p:ph type="title"/>
           </p:nvPr>
         </p:nvSpPr>
-        <p:spPr/>
-        <p:txBody>
-          <a:bodyPr/>
+        <p:spPr>
+          <a:xfrm>
+            <a:off x="1097279" y="1064133"/>
+            <a:ext cx="8373979" cy="673227"/>
+          </a:xfrm>
+        </p:spPr>
+        <p:txBody>
+          <a:bodyPr>
+            <a:normAutofit fontScale="90000"/>
+          </a:bodyPr>
           <a:lstStyle/>
           <a:p>
             <a:r>
@@ -11104,42 +11345,299 @@
           </a:p>
         </p:txBody>
       </p:sp>
+      <p:sp>
+        <p:nvSpPr>
+          <p:cNvPr id="3" name="Content Placeholder 2">
+            <a:extLst>
+              <a:ext uri="{FF2B5EF4-FFF2-40B4-BE49-F238E27FC236}">
+                <a16:creationId xmlns:a16="http://schemas.microsoft.com/office/drawing/2014/main" id="{8EBEFE76-EFDD-438F-9FAC-BC2268188C13}"/>
+              </a:ext>
+            </a:extLst>
+          </p:cNvPr>
+          <p:cNvSpPr>
+            <a:spLocks noGrp="1"/>
+          </p:cNvSpPr>
+          <p:nvPr>
+            <p:ph idx="1"/>
+          </p:nvPr>
+        </p:nvSpPr>
+        <p:spPr/>
+        <p:txBody>
+          <a:bodyPr>
+            <a:normAutofit/>
+          </a:bodyPr>
+          <a:lstStyle/>
+          <a:p>
+            <a:endParaRPr lang="en-US" sz="2500" dirty="0">
+              <a:solidFill>
+                <a:schemeClr val="tx1"/>
+              </a:solidFill>
+              <a:latin typeface="Calibri (Body)"/>
+            </a:endParaRPr>
+          </a:p>
+          <a:p>
+            <a:r>
+              <a:rPr lang="en-US" sz="2500" dirty="0" err="1">
+                <a:solidFill>
+                  <a:schemeClr val="tx1"/>
+                </a:solidFill>
+                <a:latin typeface="Calibri (Body)"/>
+              </a:rPr>
+              <a:t>Là</a:t>
+            </a:r>
+            <a:r>
+              <a:rPr lang="en-US" sz="2500" dirty="0">
+                <a:solidFill>
+                  <a:schemeClr val="tx1"/>
+                </a:solidFill>
+                <a:latin typeface="Calibri (Body)"/>
+              </a:rPr>
+              <a:t> </a:t>
+            </a:r>
+            <a:r>
+              <a:rPr lang="en-US" sz="2500" dirty="0" err="1">
+                <a:solidFill>
+                  <a:schemeClr val="tx1"/>
+                </a:solidFill>
+                <a:latin typeface="Calibri (Body)"/>
+              </a:rPr>
+              <a:t>thuật</a:t>
+            </a:r>
+            <a:r>
+              <a:rPr lang="en-US" sz="2500" dirty="0">
+                <a:solidFill>
+                  <a:schemeClr val="tx1"/>
+                </a:solidFill>
+                <a:latin typeface="Calibri (Body)"/>
+              </a:rPr>
+              <a:t> </a:t>
+            </a:r>
+            <a:r>
+              <a:rPr lang="en-US" sz="2500" dirty="0" err="1">
+                <a:solidFill>
+                  <a:schemeClr val="tx1"/>
+                </a:solidFill>
+                <a:latin typeface="Calibri (Body)"/>
+              </a:rPr>
+              <a:t>toán</a:t>
+            </a:r>
+            <a:r>
+              <a:rPr lang="en-US" sz="2500" dirty="0">
+                <a:solidFill>
+                  <a:schemeClr val="tx1"/>
+                </a:solidFill>
+                <a:latin typeface="Calibri (Body)"/>
+              </a:rPr>
+              <a:t> </a:t>
+            </a:r>
+            <a:r>
+              <a:rPr lang="vi-VN" sz="2500" dirty="0">
+                <a:solidFill>
+                  <a:schemeClr val="tx1"/>
+                </a:solidFill>
+                <a:latin typeface="Calibri (Body)"/>
+              </a:rPr>
+              <a:t>supervised-learning đơn giản</a:t>
+            </a:r>
+            <a:r>
+              <a:rPr lang="en-US" sz="2500" dirty="0">
+                <a:solidFill>
+                  <a:schemeClr val="tx1"/>
+                </a:solidFill>
+                <a:latin typeface="Calibri (Body)"/>
+              </a:rPr>
+              <a:t>  .</a:t>
+            </a:r>
+          </a:p>
+          <a:p>
+            <a:r>
+              <a:rPr lang="en-US" sz="2500" dirty="0" err="1">
+                <a:solidFill>
+                  <a:schemeClr val="tx1"/>
+                </a:solidFill>
+                <a:latin typeface="Calibri (Body)"/>
+              </a:rPr>
+              <a:t>Áp</a:t>
+            </a:r>
+            <a:r>
+              <a:rPr lang="en-US" sz="2500" dirty="0">
+                <a:solidFill>
+                  <a:schemeClr val="tx1"/>
+                </a:solidFill>
+                <a:latin typeface="Calibri (Body)"/>
+              </a:rPr>
+              <a:t> </a:t>
+            </a:r>
+            <a:r>
+              <a:rPr lang="en-US" sz="2500" dirty="0" err="1">
+                <a:solidFill>
+                  <a:schemeClr val="tx1"/>
+                </a:solidFill>
+                <a:latin typeface="Calibri (Body)"/>
+              </a:rPr>
+              <a:t>dụng</a:t>
+            </a:r>
+            <a:r>
+              <a:rPr lang="en-US" sz="2500" dirty="0">
+                <a:solidFill>
+                  <a:schemeClr val="tx1"/>
+                </a:solidFill>
+                <a:latin typeface="Calibri (Body)"/>
+              </a:rPr>
+              <a:t> </a:t>
+            </a:r>
+            <a:r>
+              <a:rPr lang="en-US" sz="2500" dirty="0" err="1">
+                <a:solidFill>
+                  <a:schemeClr val="tx1"/>
+                </a:solidFill>
+                <a:latin typeface="Calibri (Body)"/>
+              </a:rPr>
+              <a:t>được</a:t>
+            </a:r>
+            <a:r>
+              <a:rPr lang="en-US" sz="2500" dirty="0">
+                <a:solidFill>
+                  <a:schemeClr val="tx1"/>
+                </a:solidFill>
+                <a:latin typeface="Calibri (Body)"/>
+              </a:rPr>
+              <a:t> </a:t>
+            </a:r>
+            <a:r>
+              <a:rPr lang="en-US" sz="2500" dirty="0" err="1">
+                <a:solidFill>
+                  <a:schemeClr val="tx1"/>
+                </a:solidFill>
+                <a:latin typeface="Calibri (Body)"/>
+              </a:rPr>
+              <a:t>trong</a:t>
+            </a:r>
+            <a:r>
+              <a:rPr lang="en-US" sz="2500" dirty="0">
+                <a:solidFill>
+                  <a:schemeClr val="tx1"/>
+                </a:solidFill>
+                <a:latin typeface="Calibri (Body)"/>
+              </a:rPr>
+              <a:t> </a:t>
+            </a:r>
+            <a:r>
+              <a:rPr lang="en-US" sz="2500" dirty="0" err="1">
+                <a:solidFill>
+                  <a:schemeClr val="tx1"/>
+                </a:solidFill>
+                <a:latin typeface="Calibri (Body)"/>
+              </a:rPr>
+              <a:t>cả</a:t>
+            </a:r>
+            <a:r>
+              <a:rPr lang="en-US" sz="2500" dirty="0">
+                <a:solidFill>
+                  <a:schemeClr val="tx1"/>
+                </a:solidFill>
+                <a:latin typeface="Calibri (Body)"/>
+              </a:rPr>
+              <a:t> 2 </a:t>
+            </a:r>
+            <a:r>
+              <a:rPr lang="en-US" sz="2500" dirty="0" err="1">
+                <a:solidFill>
+                  <a:schemeClr val="tx1"/>
+                </a:solidFill>
+                <a:latin typeface="Calibri (Body)"/>
+              </a:rPr>
+              <a:t>bài</a:t>
+            </a:r>
+            <a:r>
+              <a:rPr lang="en-US" sz="2500" dirty="0">
+                <a:solidFill>
+                  <a:schemeClr val="tx1"/>
+                </a:solidFill>
+                <a:latin typeface="Calibri (Body)"/>
+              </a:rPr>
+              <a:t> </a:t>
+            </a:r>
+            <a:r>
+              <a:rPr lang="en-US" sz="2500" dirty="0" err="1">
+                <a:solidFill>
+                  <a:schemeClr val="tx1"/>
+                </a:solidFill>
+                <a:latin typeface="Calibri (Body)"/>
+              </a:rPr>
+              <a:t>toán</a:t>
+            </a:r>
+            <a:endParaRPr lang="en-US" sz="2500" dirty="0">
+              <a:solidFill>
+                <a:schemeClr val="tx1"/>
+              </a:solidFill>
+              <a:latin typeface="Calibri (Body)"/>
+            </a:endParaRPr>
+          </a:p>
+          <a:p>
+            <a:r>
+              <a:rPr lang="en-US" sz="2500" dirty="0">
+                <a:solidFill>
+                  <a:schemeClr val="tx1"/>
+                </a:solidFill>
+                <a:latin typeface="Calibri (Body)"/>
+              </a:rPr>
+              <a:t>Classification và Regression .</a:t>
+            </a:r>
+          </a:p>
+        </p:txBody>
+      </p:sp>
       <p:pic>
         <p:nvPicPr>
-          <p:cNvPr id="4" name="Content Placeholder 3">
+          <p:cNvPr id="1026" name="Picture 2" descr="K Nearest Neighbor | KNN Algorithm | KNN in Python &amp;amp; R">
             <a:extLst>
               <a:ext uri="{FF2B5EF4-FFF2-40B4-BE49-F238E27FC236}">
-                <a16:creationId xmlns:a16="http://schemas.microsoft.com/office/drawing/2014/main" id="{DDC3F957-0A42-44FE-B334-48A8F6784E1D}"/>
+                <a16:creationId xmlns:a16="http://schemas.microsoft.com/office/drawing/2014/main" id="{06FBC902-4F81-4E1F-AF8B-F5702992746A}"/>
               </a:ext>
             </a:extLst>
           </p:cNvPr>
           <p:cNvPicPr>
-            <a:picLocks noGrp="1" noChangeAspect="1"/>
+            <a:picLocks noChangeAspect="1" noChangeArrowheads="1"/>
           </p:cNvPicPr>
-          <p:nvPr>
-            <p:ph idx="1"/>
-          </p:nvPr>
+          <p:nvPr/>
         </p:nvPicPr>
         <p:blipFill>
-          <a:blip r:embed="rId2"/>
+          <a:blip r:embed="rId2">
+            <a:extLst>
+              <a:ext uri="{28A0092B-C50C-407E-A947-70E740481C1C}">
+                <a14:useLocalDpi xmlns:a14="http://schemas.microsoft.com/office/drawing/2010/main" val="0"/>
+              </a:ext>
+            </a:extLst>
+          </a:blip>
+          <a:srcRect/>
           <a:stretch>
             <a:fillRect/>
           </a:stretch>
         </p:blipFill>
-        <p:spPr>
-          <a:xfrm>
-            <a:off x="3918883" y="1870284"/>
-            <a:ext cx="4020111" cy="3705742"/>
+        <p:spPr bwMode="auto">
+          <a:xfrm>
+            <a:off x="7246085" y="2256553"/>
+            <a:ext cx="3524584" cy="3182735"/>
           </a:xfrm>
           <a:prstGeom prst="rect">
             <a:avLst/>
           </a:prstGeom>
+          <a:noFill/>
+          <a:extLst>
+            <a:ext uri="{909E8E84-426E-40DD-AFC4-6F175D3DCCD1}">
+              <a14:hiddenFill xmlns:a14="http://schemas.microsoft.com/office/drawing/2010/main">
+                <a:solidFill>
+                  <a:srgbClr val="FFFFFF"/>
+                </a:solidFill>
+              </a14:hiddenFill>
+            </a:ext>
+          </a:extLst>
         </p:spPr>
       </p:pic>
     </p:spTree>
     <p:extLst>
       <p:ext uri="{BB962C8B-B14F-4D97-AF65-F5344CB8AC3E}">
-        <p14:creationId xmlns:p14="http://schemas.microsoft.com/office/powerpoint/2010/main" val="2106228637"/>
+        <p14:creationId xmlns:p14="http://schemas.microsoft.com/office/powerpoint/2010/main" val="829396020"/>
       </p:ext>
     </p:extLst>
   </p:cSld>
